--- a/Présentation de slides.pptx
+++ b/Présentation de slides.pptx
@@ -129,16 +129,78 @@
 </p:presentation>
 </file>
 
-<file path=ppt/revisionInfo.xml><?xml version="1.0" encoding="utf-8"?>
-<p1510:revInfo xmlns:a="http://schemas.openxmlformats.org/drawingml/2006/main" xmlns:r="http://schemas.openxmlformats.org/officeDocument/2006/relationships" xmlns:p1510="http://schemas.microsoft.com/office/powerpoint/2015/10/main">
-  <p1510:revLst>
-    <p1510:client id="{AAA4E363-0649-4C99-ADC8-55A77C4D773F}" v="79" dt="2023-08-18T10:20:43.182"/>
-  </p1510:revLst>
-</p1510:revInfo>
-</file>
-
 <file path=ppt/changesInfos/changesInfo1.xml><?xml version="1.0" encoding="utf-8"?>
 <pc:chgInfo xmlns:a="http://schemas.openxmlformats.org/drawingml/2006/main" xmlns:r="http://schemas.openxmlformats.org/officeDocument/2006/relationships" xmlns:ac="http://schemas.microsoft.com/office/drawing/2013/main/command" xmlns:pc="http://schemas.microsoft.com/office/powerpoint/2013/main/command">
+  <pc:docChgLst>
+    <pc:chgData name="Quentin Beraud" userId="6a419fc9c26811ab" providerId="LiveId" clId="{3F3CC9DC-DBBB-44EF-8315-E9D08EE2DA56}"/>
+    <pc:docChg chg="custSel modSld">
+      <pc:chgData name="Quentin Beraud" userId="6a419fc9c26811ab" providerId="LiveId" clId="{3F3CC9DC-DBBB-44EF-8315-E9D08EE2DA56}" dt="2023-09-07T08:55:38.687" v="58" actId="12"/>
+      <pc:docMkLst>
+        <pc:docMk/>
+      </pc:docMkLst>
+      <pc:sldChg chg="modSp mod">
+        <pc:chgData name="Quentin Beraud" userId="6a419fc9c26811ab" providerId="LiveId" clId="{3F3CC9DC-DBBB-44EF-8315-E9D08EE2DA56}" dt="2023-09-07T08:55:38.687" v="58" actId="12"/>
+        <pc:sldMkLst>
+          <pc:docMk/>
+          <pc:sldMk cId="2249982744" sldId="307"/>
+        </pc:sldMkLst>
+        <pc:spChg chg="mod">
+          <ac:chgData name="Quentin Beraud" userId="6a419fc9c26811ab" providerId="LiveId" clId="{3F3CC9DC-DBBB-44EF-8315-E9D08EE2DA56}" dt="2023-09-07T08:55:38.687" v="58" actId="12"/>
+          <ac:spMkLst>
+            <pc:docMk/>
+            <pc:sldMk cId="2249982744" sldId="307"/>
+            <ac:spMk id="5" creationId="{CEEB3BAE-C0B2-447C-B8BE-96C6BD84D658}"/>
+          </ac:spMkLst>
+        </pc:spChg>
+      </pc:sldChg>
+      <pc:sldChg chg="addSp delSp modSp mod">
+        <pc:chgData name="Quentin Beraud" userId="6a419fc9c26811ab" providerId="LiveId" clId="{3F3CC9DC-DBBB-44EF-8315-E9D08EE2DA56}" dt="2023-09-07T08:29:47.422" v="5" actId="167"/>
+        <pc:sldMkLst>
+          <pc:docMk/>
+          <pc:sldMk cId="271191972" sldId="319"/>
+        </pc:sldMkLst>
+        <pc:picChg chg="add mod ord">
+          <ac:chgData name="Quentin Beraud" userId="6a419fc9c26811ab" providerId="LiveId" clId="{3F3CC9DC-DBBB-44EF-8315-E9D08EE2DA56}" dt="2023-09-07T08:29:47.422" v="5" actId="167"/>
+          <ac:picMkLst>
+            <pc:docMk/>
+            <pc:sldMk cId="271191972" sldId="319"/>
+            <ac:picMk id="6" creationId="{9E4816F4-BE45-F773-71E1-026C145CABB5}"/>
+          </ac:picMkLst>
+        </pc:picChg>
+        <pc:picChg chg="del">
+          <ac:chgData name="Quentin Beraud" userId="6a419fc9c26811ab" providerId="LiveId" clId="{3F3CC9DC-DBBB-44EF-8315-E9D08EE2DA56}" dt="2023-09-07T08:22:59.246" v="0" actId="478"/>
+          <ac:picMkLst>
+            <pc:docMk/>
+            <pc:sldMk cId="271191972" sldId="319"/>
+            <ac:picMk id="16" creationId="{729BC831-2D2F-69C0-8E64-FE4DB1121588}"/>
+          </ac:picMkLst>
+        </pc:picChg>
+      </pc:sldChg>
+      <pc:sldChg chg="addSp delSp modSp mod">
+        <pc:chgData name="Quentin Beraud" userId="6a419fc9c26811ab" providerId="LiveId" clId="{3F3CC9DC-DBBB-44EF-8315-E9D08EE2DA56}" dt="2023-09-07T08:30:17.830" v="10" actId="1076"/>
+        <pc:sldMkLst>
+          <pc:docMk/>
+          <pc:sldMk cId="4078171086" sldId="320"/>
+        </pc:sldMkLst>
+        <pc:picChg chg="add mod ord">
+          <ac:chgData name="Quentin Beraud" userId="6a419fc9c26811ab" providerId="LiveId" clId="{3F3CC9DC-DBBB-44EF-8315-E9D08EE2DA56}" dt="2023-09-07T08:30:17.830" v="10" actId="1076"/>
+          <ac:picMkLst>
+            <pc:docMk/>
+            <pc:sldMk cId="4078171086" sldId="320"/>
+            <ac:picMk id="6" creationId="{6AA1F80F-0FC7-EA78-2BD8-45844F6FFAAA}"/>
+          </ac:picMkLst>
+        </pc:picChg>
+        <pc:picChg chg="del">
+          <ac:chgData name="Quentin Beraud" userId="6a419fc9c26811ab" providerId="LiveId" clId="{3F3CC9DC-DBBB-44EF-8315-E9D08EE2DA56}" dt="2023-09-07T08:23:01.854" v="1" actId="478"/>
+          <ac:picMkLst>
+            <pc:docMk/>
+            <pc:sldMk cId="4078171086" sldId="320"/>
+            <ac:picMk id="12" creationId="{BA9ED0F3-500E-18E1-CE8F-0D071C1E1D90}"/>
+          </ac:picMkLst>
+        </pc:picChg>
+      </pc:sldChg>
+    </pc:docChg>
+  </pc:docChgLst>
   <pc:docChgLst>
     <pc:chgData name="Quentin Beraud" userId="6a419fc9c26811ab" providerId="LiveId" clId="{AAA4E363-0649-4C99-ADC8-55A77C4D773F}"/>
     <pc:docChg chg="undo redo custSel addSld delSld modSld">
@@ -4669,7 +4731,7 @@
             <a:pPr rtl="0"/>
             <a:fld id="{EBB651C5-239C-481D-B679-C1853F3D7869}" type="datetime1">
               <a:rPr lang="fr-FR" smtClean="0"/>
-              <a:t>18/08/2023</a:t>
+              <a:t>07/09/2023</a:t>
             </a:fld>
             <a:endParaRPr lang="fr-FR" dirty="0"/>
           </a:p>
@@ -4850,7 +4912,7 @@
             <a:fld id="{0CC3F468-A24C-40BA-9BA0-927B9D8CEF08}" type="datetime1">
               <a:rPr lang="fr-FR" smtClean="0"/>
               <a:pPr/>
-              <a:t>18/08/2023</a:t>
+              <a:t>07/09/2023</a:t>
             </a:fld>
             <a:endParaRPr lang="fr-FR" dirty="0"/>
           </a:p>
@@ -14447,7 +14509,7 @@
               <a:buNone/>
             </a:pPr>
             <a:r>
-              <a:rPr lang="fr-FR" sz="1800" dirty="0"/>
+              <a:rPr lang="fr-FR" dirty="0"/>
               <a:t>Création des modèles correspondants aux objets recherchés :</a:t>
             </a:r>
           </a:p>
@@ -14479,11 +14541,19 @@
             </a:r>
             <a:r>
               <a:rPr lang="fr-FR" sz="1600" dirty="0"/>
-              <a:t> &amp; </a:t>
+              <a:t>, </a:t>
             </a:r>
             <a:r>
               <a:rPr lang="fr-FR" sz="1600" dirty="0" err="1"/>
               <a:t>MedicalRecord</a:t>
+            </a:r>
+            <a:r>
+              <a:rPr lang="fr-FR" sz="1600" dirty="0"/>
+              <a:t> et </a:t>
+            </a:r>
+            <a:r>
+              <a:rPr lang="fr-FR" sz="1600" dirty="0" err="1"/>
+              <a:t>Households</a:t>
             </a:r>
             <a:r>
               <a:rPr lang="fr-FR" sz="1600" dirty="0"/>
@@ -14529,8 +14599,8 @@
               <a:buNone/>
             </a:pPr>
             <a:r>
-              <a:rPr lang="fr-FR" sz="1800" dirty="0"/>
-              <a:t>Création des Contrôleurs pour les interactions utilisateurs via les différents Endpoints.</a:t>
+              <a:rPr lang="fr-FR" dirty="0"/>
+              <a:t>Création des Contrôleurs pour les futures interactions utilisateurs via les différents Endpoints.</a:t>
             </a:r>
           </a:p>
           <a:p>
@@ -14541,7 +14611,7 @@
               <a:buNone/>
             </a:pPr>
             <a:r>
-              <a:rPr lang="fr-FR" sz="1800" dirty="0"/>
+              <a:rPr lang="fr-FR" dirty="0"/>
               <a:t>Création des Services pour la logique métiers.</a:t>
             </a:r>
           </a:p>
@@ -14553,7 +14623,7 @@
               <a:buNone/>
             </a:pPr>
             <a:r>
-              <a:rPr lang="fr-FR" sz="1800" dirty="0"/>
+              <a:rPr lang="fr-FR" dirty="0"/>
               <a:t>Création de la Dao pour l’accès aux données.</a:t>
             </a:r>
           </a:p>
@@ -14565,16 +14635,15 @@
               <a:buNone/>
             </a:pPr>
             <a:r>
-              <a:rPr lang="fr-FR" dirty="0"/>
+              <a:rPr lang="fr-FR" sz="1800" dirty="0"/>
               <a:t>Tout en respectant au maximum les principes du TDD et SOLID  tels que :</a:t>
             </a:r>
           </a:p>
           <a:p>
-            <a:pPr marL="360000" lvl="1" indent="0">
+            <a:pPr marL="645750" lvl="1" indent="-285750">
               <a:spcAft>
                 <a:spcPts val="500"/>
               </a:spcAft>
-              <a:buNone/>
             </a:pPr>
             <a:r>
               <a:rPr lang="fr-FR" dirty="0"/>
@@ -14582,11 +14651,10 @@
             </a:r>
           </a:p>
           <a:p>
-            <a:pPr marL="360000" lvl="1" indent="0">
+            <a:pPr marL="645750" lvl="1" indent="-285750">
               <a:spcAft>
                 <a:spcPts val="500"/>
               </a:spcAft>
-              <a:buNone/>
             </a:pPr>
             <a:r>
               <a:rPr lang="fr-FR" dirty="0"/>
@@ -14594,11 +14662,10 @@
             </a:r>
           </a:p>
           <a:p>
-            <a:pPr marL="360000" lvl="1" indent="0">
+            <a:pPr marL="645750" lvl="1" indent="-285750">
               <a:spcAft>
                 <a:spcPts val="500"/>
               </a:spcAft>
-              <a:buNone/>
             </a:pPr>
             <a:r>
               <a:rPr lang="fr-FR" dirty="0"/>
@@ -14611,11 +14678,10 @@
             <a:endParaRPr lang="fr-FR" dirty="0"/>
           </a:p>
           <a:p>
-            <a:pPr marL="360000" lvl="1" indent="0">
+            <a:pPr marL="645750" lvl="1" indent="-285750">
               <a:spcAft>
                 <a:spcPts val="500"/>
               </a:spcAft>
-              <a:buNone/>
             </a:pPr>
             <a:r>
               <a:rPr lang="fr-FR" dirty="0"/>
@@ -14623,11 +14689,10 @@
             </a:r>
           </a:p>
           <a:p>
-            <a:pPr marL="360000" lvl="1" indent="0">
+            <a:pPr marL="645750" lvl="1" indent="-285750">
               <a:spcAft>
                 <a:spcPts val="500"/>
               </a:spcAft>
-              <a:buNone/>
             </a:pPr>
             <a:r>
               <a:rPr lang="fr-FR" dirty="0"/>
@@ -15214,6 +15279,36 @@
           <a:chExt cx="0" cy="0"/>
         </a:xfrm>
       </p:grpSpPr>
+      <p:pic>
+        <p:nvPicPr>
+          <p:cNvPr id="6" name="Image 5">
+            <a:extLst>
+              <a:ext uri="{FF2B5EF4-FFF2-40B4-BE49-F238E27FC236}">
+                <a16:creationId xmlns:a16="http://schemas.microsoft.com/office/drawing/2014/main" id="{9E4816F4-BE45-F773-71E1-026C145CABB5}"/>
+              </a:ext>
+            </a:extLst>
+          </p:cNvPr>
+          <p:cNvPicPr>
+            <a:picLocks noChangeAspect="1"/>
+          </p:cNvPicPr>
+          <p:nvPr/>
+        </p:nvPicPr>
+        <p:blipFill>
+          <a:blip r:embed="rId3"/>
+          <a:stretch>
+            <a:fillRect/>
+          </a:stretch>
+        </p:blipFill>
+        <p:spPr>
+          <a:xfrm>
+            <a:off x="579037" y="990140"/>
+            <a:ext cx="10386223" cy="5381208"/>
+          </a:xfrm>
+          <a:prstGeom prst="rect">
+            <a:avLst/>
+          </a:prstGeom>
+        </p:spPr>
+      </p:pic>
       <p:cxnSp>
         <p:nvCxnSpPr>
           <p:cNvPr id="11" name="Connecteur droit 10" descr="Séparateur de diapositive">
@@ -15476,7 +15571,7 @@
           <p:nvPr/>
         </p:nvPicPr>
         <p:blipFill rotWithShape="1">
-          <a:blip r:embed="rId3">
+          <a:blip r:embed="rId4">
             <a:extLst>
               <a:ext uri="{28A0092B-C50C-407E-A947-70E740481C1C}">
                 <a14:useLocalDpi xmlns:a14="http://schemas.microsoft.com/office/drawing/2010/main" val="0"/>
@@ -15521,7 +15616,7 @@
           <p:nvPr/>
         </p:nvPicPr>
         <p:blipFill rotWithShape="1">
-          <a:blip r:embed="rId3">
+          <a:blip r:embed="rId4">
             <a:extLst>
               <a:ext uri="{28A0092B-C50C-407E-A947-70E740481C1C}">
                 <a14:useLocalDpi xmlns:a14="http://schemas.microsoft.com/office/drawing/2010/main" val="0"/>
@@ -15549,36 +15644,6 @@
               </a14:hiddenFill>
             </a:ext>
           </a:extLst>
-        </p:spPr>
-      </p:pic>
-      <p:pic>
-        <p:nvPicPr>
-          <p:cNvPr id="16" name="Image 15" descr="Une image contenant diagramme, croquis, texte, dessin&#10;&#10;Description générée automatiquement">
-            <a:extLst>
-              <a:ext uri="{FF2B5EF4-FFF2-40B4-BE49-F238E27FC236}">
-                <a16:creationId xmlns:a16="http://schemas.microsoft.com/office/drawing/2014/main" id="{729BC831-2D2F-69C0-8E64-FE4DB1121588}"/>
-              </a:ext>
-            </a:extLst>
-          </p:cNvPr>
-          <p:cNvPicPr>
-            <a:picLocks noChangeAspect="1"/>
-          </p:cNvPicPr>
-          <p:nvPr/>
-        </p:nvPicPr>
-        <p:blipFill>
-          <a:blip r:embed="rId4"/>
-          <a:stretch>
-            <a:fillRect/>
-          </a:stretch>
-        </p:blipFill>
-        <p:spPr>
-          <a:xfrm>
-            <a:off x="456023" y="1249328"/>
-            <a:ext cx="11315700" cy="4724400"/>
-          </a:xfrm>
-          <a:prstGeom prst="rect">
-            <a:avLst/>
-          </a:prstGeom>
         </p:spPr>
       </p:pic>
     </p:spTree>
@@ -15613,10 +15678,10 @@
       </p:grpSpPr>
       <p:pic>
         <p:nvPicPr>
-          <p:cNvPr id="12" name="Image 11" descr="Une image contenant texte, diagramme, Parallèle, Police&#10;&#10;Description générée automatiquement">
+          <p:cNvPr id="6" name="Image 5">
             <a:extLst>
               <a:ext uri="{FF2B5EF4-FFF2-40B4-BE49-F238E27FC236}">
-                <a16:creationId xmlns:a16="http://schemas.microsoft.com/office/drawing/2014/main" id="{BA9ED0F3-500E-18E1-CE8F-0D071C1E1D90}"/>
+                <a16:creationId xmlns:a16="http://schemas.microsoft.com/office/drawing/2014/main" id="{6AA1F80F-0FC7-EA78-2BD8-45844F6FFAAA}"/>
               </a:ext>
             </a:extLst>
           </p:cNvPr>
@@ -15633,8 +15698,8 @@
         </p:blipFill>
         <p:spPr>
           <a:xfrm>
-            <a:off x="1239714" y="7045"/>
-            <a:ext cx="9785888" cy="6364303"/>
+            <a:off x="2857360" y="266808"/>
+            <a:ext cx="6477280" cy="5858290"/>
           </a:xfrm>
           <a:prstGeom prst="rect">
             <a:avLst/>
@@ -18474,6 +18539,15 @@
 </file>
 
 <file path=customXml/item1.xml><?xml version="1.0" encoding="utf-8"?>
+<p:properties xmlns:p="http://schemas.microsoft.com/office/2006/metadata/properties" xmlns:xsi="http://www.w3.org/2001/XMLSchema-instance" xmlns:pc="http://schemas.microsoft.com/office/infopath/2007/PartnerControls">
+  <documentManagement>
+    <_ip_UnifiedCompliancePolicyUIAction xmlns="http://schemas.microsoft.com/sharepoint/v3" xsi:nil="true"/>
+    <_ip_UnifiedCompliancePolicyProperties xmlns="http://schemas.microsoft.com/sharepoint/v3" xsi:nil="true"/>
+  </documentManagement>
+</p:properties>
+</file>
+
+<file path=customXml/item2.xml><?xml version="1.0" encoding="utf-8"?>
 <ct:contentTypeSchema xmlns:ct="http://schemas.microsoft.com/office/2006/metadata/contentType" xmlns:ma="http://schemas.microsoft.com/office/2006/metadata/properties/metaAttributes" ct:_="" ma:_="" ma:contentTypeName="Document" ma:contentTypeID="0x010100DEEA25CC0A0AC24199CDC46C25B8B0BC" ma:contentTypeVersion="9" ma:contentTypeDescription="Create a new document." ma:contentTypeScope="" ma:versionID="76e25e1730b4532ab1d5e5b131a96a5a">
   <xsd:schema xmlns:xsd="http://www.w3.org/2001/XMLSchema" xmlns:xs="http://www.w3.org/2001/XMLSchema" xmlns:p="http://schemas.microsoft.com/office/2006/metadata/properties" xmlns:ns1="http://schemas.microsoft.com/sharepoint/v3" xmlns:ns2="6dc4bcd6-49db-4c07-9060-8acfc67cef9f" xmlns:ns3="fb0879af-3eba-417a-a55a-ffe6dcd6ca77" targetNamespace="http://schemas.microsoft.com/office/2006/metadata/properties" ma:root="true" ma:fieldsID="ad1e9281a84c4949647088091c718de3" ns1:_="" ns2:_="" ns3:_="">
     <xsd:import namespace="http://schemas.microsoft.com/sharepoint/v3"/>
@@ -18675,16 +18749,25 @@
 </ct:contentTypeSchema>
 </file>
 
-<file path=customXml/item2.xml><?xml version="1.0" encoding="utf-8"?>
-<p:properties xmlns:p="http://schemas.microsoft.com/office/2006/metadata/properties" xmlns:xsi="http://www.w3.org/2001/XMLSchema-instance" xmlns:pc="http://schemas.microsoft.com/office/infopath/2007/PartnerControls">
-  <documentManagement>
-    <_ip_UnifiedCompliancePolicyUIAction xmlns="http://schemas.microsoft.com/sharepoint/v3" xsi:nil="true"/>
-    <_ip_UnifiedCompliancePolicyProperties xmlns="http://schemas.microsoft.com/sharepoint/v3" xsi:nil="true"/>
-  </documentManagement>
-</p:properties>
+<file path=customXml/itemProps1.xml><?xml version="1.0" encoding="utf-8"?>
+<ds:datastoreItem xmlns:ds="http://schemas.openxmlformats.org/officeDocument/2006/customXml" ds:itemID="{EB2218FC-8412-44B9-9E82-D51F1F531141}">
+  <ds:schemaRefs>
+    <ds:schemaRef ds:uri="http://purl.org/dc/dcmitype/"/>
+    <ds:schemaRef ds:uri="6dc4bcd6-49db-4c07-9060-8acfc67cef9f"/>
+    <ds:schemaRef ds:uri="http://schemas.microsoft.com/office/2006/metadata/properties"/>
+    <ds:schemaRef ds:uri="http://schemas.microsoft.com/office/2006/documentManagement/types"/>
+    <ds:schemaRef ds:uri="http://schemas.microsoft.com/sharepoint/v3"/>
+    <ds:schemaRef ds:uri="http://www.w3.org/XML/1998/namespace"/>
+    <ds:schemaRef ds:uri="http://schemas.microsoft.com/office/infopath/2007/PartnerControls"/>
+    <ds:schemaRef ds:uri="http://purl.org/dc/elements/1.1/"/>
+    <ds:schemaRef ds:uri="http://schemas.openxmlformats.org/package/2006/metadata/core-properties"/>
+    <ds:schemaRef ds:uri="fb0879af-3eba-417a-a55a-ffe6dcd6ca77"/>
+    <ds:schemaRef ds:uri="http://purl.org/dc/terms/"/>
+  </ds:schemaRefs>
+</ds:datastoreItem>
 </file>
 
-<file path=customXml/itemProps1.xml><?xml version="1.0" encoding="utf-8"?>
+<file path=customXml/itemProps2.xml><?xml version="1.0" encoding="utf-8"?>
 <ds:datastoreItem xmlns:ds="http://schemas.openxmlformats.org/officeDocument/2006/customXml" ds:itemID="{B64A4C9D-F801-4923-BC6D-E0006F512331}">
   <ds:schemaRefs>
     <ds:schemaRef ds:uri="http://schemas.microsoft.com/office/2006/metadata/contentType"/>
@@ -18702,22 +18785,4 @@
     <ds:schemaRef ds:uri="http://schemas.microsoft.com/internal/obd"/>
   </ds:schemaRefs>
 </ds:datastoreItem>
-</file>
-
-<file path=customXml/itemProps2.xml><?xml version="1.0" encoding="utf-8"?>
-<ds:datastoreItem xmlns:ds="http://schemas.openxmlformats.org/officeDocument/2006/customXml" ds:itemID="{EB2218FC-8412-44B9-9E82-D51F1F531141}">
-  <ds:schemaRefs>
-    <ds:schemaRef ds:uri="http://purl.org/dc/dcmitype/"/>
-    <ds:schemaRef ds:uri="6dc4bcd6-49db-4c07-9060-8acfc67cef9f"/>
-    <ds:schemaRef ds:uri="http://schemas.microsoft.com/office/2006/metadata/properties"/>
-    <ds:schemaRef ds:uri="http://schemas.microsoft.com/office/2006/documentManagement/types"/>
-    <ds:schemaRef ds:uri="http://schemas.microsoft.com/sharepoint/v3"/>
-    <ds:schemaRef ds:uri="http://www.w3.org/XML/1998/namespace"/>
-    <ds:schemaRef ds:uri="http://schemas.microsoft.com/office/infopath/2007/PartnerControls"/>
-    <ds:schemaRef ds:uri="http://purl.org/dc/elements/1.1/"/>
-    <ds:schemaRef ds:uri="http://schemas.openxmlformats.org/package/2006/metadata/core-properties"/>
-    <ds:schemaRef ds:uri="fb0879af-3eba-417a-a55a-ffe6dcd6ca77"/>
-    <ds:schemaRef ds:uri="http://purl.org/dc/terms/"/>
-  </ds:schemaRefs>
-</ds:datastoreItem>
 </file>
--- a/Présentation de slides.pptx
+++ b/Présentation de slides.pptx
@@ -5,10 +5,10 @@
     <p:sldMasterId id="2147483648" r:id="rId3"/>
   </p:sldMasterIdLst>
   <p:notesMasterIdLst>
-    <p:notesMasterId r:id="rId13"/>
+    <p:notesMasterId r:id="rId14"/>
   </p:notesMasterIdLst>
   <p:handoutMasterIdLst>
-    <p:handoutMasterId r:id="rId14"/>
+    <p:handoutMasterId r:id="rId15"/>
   </p:handoutMasterIdLst>
   <p:sldIdLst>
     <p:sldId id="298" r:id="rId4"/>
@@ -16,10 +16,11 @@
     <p:sldId id="299" r:id="rId6"/>
     <p:sldId id="284" r:id="rId7"/>
     <p:sldId id="307" r:id="rId8"/>
-    <p:sldId id="319" r:id="rId9"/>
-    <p:sldId id="320" r:id="rId10"/>
-    <p:sldId id="317" r:id="rId11"/>
-    <p:sldId id="318" r:id="rId12"/>
+    <p:sldId id="321" r:id="rId9"/>
+    <p:sldId id="319" r:id="rId10"/>
+    <p:sldId id="320" r:id="rId11"/>
+    <p:sldId id="317" r:id="rId12"/>
+    <p:sldId id="318" r:id="rId13"/>
   </p:sldIdLst>
   <p:sldSz cx="12192000" cy="6858000"/>
   <p:notesSz cx="6858000" cy="9144000"/>
@@ -129,23 +130,76 @@
 </p:presentation>
 </file>
 
+<file path=ppt/revisionInfo.xml><?xml version="1.0" encoding="utf-8"?>
+<p1510:revInfo xmlns:a="http://schemas.openxmlformats.org/drawingml/2006/main" xmlns:r="http://schemas.openxmlformats.org/officeDocument/2006/relationships" xmlns:p1510="http://schemas.microsoft.com/office/powerpoint/2015/10/main">
+  <p1510:revLst>
+    <p1510:client id="{3F3CC9DC-DBBB-44EF-8315-E9D08EE2DA56}" v="1" dt="2023-09-12T07:41:41.790"/>
+  </p1510:revLst>
+</p1510:revInfo>
+</file>
+
 <file path=ppt/changesInfos/changesInfo1.xml><?xml version="1.0" encoding="utf-8"?>
 <pc:chgInfo xmlns:a="http://schemas.openxmlformats.org/drawingml/2006/main" xmlns:r="http://schemas.openxmlformats.org/officeDocument/2006/relationships" xmlns:ac="http://schemas.microsoft.com/office/drawing/2013/main/command" xmlns:pc="http://schemas.microsoft.com/office/powerpoint/2013/main/command">
   <pc:docChgLst>
     <pc:chgData name="Quentin Beraud" userId="6a419fc9c26811ab" providerId="LiveId" clId="{3F3CC9DC-DBBB-44EF-8315-E9D08EE2DA56}"/>
-    <pc:docChg chg="custSel modSld">
-      <pc:chgData name="Quentin Beraud" userId="6a419fc9c26811ab" providerId="LiveId" clId="{3F3CC9DC-DBBB-44EF-8315-E9D08EE2DA56}" dt="2023-09-07T08:55:38.687" v="58" actId="12"/>
+    <pc:docChg chg="undo redo custSel addSld delSld modSld">
+      <pc:chgData name="Quentin Beraud" userId="6a419fc9c26811ab" providerId="LiveId" clId="{3F3CC9DC-DBBB-44EF-8315-E9D08EE2DA56}" dt="2023-09-12T08:17:15.737" v="2628" actId="20577"/>
       <pc:docMkLst>
         <pc:docMk/>
       </pc:docMkLst>
+      <pc:sldChg chg="modSp add del mod">
+        <pc:chgData name="Quentin Beraud" userId="6a419fc9c26811ab" providerId="LiveId" clId="{3F3CC9DC-DBBB-44EF-8315-E9D08EE2DA56}" dt="2023-09-12T08:07:52.801" v="1868" actId="12"/>
+        <pc:sldMkLst>
+          <pc:docMk/>
+          <pc:sldMk cId="1329746698" sldId="283"/>
+        </pc:sldMkLst>
+        <pc:spChg chg="mod">
+          <ac:chgData name="Quentin Beraud" userId="6a419fc9c26811ab" providerId="LiveId" clId="{3F3CC9DC-DBBB-44EF-8315-E9D08EE2DA56}" dt="2023-09-12T08:07:52.801" v="1868" actId="12"/>
+          <ac:spMkLst>
+            <pc:docMk/>
+            <pc:sldMk cId="1329746698" sldId="283"/>
+            <ac:spMk id="4" creationId="{D355C61F-C8F1-4977-8E1F-F16C0D9EA88C}"/>
+          </ac:spMkLst>
+        </pc:spChg>
+      </pc:sldChg>
       <pc:sldChg chg="modSp mod">
-        <pc:chgData name="Quentin Beraud" userId="6a419fc9c26811ab" providerId="LiveId" clId="{3F3CC9DC-DBBB-44EF-8315-E9D08EE2DA56}" dt="2023-09-07T08:55:38.687" v="58" actId="12"/>
+        <pc:chgData name="Quentin Beraud" userId="6a419fc9c26811ab" providerId="LiveId" clId="{3F3CC9DC-DBBB-44EF-8315-E9D08EE2DA56}" dt="2023-09-12T08:08:05.697" v="1870" actId="12"/>
+        <pc:sldMkLst>
+          <pc:docMk/>
+          <pc:sldMk cId="3188837873" sldId="284"/>
+        </pc:sldMkLst>
+        <pc:spChg chg="mod">
+          <ac:chgData name="Quentin Beraud" userId="6a419fc9c26811ab" providerId="LiveId" clId="{3F3CC9DC-DBBB-44EF-8315-E9D08EE2DA56}" dt="2023-09-12T08:08:05.697" v="1870" actId="12"/>
+          <ac:spMkLst>
+            <pc:docMk/>
+            <pc:sldMk cId="3188837873" sldId="284"/>
+            <ac:spMk id="5" creationId="{CEEB3BAE-C0B2-447C-B8BE-96C6BD84D658}"/>
+          </ac:spMkLst>
+        </pc:spChg>
+      </pc:sldChg>
+      <pc:sldChg chg="modSp mod">
+        <pc:chgData name="Quentin Beraud" userId="6a419fc9c26811ab" providerId="LiveId" clId="{3F3CC9DC-DBBB-44EF-8315-E9D08EE2DA56}" dt="2023-09-12T08:07:59.574" v="1869" actId="12"/>
+        <pc:sldMkLst>
+          <pc:docMk/>
+          <pc:sldMk cId="3062379386" sldId="299"/>
+        </pc:sldMkLst>
+        <pc:spChg chg="mod">
+          <ac:chgData name="Quentin Beraud" userId="6a419fc9c26811ab" providerId="LiveId" clId="{3F3CC9DC-DBBB-44EF-8315-E9D08EE2DA56}" dt="2023-09-12T08:07:59.574" v="1869" actId="12"/>
+          <ac:spMkLst>
+            <pc:docMk/>
+            <pc:sldMk cId="3062379386" sldId="299"/>
+            <ac:spMk id="4" creationId="{D355C61F-C8F1-4977-8E1F-F16C0D9EA88C}"/>
+          </ac:spMkLst>
+        </pc:spChg>
+      </pc:sldChg>
+      <pc:sldChg chg="modSp mod">
+        <pc:chgData name="Quentin Beraud" userId="6a419fc9c26811ab" providerId="LiveId" clId="{3F3CC9DC-DBBB-44EF-8315-E9D08EE2DA56}" dt="2023-09-12T08:10:15.807" v="1902" actId="20577"/>
         <pc:sldMkLst>
           <pc:docMk/>
           <pc:sldMk cId="2249982744" sldId="307"/>
         </pc:sldMkLst>
         <pc:spChg chg="mod">
-          <ac:chgData name="Quentin Beraud" userId="6a419fc9c26811ab" providerId="LiveId" clId="{3F3CC9DC-DBBB-44EF-8315-E9D08EE2DA56}" dt="2023-09-07T08:55:38.687" v="58" actId="12"/>
+          <ac:chgData name="Quentin Beraud" userId="6a419fc9c26811ab" providerId="LiveId" clId="{3F3CC9DC-DBBB-44EF-8315-E9D08EE2DA56}" dt="2023-09-12T08:10:15.807" v="1902" actId="20577"/>
           <ac:spMkLst>
             <pc:docMk/>
             <pc:sldMk cId="2249982744" sldId="307"/>
@@ -154,17 +208,87 @@
         </pc:spChg>
       </pc:sldChg>
       <pc:sldChg chg="addSp delSp modSp mod">
-        <pc:chgData name="Quentin Beraud" userId="6a419fc9c26811ab" providerId="LiveId" clId="{3F3CC9DC-DBBB-44EF-8315-E9D08EE2DA56}" dt="2023-09-07T08:29:47.422" v="5" actId="167"/>
+        <pc:chgData name="Quentin Beraud" userId="6a419fc9c26811ab" providerId="LiveId" clId="{3F3CC9DC-DBBB-44EF-8315-E9D08EE2DA56}" dt="2023-09-12T07:29:37.628" v="87" actId="1076"/>
+        <pc:sldMkLst>
+          <pc:docMk/>
+          <pc:sldMk cId="2795806566" sldId="317"/>
+        </pc:sldMkLst>
+        <pc:spChg chg="mod">
+          <ac:chgData name="Quentin Beraud" userId="6a419fc9c26811ab" providerId="LiveId" clId="{3F3CC9DC-DBBB-44EF-8315-E9D08EE2DA56}" dt="2023-09-12T07:29:37.628" v="87" actId="1076"/>
+          <ac:spMkLst>
+            <pc:docMk/>
+            <pc:sldMk cId="2795806566" sldId="317"/>
+            <ac:spMk id="13" creationId="{601856F3-405B-C8B6-A9C1-ECF7A771F398}"/>
+          </ac:spMkLst>
+        </pc:spChg>
+        <pc:picChg chg="add mod modCrop">
+          <ac:chgData name="Quentin Beraud" userId="6a419fc9c26811ab" providerId="LiveId" clId="{3F3CC9DC-DBBB-44EF-8315-E9D08EE2DA56}" dt="2023-09-12T07:29:26.853" v="86" actId="732"/>
+          <ac:picMkLst>
+            <pc:docMk/>
+            <pc:sldMk cId="2795806566" sldId="317"/>
+            <ac:picMk id="6" creationId="{2D5583A2-6139-091B-ED6F-D6F51C49CFDE}"/>
+          </ac:picMkLst>
+        </pc:picChg>
+        <pc:picChg chg="del">
+          <ac:chgData name="Quentin Beraud" userId="6a419fc9c26811ab" providerId="LiveId" clId="{3F3CC9DC-DBBB-44EF-8315-E9D08EE2DA56}" dt="2023-09-09T18:21:07.498" v="59" actId="478"/>
+          <ac:picMkLst>
+            <pc:docMk/>
+            <pc:sldMk cId="2795806566" sldId="317"/>
+            <ac:picMk id="11" creationId="{A9F4D5A4-182C-6E52-CE9E-D976D1F8B1F0}"/>
+          </ac:picMkLst>
+        </pc:picChg>
+      </pc:sldChg>
+      <pc:sldChg chg="addSp delSp modSp mod">
+        <pc:chgData name="Quentin Beraud" userId="6a419fc9c26811ab" providerId="LiveId" clId="{3F3CC9DC-DBBB-44EF-8315-E9D08EE2DA56}" dt="2023-09-12T07:31:21.408" v="103" actId="1076"/>
+        <pc:sldMkLst>
+          <pc:docMk/>
+          <pc:sldMk cId="1631205840" sldId="318"/>
+        </pc:sldMkLst>
+        <pc:spChg chg="mod">
+          <ac:chgData name="Quentin Beraud" userId="6a419fc9c26811ab" providerId="LiveId" clId="{3F3CC9DC-DBBB-44EF-8315-E9D08EE2DA56}" dt="2023-09-12T07:31:18.693" v="102" actId="20577"/>
+          <ac:spMkLst>
+            <pc:docMk/>
+            <pc:sldMk cId="1631205840" sldId="318"/>
+            <ac:spMk id="14" creationId="{F3FA885D-E381-54C2-077F-65647F9D4A51}"/>
+          </ac:spMkLst>
+        </pc:spChg>
+        <pc:picChg chg="add mod">
+          <ac:chgData name="Quentin Beraud" userId="6a419fc9c26811ab" providerId="LiveId" clId="{3F3CC9DC-DBBB-44EF-8315-E9D08EE2DA56}" dt="2023-09-12T07:31:21.408" v="103" actId="1076"/>
+          <ac:picMkLst>
+            <pc:docMk/>
+            <pc:sldMk cId="1631205840" sldId="318"/>
+            <ac:picMk id="6" creationId="{C44E3D1E-E42D-3853-0E57-2AAA56880943}"/>
+          </ac:picMkLst>
+        </pc:picChg>
+        <pc:picChg chg="del">
+          <ac:chgData name="Quentin Beraud" userId="6a419fc9c26811ab" providerId="LiveId" clId="{3F3CC9DC-DBBB-44EF-8315-E9D08EE2DA56}" dt="2023-09-12T07:29:48.415" v="88" actId="478"/>
+          <ac:picMkLst>
+            <pc:docMk/>
+            <pc:sldMk cId="1631205840" sldId="318"/>
+            <ac:picMk id="12" creationId="{9E90B67E-D9C9-272A-C425-B56CB5C016DA}"/>
+          </ac:picMkLst>
+        </pc:picChg>
+      </pc:sldChg>
+      <pc:sldChg chg="addSp delSp modSp mod">
+        <pc:chgData name="Quentin Beraud" userId="6a419fc9c26811ab" providerId="LiveId" clId="{3F3CC9DC-DBBB-44EF-8315-E9D08EE2DA56}" dt="2023-09-12T07:37:23.480" v="303" actId="14100"/>
         <pc:sldMkLst>
           <pc:docMk/>
           <pc:sldMk cId="271191972" sldId="319"/>
         </pc:sldMkLst>
-        <pc:picChg chg="add mod ord">
-          <ac:chgData name="Quentin Beraud" userId="6a419fc9c26811ab" providerId="LiveId" clId="{3F3CC9DC-DBBB-44EF-8315-E9D08EE2DA56}" dt="2023-09-07T08:29:47.422" v="5" actId="167"/>
+        <pc:picChg chg="add del mod ord">
+          <ac:chgData name="Quentin Beraud" userId="6a419fc9c26811ab" providerId="LiveId" clId="{3F3CC9DC-DBBB-44EF-8315-E9D08EE2DA56}" dt="2023-09-12T07:25:43.707" v="60" actId="478"/>
           <ac:picMkLst>
             <pc:docMk/>
             <pc:sldMk cId="271191972" sldId="319"/>
             <ac:picMk id="6" creationId="{9E4816F4-BE45-F773-71E1-026C145CABB5}"/>
+          </ac:picMkLst>
+        </pc:picChg>
+        <pc:picChg chg="add mod ord">
+          <ac:chgData name="Quentin Beraud" userId="6a419fc9c26811ab" providerId="LiveId" clId="{3F3CC9DC-DBBB-44EF-8315-E9D08EE2DA56}" dt="2023-09-12T07:37:23.480" v="303" actId="14100"/>
+          <ac:picMkLst>
+            <pc:docMk/>
+            <pc:sldMk cId="271191972" sldId="319"/>
+            <ac:picMk id="7" creationId="{38CCB796-2305-CAC6-9233-90E1F22B3D38}"/>
           </ac:picMkLst>
         </pc:picChg>
         <pc:picChg chg="del">
@@ -177,17 +301,25 @@
         </pc:picChg>
       </pc:sldChg>
       <pc:sldChg chg="addSp delSp modSp mod">
-        <pc:chgData name="Quentin Beraud" userId="6a419fc9c26811ab" providerId="LiveId" clId="{3F3CC9DC-DBBB-44EF-8315-E9D08EE2DA56}" dt="2023-09-07T08:30:17.830" v="10" actId="1076"/>
+        <pc:chgData name="Quentin Beraud" userId="6a419fc9c26811ab" providerId="LiveId" clId="{3F3CC9DC-DBBB-44EF-8315-E9D08EE2DA56}" dt="2023-09-12T07:27:59.041" v="80" actId="1076"/>
         <pc:sldMkLst>
           <pc:docMk/>
           <pc:sldMk cId="4078171086" sldId="320"/>
         </pc:sldMkLst>
-        <pc:picChg chg="add mod ord">
-          <ac:chgData name="Quentin Beraud" userId="6a419fc9c26811ab" providerId="LiveId" clId="{3F3CC9DC-DBBB-44EF-8315-E9D08EE2DA56}" dt="2023-09-07T08:30:17.830" v="10" actId="1076"/>
+        <pc:picChg chg="add del mod ord">
+          <ac:chgData name="Quentin Beraud" userId="6a419fc9c26811ab" providerId="LiveId" clId="{3F3CC9DC-DBBB-44EF-8315-E9D08EE2DA56}" dt="2023-09-12T07:25:47.167" v="61" actId="478"/>
           <ac:picMkLst>
             <pc:docMk/>
             <pc:sldMk cId="4078171086" sldId="320"/>
             <ac:picMk id="6" creationId="{6AA1F80F-0FC7-EA78-2BD8-45844F6FFAAA}"/>
+          </ac:picMkLst>
+        </pc:picChg>
+        <pc:picChg chg="add mod ord modCrop">
+          <ac:chgData name="Quentin Beraud" userId="6a419fc9c26811ab" providerId="LiveId" clId="{3F3CC9DC-DBBB-44EF-8315-E9D08EE2DA56}" dt="2023-09-12T07:27:59.041" v="80" actId="1076"/>
+          <ac:picMkLst>
+            <pc:docMk/>
+            <pc:sldMk cId="4078171086" sldId="320"/>
+            <ac:picMk id="7" creationId="{EA399789-D2F6-BDE0-0803-931C9776694C}"/>
           </ac:picMkLst>
         </pc:picChg>
         <pc:picChg chg="del">
@@ -198,6 +330,29 @@
             <ac:picMk id="12" creationId="{BA9ED0F3-500E-18E1-CE8F-0D071C1E1D90}"/>
           </ac:picMkLst>
         </pc:picChg>
+      </pc:sldChg>
+      <pc:sldChg chg="modSp add mod">
+        <pc:chgData name="Quentin Beraud" userId="6a419fc9c26811ab" providerId="LiveId" clId="{3F3CC9DC-DBBB-44EF-8315-E9D08EE2DA56}" dt="2023-09-12T08:17:15.737" v="2628" actId="20577"/>
+        <pc:sldMkLst>
+          <pc:docMk/>
+          <pc:sldMk cId="479091078" sldId="321"/>
+        </pc:sldMkLst>
+        <pc:spChg chg="mod">
+          <ac:chgData name="Quentin Beraud" userId="6a419fc9c26811ab" providerId="LiveId" clId="{3F3CC9DC-DBBB-44EF-8315-E9D08EE2DA56}" dt="2023-09-12T08:17:15.737" v="2628" actId="20577"/>
+          <ac:spMkLst>
+            <pc:docMk/>
+            <pc:sldMk cId="479091078" sldId="321"/>
+            <ac:spMk id="5" creationId="{CEEB3BAE-C0B2-447C-B8BE-96C6BD84D658}"/>
+          </ac:spMkLst>
+        </pc:spChg>
+        <pc:spChg chg="mod">
+          <ac:chgData name="Quentin Beraud" userId="6a419fc9c26811ab" providerId="LiveId" clId="{3F3CC9DC-DBBB-44EF-8315-E9D08EE2DA56}" dt="2023-09-12T07:41:57.815" v="495" actId="20577"/>
+          <ac:spMkLst>
+            <pc:docMk/>
+            <pc:sldMk cId="479091078" sldId="321"/>
+            <ac:spMk id="25" creationId="{66025619-923C-8FC2-9C1E-6C2D997132BA}"/>
+          </ac:spMkLst>
+        </pc:spChg>
       </pc:sldChg>
     </pc:docChg>
   </pc:docChgLst>
@@ -4731,7 +4886,7 @@
             <a:pPr rtl="0"/>
             <a:fld id="{EBB651C5-239C-481D-B679-C1853F3D7869}" type="datetime1">
               <a:rPr lang="fr-FR" smtClean="0"/>
-              <a:t>07/09/2023</a:t>
+              <a:t>12/09/2023</a:t>
             </a:fld>
             <a:endParaRPr lang="fr-FR" dirty="0"/>
           </a:p>
@@ -4912,7 +5067,7 @@
             <a:fld id="{0CC3F468-A24C-40BA-9BA0-927B9D8CEF08}" type="datetime1">
               <a:rPr lang="fr-FR" smtClean="0"/>
               <a:pPr/>
-              <a:t>07/09/2023</a:t>
+              <a:t>12/09/2023</a:t>
             </a:fld>
             <a:endParaRPr lang="fr-FR" dirty="0"/>
           </a:p>
@@ -5267,6 +5422,91 @@
 </p:notes>
 </file>
 
+<file path=ppt/notesSlides/notesSlide10.xml><?xml version="1.0" encoding="utf-8"?>
+<p:notes xmlns:a="http://schemas.openxmlformats.org/drawingml/2006/main" xmlns:r="http://schemas.openxmlformats.org/officeDocument/2006/relationships" xmlns:p="http://schemas.openxmlformats.org/presentationml/2006/main">
+  <p:cSld>
+    <p:spTree>
+      <p:nvGrpSpPr>
+        <p:cNvPr id="1" name=""/>
+        <p:cNvGrpSpPr/>
+        <p:nvPr/>
+      </p:nvGrpSpPr>
+      <p:grpSpPr>
+        <a:xfrm>
+          <a:off x="0" y="0"/>
+          <a:ext cx="0" cy="0"/>
+          <a:chOff x="0" y="0"/>
+          <a:chExt cx="0" cy="0"/>
+        </a:xfrm>
+      </p:grpSpPr>
+      <p:sp>
+        <p:nvSpPr>
+          <p:cNvPr id="2" name="Espace réservé de l'image des diapositives 1"/>
+          <p:cNvSpPr>
+            <a:spLocks noGrp="1" noRot="1" noChangeAspect="1"/>
+          </p:cNvSpPr>
+          <p:nvPr>
+            <p:ph type="sldImg"/>
+          </p:nvPr>
+        </p:nvSpPr>
+        <p:spPr/>
+      </p:sp>
+      <p:sp>
+        <p:nvSpPr>
+          <p:cNvPr id="3" name="Espace réservé des notes 2"/>
+          <p:cNvSpPr>
+            <a:spLocks noGrp="1"/>
+          </p:cNvSpPr>
+          <p:nvPr>
+            <p:ph type="body" idx="1"/>
+          </p:nvPr>
+        </p:nvSpPr>
+        <p:spPr/>
+        <p:txBody>
+          <a:bodyPr/>
+          <a:lstStyle/>
+          <a:p>
+            <a:endParaRPr lang="fr-FR"/>
+          </a:p>
+        </p:txBody>
+      </p:sp>
+      <p:sp>
+        <p:nvSpPr>
+          <p:cNvPr id="4" name="Espace réservé du numéro de diapositive 3"/>
+          <p:cNvSpPr>
+            <a:spLocks noGrp="1"/>
+          </p:cNvSpPr>
+          <p:nvPr>
+            <p:ph type="sldNum" sz="quarter" idx="10"/>
+          </p:nvPr>
+        </p:nvSpPr>
+        <p:spPr/>
+        <p:txBody>
+          <a:bodyPr/>
+          <a:lstStyle/>
+          <a:p>
+            <a:pPr rtl="0"/>
+            <a:fld id="{8530193B-564F-4854-8A52-728F3FB19C85}" type="slidenum">
+              <a:rPr lang="fr-FR" smtClean="0"/>
+              <a:t>10</a:t>
+            </a:fld>
+            <a:endParaRPr lang="fr-FR"/>
+          </a:p>
+        </p:txBody>
+      </p:sp>
+    </p:spTree>
+    <p:extLst>
+      <p:ext uri="{BB962C8B-B14F-4D97-AF65-F5344CB8AC3E}">
+        <p14:creationId xmlns:p14="http://schemas.microsoft.com/office/powerpoint/2010/main" val="1717593839"/>
+      </p:ext>
+    </p:extLst>
+  </p:cSld>
+  <p:clrMapOvr>
+    <a:masterClrMapping/>
+  </p:clrMapOvr>
+</p:notes>
+</file>
+
 <file path=ppt/notesSlides/notesSlide2.xml><?xml version="1.0" encoding="utf-8"?>
 <p:notes xmlns:a="http://schemas.openxmlformats.org/drawingml/2006/main" xmlns:r="http://schemas.openxmlformats.org/officeDocument/2006/relationships" xmlns:p="http://schemas.openxmlformats.org/presentationml/2006/main">
   <p:cSld>
@@ -5682,7 +5922,7 @@
     </p:spTree>
     <p:extLst>
       <p:ext uri="{BB962C8B-B14F-4D97-AF65-F5344CB8AC3E}">
-        <p14:creationId xmlns:p14="http://schemas.microsoft.com/office/powerpoint/2010/main" val="3535034028"/>
+        <p14:creationId xmlns:p14="http://schemas.microsoft.com/office/powerpoint/2010/main" val="623929052"/>
       </p:ext>
     </p:extLst>
   </p:cSld>
@@ -5767,7 +6007,7 @@
     </p:spTree>
     <p:extLst>
       <p:ext uri="{BB962C8B-B14F-4D97-AF65-F5344CB8AC3E}">
-        <p14:creationId xmlns:p14="http://schemas.microsoft.com/office/powerpoint/2010/main" val="3364697560"/>
+        <p14:creationId xmlns:p14="http://schemas.microsoft.com/office/powerpoint/2010/main" val="3535034028"/>
       </p:ext>
     </p:extLst>
   </p:cSld>
@@ -5852,7 +6092,7 @@
     </p:spTree>
     <p:extLst>
       <p:ext uri="{BB962C8B-B14F-4D97-AF65-F5344CB8AC3E}">
-        <p14:creationId xmlns:p14="http://schemas.microsoft.com/office/powerpoint/2010/main" val="847574642"/>
+        <p14:creationId xmlns:p14="http://schemas.microsoft.com/office/powerpoint/2010/main" val="3364697560"/>
       </p:ext>
     </p:extLst>
   </p:cSld>
@@ -5937,7 +6177,7 @@
     </p:spTree>
     <p:extLst>
       <p:ext uri="{BB962C8B-B14F-4D97-AF65-F5344CB8AC3E}">
-        <p14:creationId xmlns:p14="http://schemas.microsoft.com/office/powerpoint/2010/main" val="1717593839"/>
+        <p14:creationId xmlns:p14="http://schemas.microsoft.com/office/powerpoint/2010/main" val="847574642"/>
       </p:ext>
     </p:extLst>
   </p:cSld>
@@ -12632,6 +12872,837 @@
 </p:sld>
 </file>
 
+<file path=ppt/slides/slide10.xml><?xml version="1.0" encoding="utf-8"?>
+<p:sld xmlns:a="http://schemas.openxmlformats.org/drawingml/2006/main" xmlns:r="http://schemas.openxmlformats.org/officeDocument/2006/relationships" xmlns:p="http://schemas.openxmlformats.org/presentationml/2006/main">
+  <p:cSld>
+    <p:spTree>
+      <p:nvGrpSpPr>
+        <p:cNvPr id="1" name=""/>
+        <p:cNvGrpSpPr/>
+        <p:nvPr/>
+      </p:nvGrpSpPr>
+      <p:grpSpPr>
+        <a:xfrm>
+          <a:off x="0" y="0"/>
+          <a:ext cx="0" cy="0"/>
+          <a:chOff x="0" y="0"/>
+          <a:chExt cx="0" cy="0"/>
+        </a:xfrm>
+      </p:grpSpPr>
+      <p:sp>
+        <p:nvSpPr>
+          <p:cNvPr id="8" name="Espace réservé du numéro de diapositive 7">
+            <a:extLst>
+              <a:ext uri="{FF2B5EF4-FFF2-40B4-BE49-F238E27FC236}">
+                <a16:creationId xmlns:a16="http://schemas.microsoft.com/office/drawing/2014/main" id="{E6AC9832-FB01-464A-9824-61887B77997E}"/>
+              </a:ext>
+            </a:extLst>
+          </p:cNvPr>
+          <p:cNvSpPr>
+            <a:spLocks noGrp="1"/>
+          </p:cNvSpPr>
+          <p:nvPr>
+            <p:ph type="sldNum" sz="quarter" idx="33"/>
+          </p:nvPr>
+        </p:nvSpPr>
+        <p:spPr>
+          <a:xfrm>
+            <a:off x="11760000" y="6371351"/>
+            <a:ext cx="432000" cy="432000"/>
+          </a:xfrm>
+        </p:spPr>
+        <p:txBody>
+          <a:bodyPr rtlCol="0"/>
+          <a:lstStyle/>
+          <a:p>
+            <a:pPr rtl="0"/>
+            <a:fld id="{19B51A1E-902D-48AF-9020-955120F399B6}" type="slidenum">
+              <a:rPr lang="fr-FR" smtClean="0"/>
+              <a:pPr rtl="0"/>
+              <a:t>10</a:t>
+            </a:fld>
+            <a:endParaRPr lang="fr-FR"/>
+          </a:p>
+        </p:txBody>
+      </p:sp>
+      <p:sp>
+        <p:nvSpPr>
+          <p:cNvPr id="30" name="Espace réservé du texte 3">
+            <a:extLst>
+              <a:ext uri="{FF2B5EF4-FFF2-40B4-BE49-F238E27FC236}">
+                <a16:creationId xmlns:a16="http://schemas.microsoft.com/office/drawing/2014/main" id="{2CE2368A-8056-1CAB-EBB0-C04378BD29F1}"/>
+              </a:ext>
+            </a:extLst>
+          </p:cNvPr>
+          <p:cNvSpPr txBox="1">
+            <a:spLocks/>
+          </p:cNvSpPr>
+          <p:nvPr/>
+        </p:nvSpPr>
+        <p:spPr>
+          <a:xfrm>
+            <a:off x="44097" y="326514"/>
+            <a:ext cx="5266456" cy="360000"/>
+          </a:xfrm>
+          <a:prstGeom prst="rect">
+            <a:avLst/>
+          </a:prstGeom>
+        </p:spPr>
+        <p:txBody>
+          <a:bodyPr vert="horz" lIns="0" tIns="0" rIns="0" bIns="0" rtlCol="0" anchor="t">
+            <a:noAutofit/>
+          </a:bodyPr>
+          <a:lstStyle>
+            <a:lvl1pPr marL="0" indent="0" algn="l" defTabSz="914400" rtl="0" eaLnBrk="1" latinLnBrk="0" hangingPunct="1">
+              <a:lnSpc>
+                <a:spcPct val="90000"/>
+              </a:lnSpc>
+              <a:spcBef>
+                <a:spcPts val="1000"/>
+              </a:spcBef>
+              <a:buFont typeface="Arial" panose="020B0604020202020204" pitchFamily="34" charset="0"/>
+              <a:buNone/>
+              <a:defRPr sz="2400" b="1" kern="1200">
+                <a:solidFill>
+                  <a:schemeClr val="tx1">
+                    <a:lumMod val="75000"/>
+                    <a:lumOff val="25000"/>
+                  </a:schemeClr>
+                </a:solidFill>
+                <a:latin typeface="+mn-lt"/>
+                <a:ea typeface="+mn-ea"/>
+                <a:cs typeface="+mn-cs"/>
+              </a:defRPr>
+            </a:lvl1pPr>
+            <a:lvl2pPr marL="457200" indent="0" algn="l" defTabSz="914400" rtl="0" eaLnBrk="1" latinLnBrk="0" hangingPunct="1">
+              <a:lnSpc>
+                <a:spcPct val="90000"/>
+              </a:lnSpc>
+              <a:spcBef>
+                <a:spcPts val="500"/>
+              </a:spcBef>
+              <a:buFont typeface="Arial" panose="020B0604020202020204" pitchFamily="34" charset="0"/>
+              <a:buNone/>
+              <a:defRPr sz="2000" b="1" kern="1200">
+                <a:solidFill>
+                  <a:schemeClr val="tx1">
+                    <a:lumMod val="75000"/>
+                    <a:lumOff val="25000"/>
+                  </a:schemeClr>
+                </a:solidFill>
+                <a:latin typeface="+mn-lt"/>
+                <a:ea typeface="+mn-ea"/>
+                <a:cs typeface="+mn-cs"/>
+              </a:defRPr>
+            </a:lvl2pPr>
+            <a:lvl3pPr marL="914400" indent="0" algn="l" defTabSz="914400" rtl="0" eaLnBrk="1" latinLnBrk="0" hangingPunct="1">
+              <a:lnSpc>
+                <a:spcPct val="90000"/>
+              </a:lnSpc>
+              <a:spcBef>
+                <a:spcPts val="500"/>
+              </a:spcBef>
+              <a:buFont typeface="Arial" panose="020B0604020202020204" pitchFamily="34" charset="0"/>
+              <a:buNone/>
+              <a:defRPr sz="1800" b="1" kern="1200">
+                <a:solidFill>
+                  <a:schemeClr val="tx1">
+                    <a:lumMod val="75000"/>
+                    <a:lumOff val="25000"/>
+                  </a:schemeClr>
+                </a:solidFill>
+                <a:latin typeface="+mn-lt"/>
+                <a:ea typeface="+mn-ea"/>
+                <a:cs typeface="+mn-cs"/>
+              </a:defRPr>
+            </a:lvl3pPr>
+            <a:lvl4pPr marL="1371600" indent="0" algn="l" defTabSz="914400" rtl="0" eaLnBrk="1" latinLnBrk="0" hangingPunct="1">
+              <a:lnSpc>
+                <a:spcPct val="90000"/>
+              </a:lnSpc>
+              <a:spcBef>
+                <a:spcPts val="500"/>
+              </a:spcBef>
+              <a:buFont typeface="Arial" panose="020B0604020202020204" pitchFamily="34" charset="0"/>
+              <a:buNone/>
+              <a:defRPr sz="1600" b="1" kern="1200">
+                <a:solidFill>
+                  <a:schemeClr val="tx1">
+                    <a:lumMod val="75000"/>
+                    <a:lumOff val="25000"/>
+                  </a:schemeClr>
+                </a:solidFill>
+                <a:latin typeface="+mn-lt"/>
+                <a:ea typeface="+mn-ea"/>
+                <a:cs typeface="+mn-cs"/>
+              </a:defRPr>
+            </a:lvl4pPr>
+            <a:lvl5pPr marL="1828800" indent="0" algn="l" defTabSz="914400" rtl="0" eaLnBrk="1" latinLnBrk="0" hangingPunct="1">
+              <a:lnSpc>
+                <a:spcPct val="90000"/>
+              </a:lnSpc>
+              <a:spcBef>
+                <a:spcPts val="500"/>
+              </a:spcBef>
+              <a:buFont typeface="Arial" panose="020B0604020202020204" pitchFamily="34" charset="0"/>
+              <a:buNone/>
+              <a:defRPr sz="1600" b="1" kern="1200">
+                <a:solidFill>
+                  <a:schemeClr val="tx1">
+                    <a:lumMod val="75000"/>
+                    <a:lumOff val="25000"/>
+                  </a:schemeClr>
+                </a:solidFill>
+                <a:latin typeface="+mn-lt"/>
+                <a:ea typeface="+mn-ea"/>
+                <a:cs typeface="+mn-cs"/>
+              </a:defRPr>
+            </a:lvl5pPr>
+            <a:lvl6pPr marL="2286000" indent="0" algn="l" defTabSz="914400" rtl="0" eaLnBrk="1" latinLnBrk="0" hangingPunct="1">
+              <a:lnSpc>
+                <a:spcPct val="90000"/>
+              </a:lnSpc>
+              <a:spcBef>
+                <a:spcPts val="500"/>
+              </a:spcBef>
+              <a:buFont typeface="Arial" panose="020B0604020202020204" pitchFamily="34" charset="0"/>
+              <a:buNone/>
+              <a:defRPr sz="1600" b="1" kern="1200">
+                <a:solidFill>
+                  <a:schemeClr val="tx1"/>
+                </a:solidFill>
+                <a:latin typeface="+mn-lt"/>
+                <a:ea typeface="+mn-ea"/>
+                <a:cs typeface="+mn-cs"/>
+              </a:defRPr>
+            </a:lvl6pPr>
+            <a:lvl7pPr marL="2743200" indent="0" algn="l" defTabSz="914400" rtl="0" eaLnBrk="1" latinLnBrk="0" hangingPunct="1">
+              <a:lnSpc>
+                <a:spcPct val="90000"/>
+              </a:lnSpc>
+              <a:spcBef>
+                <a:spcPts val="500"/>
+              </a:spcBef>
+              <a:buFont typeface="Arial" panose="020B0604020202020204" pitchFamily="34" charset="0"/>
+              <a:buNone/>
+              <a:defRPr sz="1600" b="1" kern="1200">
+                <a:solidFill>
+                  <a:schemeClr val="tx1"/>
+                </a:solidFill>
+                <a:latin typeface="+mn-lt"/>
+                <a:ea typeface="+mn-ea"/>
+                <a:cs typeface="+mn-cs"/>
+              </a:defRPr>
+            </a:lvl7pPr>
+            <a:lvl8pPr marL="3200400" indent="0" algn="l" defTabSz="914400" rtl="0" eaLnBrk="1" latinLnBrk="0" hangingPunct="1">
+              <a:lnSpc>
+                <a:spcPct val="90000"/>
+              </a:lnSpc>
+              <a:spcBef>
+                <a:spcPts val="500"/>
+              </a:spcBef>
+              <a:buFont typeface="Arial" panose="020B0604020202020204" pitchFamily="34" charset="0"/>
+              <a:buNone/>
+              <a:defRPr sz="1600" b="1" kern="1200">
+                <a:solidFill>
+                  <a:schemeClr val="tx1"/>
+                </a:solidFill>
+                <a:latin typeface="+mn-lt"/>
+                <a:ea typeface="+mn-ea"/>
+                <a:cs typeface="+mn-cs"/>
+              </a:defRPr>
+            </a:lvl8pPr>
+            <a:lvl9pPr marL="3657600" indent="0" algn="l" defTabSz="914400" rtl="0" eaLnBrk="1" latinLnBrk="0" hangingPunct="1">
+              <a:lnSpc>
+                <a:spcPct val="90000"/>
+              </a:lnSpc>
+              <a:spcBef>
+                <a:spcPts val="500"/>
+              </a:spcBef>
+              <a:buFont typeface="Arial" panose="020B0604020202020204" pitchFamily="34" charset="0"/>
+              <a:buNone/>
+              <a:defRPr sz="1600" b="1" kern="1200">
+                <a:solidFill>
+                  <a:schemeClr val="tx1"/>
+                </a:solidFill>
+                <a:latin typeface="+mn-lt"/>
+                <a:ea typeface="+mn-ea"/>
+                <a:cs typeface="+mn-cs"/>
+              </a:defRPr>
+            </a:lvl9pPr>
+          </a:lstStyle>
+          <a:p>
+            <a:pPr lvl="1"/>
+            <a:r>
+              <a:rPr lang="fr-FR" sz="2400" dirty="0">
+                <a:solidFill>
+                  <a:schemeClr val="tx1"/>
+                </a:solidFill>
+              </a:rPr>
+              <a:t>Le rapport Surefire</a:t>
+            </a:r>
+          </a:p>
+        </p:txBody>
+      </p:sp>
+      <p:sp>
+        <p:nvSpPr>
+          <p:cNvPr id="2" name="Rectangle 11" descr="Bloc d’accentuation gauche">
+            <a:extLst>
+              <a:ext uri="{FF2B5EF4-FFF2-40B4-BE49-F238E27FC236}">
+                <a16:creationId xmlns:a16="http://schemas.microsoft.com/office/drawing/2014/main" id="{8B4D5C50-E54B-8B53-7B22-1BF070280D4E}"/>
+              </a:ext>
+              <a:ext uri="{C183D7F6-B498-43B3-948B-1728B52AA6E4}">
+                <adec:decorative xmlns:adec="http://schemas.microsoft.com/office/drawing/2017/decorative" val="1"/>
+              </a:ext>
+            </a:extLst>
+          </p:cNvPr>
+          <p:cNvSpPr/>
+          <p:nvPr/>
+        </p:nvSpPr>
+        <p:spPr>
+          <a:xfrm>
+            <a:off x="483712" y="638908"/>
+            <a:ext cx="2499811" cy="96836"/>
+          </a:xfrm>
+          <a:prstGeom prst="rect">
+            <a:avLst/>
+          </a:prstGeom>
+          <a:solidFill>
+            <a:srgbClr val="0070C0"/>
+          </a:solidFill>
+          <a:ln>
+            <a:noFill/>
+          </a:ln>
+        </p:spPr>
+        <p:style>
+          <a:lnRef idx="2">
+            <a:schemeClr val="accent1">
+              <a:shade val="50000"/>
+            </a:schemeClr>
+          </a:lnRef>
+          <a:fillRef idx="1">
+            <a:schemeClr val="accent1"/>
+          </a:fillRef>
+          <a:effectRef idx="0">
+            <a:schemeClr val="accent1"/>
+          </a:effectRef>
+          <a:fontRef idx="minor">
+            <a:schemeClr val="lt1"/>
+          </a:fontRef>
+        </p:style>
+        <p:txBody>
+          <a:bodyPr rtlCol="0" anchor="ctr"/>
+          <a:lstStyle/>
+          <a:p>
+            <a:endParaRPr lang="fr-FR" dirty="0">
+              <a:highlight>
+                <a:srgbClr val="00FFFF"/>
+              </a:highlight>
+            </a:endParaRPr>
+          </a:p>
+        </p:txBody>
+      </p:sp>
+      <p:sp>
+        <p:nvSpPr>
+          <p:cNvPr id="7" name="Rectangle 6" descr="Bloc d’accentuation">
+            <a:extLst>
+              <a:ext uri="{FF2B5EF4-FFF2-40B4-BE49-F238E27FC236}">
+                <a16:creationId xmlns:a16="http://schemas.microsoft.com/office/drawing/2014/main" id="{99DA0984-FB77-A423-49B4-97B81F2D67EE}"/>
+              </a:ext>
+              <a:ext uri="{C183D7F6-B498-43B3-948B-1728B52AA6E4}">
+                <adec:decorative xmlns:adec="http://schemas.microsoft.com/office/drawing/2017/decorative" val="1"/>
+              </a:ext>
+            </a:extLst>
+          </p:cNvPr>
+          <p:cNvSpPr/>
+          <p:nvPr/>
+        </p:nvSpPr>
+        <p:spPr>
+          <a:xfrm>
+            <a:off x="10029824" y="100559"/>
+            <a:ext cx="1984175" cy="114824"/>
+          </a:xfrm>
+          <a:prstGeom prst="rect">
+            <a:avLst/>
+          </a:prstGeom>
+          <a:solidFill>
+            <a:schemeClr val="accent5">
+              <a:lumMod val="75000"/>
+              <a:lumOff val="25000"/>
+            </a:schemeClr>
+          </a:solidFill>
+          <a:ln>
+            <a:noFill/>
+          </a:ln>
+        </p:spPr>
+        <p:style>
+          <a:lnRef idx="2">
+            <a:schemeClr val="accent1">
+              <a:shade val="50000"/>
+            </a:schemeClr>
+          </a:lnRef>
+          <a:fillRef idx="1">
+            <a:schemeClr val="accent1"/>
+          </a:fillRef>
+          <a:effectRef idx="0">
+            <a:schemeClr val="accent1"/>
+          </a:effectRef>
+          <a:fontRef idx="minor">
+            <a:schemeClr val="lt1"/>
+          </a:fontRef>
+        </p:style>
+        <p:txBody>
+          <a:bodyPr rtlCol="0" anchor="ctr"/>
+          <a:lstStyle/>
+          <a:p>
+            <a:endParaRPr lang="fr-FR"/>
+          </a:p>
+        </p:txBody>
+      </p:sp>
+      <p:sp>
+        <p:nvSpPr>
+          <p:cNvPr id="9" name="Titre 1">
+            <a:extLst>
+              <a:ext uri="{FF2B5EF4-FFF2-40B4-BE49-F238E27FC236}">
+                <a16:creationId xmlns:a16="http://schemas.microsoft.com/office/drawing/2014/main" id="{FF6D27D3-0E50-B632-6A34-A45115C32C18}"/>
+              </a:ext>
+            </a:extLst>
+          </p:cNvPr>
+          <p:cNvSpPr>
+            <a:spLocks noGrp="1"/>
+          </p:cNvSpPr>
+          <p:nvPr>
+            <p:ph type="title"/>
+          </p:nvPr>
+        </p:nvSpPr>
+        <p:spPr>
+          <a:xfrm>
+            <a:off x="6819900" y="211436"/>
+            <a:ext cx="5194100" cy="590156"/>
+          </a:xfrm>
+          <a:solidFill>
+            <a:schemeClr val="bg1">
+              <a:lumMod val="95000"/>
+            </a:schemeClr>
+          </a:solidFill>
+        </p:spPr>
+        <p:txBody>
+          <a:bodyPr vert="horz" lIns="0" tIns="0" rIns="0" bIns="0" rtlCol="0" anchor="ctr">
+            <a:noAutofit/>
+          </a:bodyPr>
+          <a:lstStyle/>
+          <a:p>
+            <a:pPr algn="r"/>
+            <a:r>
+              <a:rPr lang="fr-FR" sz="2800" b="0" dirty="0"/>
+              <a:t>Implémentation des  modifications</a:t>
+            </a:r>
+          </a:p>
+        </p:txBody>
+      </p:sp>
+      <p:sp>
+        <p:nvSpPr>
+          <p:cNvPr id="10" name="Espace réservé du texte 2">
+            <a:extLst>
+              <a:ext uri="{FF2B5EF4-FFF2-40B4-BE49-F238E27FC236}">
+                <a16:creationId xmlns:a16="http://schemas.microsoft.com/office/drawing/2014/main" id="{24089F94-0B70-9F5D-9565-AAEBF68E7168}"/>
+              </a:ext>
+            </a:extLst>
+          </p:cNvPr>
+          <p:cNvSpPr>
+            <a:spLocks noGrp="1"/>
+          </p:cNvSpPr>
+          <p:nvPr>
+            <p:ph type="body" sz="quarter" idx="32"/>
+          </p:nvPr>
+        </p:nvSpPr>
+        <p:spPr>
+          <a:xfrm>
+            <a:off x="6827424" y="807942"/>
+            <a:ext cx="5186574" cy="374666"/>
+          </a:xfrm>
+          <a:solidFill>
+            <a:schemeClr val="tx1"/>
+          </a:solidFill>
+        </p:spPr>
+        <p:txBody>
+          <a:bodyPr vert="horz" lIns="0" tIns="0" rIns="0" bIns="0" rtlCol="0" anchor="ctr">
+            <a:noAutofit/>
+          </a:bodyPr>
+          <a:lstStyle/>
+          <a:p>
+            <a:pPr lvl="1" algn="r"/>
+            <a:r>
+              <a:rPr lang="fr-FR" sz="2000" dirty="0">
+                <a:solidFill>
+                  <a:schemeClr val="bg1"/>
+                </a:solidFill>
+              </a:rPr>
+              <a:t>Les rapports Jacoco et Surefire</a:t>
+            </a:r>
+          </a:p>
+        </p:txBody>
+      </p:sp>
+      <p:pic>
+        <p:nvPicPr>
+          <p:cNvPr id="3" name="Picture 2" descr="Bienvenue chez SafetyNet">
+            <a:extLst>
+              <a:ext uri="{FF2B5EF4-FFF2-40B4-BE49-F238E27FC236}">
+                <a16:creationId xmlns:a16="http://schemas.microsoft.com/office/drawing/2014/main" id="{0461258F-2EF7-BA6C-246A-B1B3D9F792DD}"/>
+              </a:ext>
+            </a:extLst>
+          </p:cNvPr>
+          <p:cNvPicPr>
+            <a:picLocks noChangeAspect="1" noChangeArrowheads="1"/>
+          </p:cNvPicPr>
+          <p:nvPr/>
+        </p:nvPicPr>
+        <p:blipFill rotWithShape="1">
+          <a:blip r:embed="rId3">
+            <a:extLst>
+              <a:ext uri="{28A0092B-C50C-407E-A947-70E740481C1C}">
+                <a14:useLocalDpi xmlns:a14="http://schemas.microsoft.com/office/drawing/2010/main" val="0"/>
+              </a:ext>
+            </a:extLst>
+          </a:blip>
+          <a:srcRect t="74250"/>
+          <a:stretch/>
+        </p:blipFill>
+        <p:spPr bwMode="auto">
+          <a:xfrm>
+            <a:off x="9782311" y="6371349"/>
+            <a:ext cx="1422997" cy="432001"/>
+          </a:xfrm>
+          <a:prstGeom prst="rect">
+            <a:avLst/>
+          </a:prstGeom>
+          <a:noFill/>
+          <a:extLst>
+            <a:ext uri="{909E8E84-426E-40DD-AFC4-6F175D3DCCD1}">
+              <a14:hiddenFill xmlns:a14="http://schemas.microsoft.com/office/drawing/2010/main">
+                <a:solidFill>
+                  <a:srgbClr val="FFFFFF"/>
+                </a:solidFill>
+              </a14:hiddenFill>
+            </a:ext>
+          </a:extLst>
+        </p:spPr>
+      </p:pic>
+      <p:pic>
+        <p:nvPicPr>
+          <p:cNvPr id="5" name="Picture 2" descr="Bienvenue chez SafetyNet">
+            <a:extLst>
+              <a:ext uri="{FF2B5EF4-FFF2-40B4-BE49-F238E27FC236}">
+                <a16:creationId xmlns:a16="http://schemas.microsoft.com/office/drawing/2014/main" id="{6D6C2EAA-4C6A-4384-E0E9-5F919ABA3F19}"/>
+              </a:ext>
+            </a:extLst>
+          </p:cNvPr>
+          <p:cNvPicPr>
+            <a:picLocks noChangeAspect="1" noChangeArrowheads="1"/>
+          </p:cNvPicPr>
+          <p:nvPr/>
+        </p:nvPicPr>
+        <p:blipFill rotWithShape="1">
+          <a:blip r:embed="rId3">
+            <a:extLst>
+              <a:ext uri="{28A0092B-C50C-407E-A947-70E740481C1C}">
+                <a14:useLocalDpi xmlns:a14="http://schemas.microsoft.com/office/drawing/2010/main" val="0"/>
+              </a:ext>
+            </a:extLst>
+          </a:blip>
+          <a:srcRect r="1290" b="24566"/>
+          <a:stretch/>
+        </p:blipFill>
+        <p:spPr bwMode="auto">
+          <a:xfrm>
+            <a:off x="11153054" y="6371349"/>
+            <a:ext cx="479494" cy="432002"/>
+          </a:xfrm>
+          <a:prstGeom prst="rect">
+            <a:avLst/>
+          </a:prstGeom>
+          <a:noFill/>
+          <a:extLst>
+            <a:ext uri="{909E8E84-426E-40DD-AFC4-6F175D3DCCD1}">
+              <a14:hiddenFill xmlns:a14="http://schemas.microsoft.com/office/drawing/2010/main">
+                <a:solidFill>
+                  <a:srgbClr val="FFFFFF"/>
+                </a:solidFill>
+              </a14:hiddenFill>
+            </a:ext>
+          </a:extLst>
+        </p:spPr>
+      </p:pic>
+      <p:sp>
+        <p:nvSpPr>
+          <p:cNvPr id="14" name="Espace réservé du contenu 4">
+            <a:extLst>
+              <a:ext uri="{FF2B5EF4-FFF2-40B4-BE49-F238E27FC236}">
+                <a16:creationId xmlns:a16="http://schemas.microsoft.com/office/drawing/2014/main" id="{F3FA885D-E381-54C2-077F-65647F9D4A51}"/>
+              </a:ext>
+            </a:extLst>
+          </p:cNvPr>
+          <p:cNvSpPr txBox="1">
+            <a:spLocks/>
+          </p:cNvSpPr>
+          <p:nvPr/>
+        </p:nvSpPr>
+        <p:spPr>
+          <a:xfrm>
+            <a:off x="313727" y="897315"/>
+            <a:ext cx="8301959" cy="1320031"/>
+          </a:xfrm>
+          <a:prstGeom prst="rect">
+            <a:avLst/>
+          </a:prstGeom>
+        </p:spPr>
+        <p:txBody>
+          <a:bodyPr vert="horz" lIns="0" tIns="0" rIns="0" bIns="0" rtlCol="0">
+            <a:noAutofit/>
+          </a:bodyPr>
+          <a:lstStyle>
+            <a:lvl1pPr marL="266700" indent="-266700" algn="l" defTabSz="914400" rtl="0" eaLnBrk="1" latinLnBrk="0" hangingPunct="1">
+              <a:lnSpc>
+                <a:spcPct val="90000"/>
+              </a:lnSpc>
+              <a:spcBef>
+                <a:spcPts val="1000"/>
+              </a:spcBef>
+              <a:buFont typeface="Arial" panose="020B0604020202020204" pitchFamily="34" charset="0"/>
+              <a:buChar char="•"/>
+              <a:defRPr sz="1800" kern="1200">
+                <a:solidFill>
+                  <a:schemeClr val="tx1">
+                    <a:lumMod val="75000"/>
+                    <a:lumOff val="25000"/>
+                  </a:schemeClr>
+                </a:solidFill>
+                <a:latin typeface="+mn-lt"/>
+                <a:ea typeface="+mn-ea"/>
+                <a:cs typeface="+mn-cs"/>
+              </a:defRPr>
+            </a:lvl1pPr>
+            <a:lvl2pPr marL="542925" indent="-276225" algn="l" defTabSz="914400" rtl="0" eaLnBrk="1" latinLnBrk="0" hangingPunct="1">
+              <a:lnSpc>
+                <a:spcPct val="90000"/>
+              </a:lnSpc>
+              <a:spcBef>
+                <a:spcPts val="500"/>
+              </a:spcBef>
+              <a:buFont typeface="Arial" panose="020B0604020202020204" pitchFamily="34" charset="0"/>
+              <a:buChar char="•"/>
+              <a:defRPr sz="1600" kern="1200">
+                <a:solidFill>
+                  <a:schemeClr val="tx1">
+                    <a:lumMod val="75000"/>
+                    <a:lumOff val="25000"/>
+                  </a:schemeClr>
+                </a:solidFill>
+                <a:latin typeface="+mn-lt"/>
+                <a:ea typeface="+mn-ea"/>
+                <a:cs typeface="+mn-cs"/>
+              </a:defRPr>
+            </a:lvl2pPr>
+            <a:lvl3pPr marL="809625" indent="-266700" algn="l" defTabSz="914400" rtl="0" eaLnBrk="1" latinLnBrk="0" hangingPunct="1">
+              <a:lnSpc>
+                <a:spcPct val="90000"/>
+              </a:lnSpc>
+              <a:spcBef>
+                <a:spcPts val="500"/>
+              </a:spcBef>
+              <a:buFont typeface="Arial" panose="020B0604020202020204" pitchFamily="34" charset="0"/>
+              <a:buChar char="•"/>
+              <a:defRPr sz="1400" kern="1200">
+                <a:solidFill>
+                  <a:schemeClr val="tx1">
+                    <a:lumMod val="75000"/>
+                    <a:lumOff val="25000"/>
+                  </a:schemeClr>
+                </a:solidFill>
+                <a:latin typeface="+mn-lt"/>
+                <a:ea typeface="+mn-ea"/>
+                <a:cs typeface="+mn-cs"/>
+              </a:defRPr>
+            </a:lvl3pPr>
+            <a:lvl4pPr marL="1076325" indent="-266700" algn="l" defTabSz="914400" rtl="0" eaLnBrk="1" latinLnBrk="0" hangingPunct="1">
+              <a:lnSpc>
+                <a:spcPct val="90000"/>
+              </a:lnSpc>
+              <a:spcBef>
+                <a:spcPts val="500"/>
+              </a:spcBef>
+              <a:buFont typeface="Arial" panose="020B0604020202020204" pitchFamily="34" charset="0"/>
+              <a:buChar char="•"/>
+              <a:defRPr sz="1400" kern="1200">
+                <a:solidFill>
+                  <a:schemeClr val="tx1">
+                    <a:lumMod val="75000"/>
+                    <a:lumOff val="25000"/>
+                  </a:schemeClr>
+                </a:solidFill>
+                <a:latin typeface="+mn-lt"/>
+                <a:ea typeface="+mn-ea"/>
+                <a:cs typeface="+mn-cs"/>
+              </a:defRPr>
+            </a:lvl4pPr>
+            <a:lvl5pPr marL="1343025" indent="-266700" algn="l" defTabSz="914400" rtl="0" eaLnBrk="1" latinLnBrk="0" hangingPunct="1">
+              <a:lnSpc>
+                <a:spcPct val="90000"/>
+              </a:lnSpc>
+              <a:spcBef>
+                <a:spcPts val="500"/>
+              </a:spcBef>
+              <a:buFont typeface="Arial" panose="020B0604020202020204" pitchFamily="34" charset="0"/>
+              <a:buChar char="•"/>
+              <a:defRPr sz="1400" kern="1200">
+                <a:solidFill>
+                  <a:schemeClr val="tx1">
+                    <a:lumMod val="75000"/>
+                    <a:lumOff val="25000"/>
+                  </a:schemeClr>
+                </a:solidFill>
+                <a:latin typeface="+mn-lt"/>
+                <a:ea typeface="+mn-ea"/>
+                <a:cs typeface="+mn-cs"/>
+              </a:defRPr>
+            </a:lvl5pPr>
+            <a:lvl6pPr marL="2514600" indent="-228600" algn="l" defTabSz="914400" rtl="0" eaLnBrk="1" latinLnBrk="0" hangingPunct="1">
+              <a:lnSpc>
+                <a:spcPct val="90000"/>
+              </a:lnSpc>
+              <a:spcBef>
+                <a:spcPts val="500"/>
+              </a:spcBef>
+              <a:buFont typeface="Arial" panose="020B0604020202020204" pitchFamily="34" charset="0"/>
+              <a:buChar char="•"/>
+              <a:defRPr sz="1800" kern="1200">
+                <a:solidFill>
+                  <a:schemeClr val="tx1"/>
+                </a:solidFill>
+                <a:latin typeface="+mn-lt"/>
+                <a:ea typeface="+mn-ea"/>
+                <a:cs typeface="+mn-cs"/>
+              </a:defRPr>
+            </a:lvl6pPr>
+            <a:lvl7pPr marL="2971800" indent="-228600" algn="l" defTabSz="914400" rtl="0" eaLnBrk="1" latinLnBrk="0" hangingPunct="1">
+              <a:lnSpc>
+                <a:spcPct val="90000"/>
+              </a:lnSpc>
+              <a:spcBef>
+                <a:spcPts val="500"/>
+              </a:spcBef>
+              <a:buFont typeface="Arial" panose="020B0604020202020204" pitchFamily="34" charset="0"/>
+              <a:buChar char="•"/>
+              <a:defRPr sz="1800" kern="1200">
+                <a:solidFill>
+                  <a:schemeClr val="tx1"/>
+                </a:solidFill>
+                <a:latin typeface="+mn-lt"/>
+                <a:ea typeface="+mn-ea"/>
+                <a:cs typeface="+mn-cs"/>
+              </a:defRPr>
+            </a:lvl7pPr>
+            <a:lvl8pPr marL="3429000" indent="-228600" algn="l" defTabSz="914400" rtl="0" eaLnBrk="1" latinLnBrk="0" hangingPunct="1">
+              <a:lnSpc>
+                <a:spcPct val="90000"/>
+              </a:lnSpc>
+              <a:spcBef>
+                <a:spcPts val="500"/>
+              </a:spcBef>
+              <a:buFont typeface="Arial" panose="020B0604020202020204" pitchFamily="34" charset="0"/>
+              <a:buChar char="•"/>
+              <a:defRPr sz="1800" kern="1200">
+                <a:solidFill>
+                  <a:schemeClr val="tx1"/>
+                </a:solidFill>
+                <a:latin typeface="+mn-lt"/>
+                <a:ea typeface="+mn-ea"/>
+                <a:cs typeface="+mn-cs"/>
+              </a:defRPr>
+            </a:lvl8pPr>
+            <a:lvl9pPr marL="3886200" indent="-228600" algn="l" defTabSz="914400" rtl="0" eaLnBrk="1" latinLnBrk="0" hangingPunct="1">
+              <a:lnSpc>
+                <a:spcPct val="90000"/>
+              </a:lnSpc>
+              <a:spcBef>
+                <a:spcPts val="500"/>
+              </a:spcBef>
+              <a:buFont typeface="Arial" panose="020B0604020202020204" pitchFamily="34" charset="0"/>
+              <a:buChar char="•"/>
+              <a:defRPr sz="1800" kern="1200">
+                <a:solidFill>
+                  <a:schemeClr val="tx1"/>
+                </a:solidFill>
+                <a:latin typeface="+mn-lt"/>
+                <a:ea typeface="+mn-ea"/>
+                <a:cs typeface="+mn-cs"/>
+              </a:defRPr>
+            </a:lvl9pPr>
+          </a:lstStyle>
+          <a:p>
+            <a:pPr marL="182880" indent="0">
+              <a:lnSpc>
+                <a:spcPct val="107000"/>
+              </a:lnSpc>
+              <a:spcAft>
+                <a:spcPts val="800"/>
+              </a:spcAft>
+              <a:buNone/>
+            </a:pPr>
+            <a:r>
+              <a:rPr lang="fr-FR" b="1" dirty="0"/>
+              <a:t>Description : </a:t>
+            </a:r>
+            <a:r>
+              <a:rPr lang="fr-FR" dirty="0"/>
+              <a:t>Vérification du succès des tests via SureFire</a:t>
+            </a:r>
+          </a:p>
+        </p:txBody>
+      </p:sp>
+      <p:pic>
+        <p:nvPicPr>
+          <p:cNvPr id="6" name="Image 5">
+            <a:extLst>
+              <a:ext uri="{FF2B5EF4-FFF2-40B4-BE49-F238E27FC236}">
+                <a16:creationId xmlns:a16="http://schemas.microsoft.com/office/drawing/2014/main" id="{C44E3D1E-E42D-3853-0E57-2AAA56880943}"/>
+              </a:ext>
+            </a:extLst>
+          </p:cNvPr>
+          <p:cNvPicPr>
+            <a:picLocks noChangeAspect="1"/>
+          </p:cNvPicPr>
+          <p:nvPr/>
+        </p:nvPicPr>
+        <p:blipFill>
+          <a:blip r:embed="rId4"/>
+          <a:stretch>
+            <a:fillRect/>
+          </a:stretch>
+        </p:blipFill>
+        <p:spPr>
+          <a:xfrm>
+            <a:off x="1307123" y="1538656"/>
+            <a:ext cx="8616462" cy="4476644"/>
+          </a:xfrm>
+          <a:prstGeom prst="rect">
+            <a:avLst/>
+          </a:prstGeom>
+        </p:spPr>
+      </p:pic>
+    </p:spTree>
+    <p:extLst>
+      <p:ext uri="{BB962C8B-B14F-4D97-AF65-F5344CB8AC3E}">
+        <p14:creationId xmlns:p14="http://schemas.microsoft.com/office/powerpoint/2010/main" val="1631205840"/>
+      </p:ext>
+    </p:extLst>
+  </p:cSld>
+  <p:clrMapOvr>
+    <a:masterClrMapping/>
+  </p:clrMapOvr>
+</p:sld>
+</file>
+
 <file path=ppt/slides/slide2.xml><?xml version="1.0" encoding="utf-8"?>
 <p:sld xmlns:a="http://schemas.openxmlformats.org/drawingml/2006/main" xmlns:r="http://schemas.openxmlformats.org/officeDocument/2006/relationships" xmlns:p="http://schemas.openxmlformats.org/presentationml/2006/main">
   <p:cSld>
@@ -12730,15 +13801,8 @@
             </a:pPr>
             <a:r>
               <a:rPr lang="fr-FR" b="1" dirty="0"/>
-              <a:t>Introduction</a:t>
-            </a:r>
-          </a:p>
-          <a:p>
-            <a:pPr lvl="1">
-              <a:spcAft>
-                <a:spcPts val="500"/>
-              </a:spcAft>
-            </a:pPr>
+              <a:t>Introduction - </a:t>
+            </a:r>
             <a:r>
               <a:rPr lang="fr-FR" dirty="0">
                 <a:solidFill>
@@ -12771,19 +13835,63 @@
               </a:rPr>
               <a:t>Alerts</a:t>
             </a:r>
-            <a:endParaRPr lang="fr-FR" dirty="0">
-              <a:solidFill>
-                <a:schemeClr val="tx1"/>
-              </a:solidFill>
-            </a:endParaRPr>
+            <a:r>
+              <a:rPr lang="fr-FR" dirty="0">
+                <a:solidFill>
+                  <a:schemeClr val="tx1"/>
+                </a:solidFill>
+              </a:rPr>
+              <a:t> :</a:t>
+            </a:r>
+          </a:p>
+          <a:p>
+            <a:pPr marL="609600" lvl="1" indent="-342900">
+              <a:spcAft>
+                <a:spcPts val="500"/>
+              </a:spcAft>
+              <a:buFont typeface="+mj-lt"/>
+              <a:buAutoNum type="arabicPeriod"/>
+            </a:pPr>
+            <a:r>
+              <a:rPr lang="fr-FR" dirty="0"/>
+              <a:t>Le but de l’application</a:t>
+            </a:r>
+          </a:p>
+          <a:p>
+            <a:pPr marL="609600" lvl="1" indent="-342900">
+              <a:spcAft>
+                <a:spcPts val="500"/>
+              </a:spcAft>
+              <a:buFont typeface="+mj-lt"/>
+              <a:buAutoNum type="arabicPeriod"/>
+            </a:pPr>
+            <a:r>
+              <a:rPr lang="fr-FR" dirty="0"/>
+              <a:t>Notre objectif</a:t>
+            </a:r>
+          </a:p>
+          <a:p>
+            <a:pPr marL="609600" lvl="1" indent="-342900">
+              <a:spcAft>
+                <a:spcPts val="500"/>
+              </a:spcAft>
+              <a:buFont typeface="+mj-lt"/>
+              <a:buAutoNum type="arabicPeriod"/>
+            </a:pPr>
+            <a:r>
+              <a:rPr lang="fr-FR" dirty="0"/>
+              <a:t>Les attentes </a:t>
+            </a:r>
           </a:p>
           <a:p>
             <a:pPr lvl="1">
               <a:spcAft>
                 <a:spcPts val="500"/>
               </a:spcAft>
+              <a:buFont typeface="Courier New" panose="02070309020205020404" pitchFamily="49" charset="0"/>
+              <a:buChar char="o"/>
             </a:pPr>
-            <a:endParaRPr lang="fr-FR" sz="1800" b="1" dirty="0"/>
+            <a:endParaRPr lang="fr-FR" b="1" dirty="0"/>
           </a:p>
           <a:p>
             <a:pPr marL="0" lvl="1" indent="0">
@@ -12794,14 +13902,16 @@
             </a:pPr>
             <a:r>
               <a:rPr lang="fr-FR" sz="1800" b="1" dirty="0"/>
-              <a:t>Méthodologie d’implémentation</a:t>
-            </a:r>
-          </a:p>
-          <a:p>
-            <a:pPr lvl="1">
+              <a:t>Méthodologie d’implémentation :</a:t>
+            </a:r>
+          </a:p>
+          <a:p>
+            <a:pPr marL="609600" lvl="1" indent="-342900">
               <a:spcAft>
                 <a:spcPts val="500"/>
               </a:spcAft>
+              <a:buFont typeface="+mj-lt"/>
+              <a:buAutoNum type="arabicPeriod"/>
             </a:pPr>
             <a:r>
               <a:rPr lang="fr-FR" dirty="0">
@@ -12813,10 +13923,12 @@
             </a:r>
           </a:p>
           <a:p>
-            <a:pPr lvl="1">
+            <a:pPr marL="609600" lvl="1" indent="-342900">
               <a:spcAft>
                 <a:spcPts val="500"/>
               </a:spcAft>
+              <a:buFont typeface="+mj-lt"/>
+              <a:buAutoNum type="arabicPeriod"/>
             </a:pPr>
             <a:r>
               <a:rPr lang="fr-FR" dirty="0">
@@ -12828,10 +13940,29 @@
             </a:r>
           </a:p>
           <a:p>
+            <a:pPr marL="609600" lvl="1" indent="-342900">
+              <a:spcAft>
+                <a:spcPts val="500"/>
+              </a:spcAft>
+              <a:buFont typeface="+mj-lt"/>
+              <a:buAutoNum type="arabicPeriod"/>
+            </a:pPr>
+            <a:r>
+              <a:rPr lang="fr-FR" dirty="0">
+                <a:solidFill>
+                  <a:schemeClr val="tx1"/>
+                </a:solidFill>
+              </a:rPr>
+              <a:t>Hypothèses appliquées</a:t>
+            </a:r>
+          </a:p>
+          <a:p>
             <a:pPr lvl="1">
               <a:spcAft>
                 <a:spcPts val="500"/>
               </a:spcAft>
+              <a:buFont typeface="Courier New" panose="02070309020205020404" pitchFamily="49" charset="0"/>
+              <a:buChar char="o"/>
             </a:pPr>
             <a:endParaRPr lang="fr-FR" dirty="0">
               <a:solidFill>
@@ -12852,10 +13983,12 @@
             </a:r>
           </a:p>
           <a:p>
-            <a:pPr lvl="1">
+            <a:pPr marL="609600" lvl="1" indent="-342900">
               <a:spcAft>
                 <a:spcPts val="500"/>
               </a:spcAft>
+              <a:buFont typeface="+mj-lt"/>
+              <a:buAutoNum type="arabicPeriod"/>
             </a:pPr>
             <a:r>
               <a:rPr lang="fr-FR" dirty="0">
@@ -12867,10 +14000,12 @@
             </a:r>
           </a:p>
           <a:p>
-            <a:pPr lvl="1">
+            <a:pPr marL="609600" lvl="1" indent="-342900">
               <a:spcAft>
                 <a:spcPts val="500"/>
               </a:spcAft>
+              <a:buFont typeface="+mj-lt"/>
+              <a:buAutoNum type="arabicPeriod"/>
             </a:pPr>
             <a:r>
               <a:rPr lang="fr-FR" dirty="0">
@@ -12882,11 +14017,12 @@
             </a:r>
           </a:p>
           <a:p>
-            <a:pPr marL="266700" lvl="1" indent="0">
+            <a:pPr lvl="1">
               <a:spcAft>
                 <a:spcPts val="500"/>
               </a:spcAft>
-              <a:buNone/>
+              <a:buFont typeface="Courier New" panose="02070309020205020404" pitchFamily="49" charset="0"/>
+              <a:buChar char="o"/>
             </a:pPr>
             <a:endParaRPr lang="fr-FR" dirty="0">
               <a:solidFill>
@@ -12907,10 +14043,12 @@
             </a:r>
           </a:p>
           <a:p>
-            <a:pPr lvl="1">
+            <a:pPr marL="609600" lvl="1" indent="-342900">
               <a:spcAft>
                 <a:spcPts val="500"/>
               </a:spcAft>
+              <a:buFont typeface="+mj-lt"/>
+              <a:buAutoNum type="arabicPeriod"/>
             </a:pPr>
             <a:r>
               <a:rPr lang="fr-FR" dirty="0">
@@ -12918,14 +14056,16 @@
                   <a:schemeClr val="tx1"/>
                 </a:solidFill>
               </a:rPr>
-              <a:t>JaCoCo</a:t>
-            </a:r>
-          </a:p>
-          <a:p>
-            <a:pPr lvl="1">
+              <a:t>JaCoCo supérieure à 80%</a:t>
+            </a:r>
+          </a:p>
+          <a:p>
+            <a:pPr marL="609600" lvl="1" indent="-342900">
               <a:spcAft>
                 <a:spcPts val="500"/>
               </a:spcAft>
+              <a:buFont typeface="+mj-lt"/>
+              <a:buAutoNum type="arabicPeriod"/>
             </a:pPr>
             <a:r>
               <a:rPr lang="fr-FR" dirty="0">
@@ -13361,7 +14501,7 @@
             </a:r>
           </a:p>
           <a:p>
-            <a:pPr marL="540000">
+            <a:pPr marL="616200" indent="-342900">
               <a:lnSpc>
                 <a:spcPct val="107000"/>
               </a:lnSpc>
@@ -13371,6 +14511,8 @@
               <a:spcAft>
                 <a:spcPts val="500"/>
               </a:spcAft>
+              <a:buFont typeface="+mj-lt"/>
+              <a:buAutoNum type="arabicPeriod"/>
             </a:pPr>
             <a:r>
               <a:rPr lang="fr-FR" sz="1600" dirty="0"/>
@@ -13378,7 +14520,7 @@
             </a:r>
           </a:p>
           <a:p>
-            <a:pPr marL="540000">
+            <a:pPr marL="616200" indent="-342900">
               <a:lnSpc>
                 <a:spcPct val="107000"/>
               </a:lnSpc>
@@ -13388,6 +14530,8 @@
               <a:spcAft>
                 <a:spcPts val="500"/>
               </a:spcAft>
+              <a:buFont typeface="+mj-lt"/>
+              <a:buAutoNum type="arabicPeriod"/>
             </a:pPr>
             <a:r>
               <a:rPr lang="fr-FR" sz="1600" dirty="0"/>
@@ -13395,7 +14539,7 @@
             </a:r>
           </a:p>
           <a:p>
-            <a:pPr marL="540000">
+            <a:pPr marL="616200" indent="-342900">
               <a:lnSpc>
                 <a:spcPct val="107000"/>
               </a:lnSpc>
@@ -13405,6 +14549,8 @@
               <a:spcAft>
                 <a:spcPts val="500"/>
               </a:spcAft>
+              <a:buFont typeface="+mj-lt"/>
+              <a:buAutoNum type="arabicPeriod"/>
             </a:pPr>
             <a:r>
               <a:rPr lang="fr-FR" sz="1600" dirty="0"/>
@@ -13412,7 +14558,7 @@
             </a:r>
           </a:p>
           <a:p>
-            <a:pPr marL="540000">
+            <a:pPr marL="616200" indent="-342900">
               <a:lnSpc>
                 <a:spcPct val="107000"/>
               </a:lnSpc>
@@ -13422,6 +14568,8 @@
               <a:spcAft>
                 <a:spcPts val="500"/>
               </a:spcAft>
+              <a:buFont typeface="+mj-lt"/>
+              <a:buAutoNum type="arabicPeriod"/>
             </a:pPr>
             <a:r>
               <a:rPr lang="fr-FR" sz="1600" dirty="0"/>
@@ -13429,7 +14577,7 @@
             </a:r>
           </a:p>
           <a:p>
-            <a:pPr marL="540000">
+            <a:pPr marL="616200" indent="-342900">
               <a:lnSpc>
                 <a:spcPct val="107000"/>
               </a:lnSpc>
@@ -13439,6 +14587,8 @@
               <a:spcAft>
                 <a:spcPts val="500"/>
               </a:spcAft>
+              <a:buFont typeface="+mj-lt"/>
+              <a:buAutoNum type="arabicPeriod"/>
             </a:pPr>
             <a:r>
               <a:rPr lang="fr-FR" sz="1600" dirty="0"/>
@@ -13446,7 +14596,7 @@
             </a:r>
           </a:p>
           <a:p>
-            <a:pPr marL="540000">
+            <a:pPr marL="616200" indent="-342900">
               <a:lnSpc>
                 <a:spcPct val="107000"/>
               </a:lnSpc>
@@ -13456,6 +14606,8 @@
               <a:spcAft>
                 <a:spcPts val="500"/>
               </a:spcAft>
+              <a:buFont typeface="+mj-lt"/>
+              <a:buAutoNum type="arabicPeriod"/>
             </a:pPr>
             <a:r>
               <a:rPr lang="fr-FR" sz="1600" dirty="0"/>
@@ -13463,7 +14615,7 @@
             </a:r>
           </a:p>
           <a:p>
-            <a:pPr marL="540000">
+            <a:pPr marL="616200" indent="-342900">
               <a:lnSpc>
                 <a:spcPct val="107000"/>
               </a:lnSpc>
@@ -13473,6 +14625,8 @@
               <a:spcAft>
                 <a:spcPts val="500"/>
               </a:spcAft>
+              <a:buFont typeface="+mj-lt"/>
+              <a:buAutoNum type="arabicPeriod"/>
             </a:pPr>
             <a:r>
               <a:rPr lang="fr-FR" sz="1600" dirty="0"/>
@@ -13864,7 +15018,7 @@
         <p:spPr>
           <a:xfrm>
             <a:off x="370931" y="1314449"/>
-            <a:ext cx="8737899" cy="4971999"/>
+            <a:ext cx="9411379" cy="4971999"/>
           </a:xfrm>
         </p:spPr>
         <p:txBody>
@@ -13894,7 +15048,7 @@
                   <a:schemeClr val="tx1"/>
                 </a:solidFill>
               </a:rPr>
-              <a:t>La partie back-end est développée avec SpringBoot, Maven et versionné sur un répertoire Git.</a:t>
+              <a:t>La partie back-end est développée avec SpringBoot, Maven et versionné sur un répertoire GitHub.</a:t>
             </a:r>
           </a:p>
           <a:p>
@@ -13939,10 +15093,12 @@
             </a:endParaRPr>
           </a:p>
           <a:p>
-            <a:pPr marL="285750" lvl="1" indent="-285750">
+            <a:pPr marL="342900" lvl="1" indent="-342900">
               <a:spcBef>
                 <a:spcPts val="0"/>
               </a:spcBef>
+              <a:buFont typeface="+mj-lt"/>
+              <a:buAutoNum type="arabicPeriod"/>
             </a:pPr>
             <a:r>
               <a:rPr lang="fr-FR" dirty="0"/>
@@ -13950,19 +15106,22 @@
             </a:r>
           </a:p>
           <a:p>
-            <a:pPr marL="0" lvl="1" indent="0">
+            <a:pPr marL="342900" lvl="1" indent="-342900">
               <a:spcBef>
                 <a:spcPts val="0"/>
               </a:spcBef>
-              <a:buNone/>
+              <a:buFont typeface="+mj-lt"/>
+              <a:buAutoNum type="arabicPeriod"/>
             </a:pPr>
             <a:endParaRPr lang="fr-FR" dirty="0"/>
           </a:p>
           <a:p>
-            <a:pPr marL="285750" lvl="1" indent="-285750">
+            <a:pPr marL="342900" lvl="1" indent="-342900">
               <a:spcBef>
                 <a:spcPts val="0"/>
               </a:spcBef>
+              <a:buFont typeface="+mj-lt"/>
+              <a:buAutoNum type="arabicPeriod"/>
             </a:pPr>
             <a:r>
               <a:rPr lang="fr-FR" dirty="0"/>
@@ -13970,18 +15129,22 @@
             </a:r>
           </a:p>
           <a:p>
-            <a:pPr marL="285750" lvl="1" indent="-285750">
+            <a:pPr marL="342900" lvl="1" indent="-342900">
               <a:spcBef>
                 <a:spcPts val="0"/>
               </a:spcBef>
+              <a:buFont typeface="+mj-lt"/>
+              <a:buAutoNum type="arabicPeriod"/>
             </a:pPr>
             <a:endParaRPr lang="fr-FR" sz="1600" dirty="0"/>
           </a:p>
           <a:p>
-            <a:pPr marL="285750" lvl="1" indent="-285750">
+            <a:pPr marL="342900" lvl="1" indent="-342900">
               <a:spcBef>
                 <a:spcPts val="0"/>
               </a:spcBef>
+              <a:buFont typeface="+mj-lt"/>
+              <a:buAutoNum type="arabicPeriod"/>
             </a:pPr>
             <a:r>
               <a:rPr lang="fr-FR" sz="1600" dirty="0"/>
@@ -13997,99 +15160,96 @@
             </a:r>
           </a:p>
           <a:p>
-            <a:pPr marL="285750" lvl="1" indent="-285750">
+            <a:pPr marL="342900" lvl="1" indent="-342900">
               <a:spcBef>
                 <a:spcPts val="0"/>
               </a:spcBef>
+              <a:buFont typeface="+mj-lt"/>
+              <a:buAutoNum type="arabicPeriod"/>
             </a:pPr>
             <a:endParaRPr lang="fr-FR" dirty="0"/>
           </a:p>
           <a:p>
-            <a:pPr marL="285750" lvl="1" indent="-285750">
+            <a:pPr marL="342900" lvl="1" indent="-342900">
               <a:spcBef>
                 <a:spcPts val="0"/>
               </a:spcBef>
+              <a:buFont typeface="+mj-lt"/>
+              <a:buAutoNum type="arabicPeriod"/>
             </a:pPr>
             <a:r>
+              <a:rPr lang="fr-FR" sz="1600" dirty="0"/>
+              <a:t>Implémentation du système de logs – Log avec </a:t>
+            </a:r>
+            <a:r>
               <a:rPr lang="fr-FR" dirty="0"/>
-              <a:t>Aucune </a:t>
+              <a:t>T</a:t>
             </a:r>
             <a:r>
               <a:rPr lang="fr-FR" sz="1600" dirty="0"/>
-              <a:t>correspondance avec la requête génère un fichier vide – Algorithmes Conditionnels Java.</a:t>
-            </a:r>
-          </a:p>
-          <a:p>
-            <a:pPr marL="285750" lvl="1" indent="-285750">
+              <a:t>inlog</a:t>
+            </a:r>
+            <a:r>
+              <a:rPr lang="fr-FR" dirty="0"/>
+              <a:t>, génération de </a:t>
+            </a:r>
+            <a:r>
+              <a:rPr lang="fr-FR" sz="1600" dirty="0"/>
+              <a:t>fichier externe </a:t>
+            </a:r>
+            <a:r>
+              <a:rPr lang="fr-FR" dirty="0"/>
+              <a:t>plus via</a:t>
+            </a:r>
+            <a:r>
+              <a:rPr lang="fr-FR" sz="1600" dirty="0"/>
+              <a:t> la console.</a:t>
+            </a:r>
+          </a:p>
+          <a:p>
+            <a:pPr marL="342900" lvl="1" indent="-342900">
               <a:spcBef>
                 <a:spcPts val="0"/>
               </a:spcBef>
+              <a:buFont typeface="+mj-lt"/>
+              <a:buAutoNum type="arabicPeriod"/>
             </a:pPr>
             <a:endParaRPr lang="fr-FR" dirty="0"/>
           </a:p>
           <a:p>
-            <a:pPr marL="285750" lvl="1" indent="-285750">
+            <a:pPr marL="342900" lvl="1" indent="-342900">
               <a:spcBef>
                 <a:spcPts val="0"/>
               </a:spcBef>
+              <a:buFont typeface="+mj-lt"/>
+              <a:buAutoNum type="arabicPeriod"/>
             </a:pPr>
             <a:r>
               <a:rPr lang="fr-FR" sz="1600" dirty="0"/>
-              <a:t>Implémentation du système de logs – Log avec </a:t>
-            </a:r>
-            <a:r>
-              <a:rPr lang="fr-FR" dirty="0"/>
-              <a:t>T</a:t>
-            </a:r>
-            <a:r>
-              <a:rPr lang="fr-FR" sz="1600" dirty="0"/>
-              <a:t>inlog</a:t>
-            </a:r>
-            <a:r>
-              <a:rPr lang="fr-FR" dirty="0"/>
-              <a:t>, </a:t>
-            </a:r>
-            <a:r>
-              <a:rPr lang="fr-FR" sz="1600" dirty="0"/>
-              <a:t>fichier externe et console.</a:t>
-            </a:r>
-          </a:p>
-          <a:p>
-            <a:pPr marL="285750" lvl="1" indent="-285750">
+              <a:t>Endpoints CRUD – Utilisation d’interfaces JpaRepository.</a:t>
+            </a:r>
+          </a:p>
+          <a:p>
+            <a:pPr marL="342900" lvl="1" indent="-342900">
               <a:spcBef>
                 <a:spcPts val="0"/>
               </a:spcBef>
+              <a:buFont typeface="+mj-lt"/>
+              <a:buAutoNum type="arabicPeriod"/>
             </a:pPr>
             <a:endParaRPr lang="fr-FR" dirty="0"/>
           </a:p>
           <a:p>
-            <a:pPr marL="285750" lvl="1" indent="-285750">
+            <a:pPr marL="342900" lvl="1" indent="-342900">
               <a:spcBef>
                 <a:spcPts val="0"/>
               </a:spcBef>
+              <a:buFont typeface="+mj-lt"/>
+              <a:buAutoNum type="arabicPeriod"/>
             </a:pPr>
             <a:r>
               <a:rPr lang="fr-FR" sz="1600" dirty="0"/>
-              <a:t>Endpoints CRUD – Utilisation d’interfaces JpaRepository.</a:t>
-            </a:r>
-          </a:p>
-          <a:p>
-            <a:pPr marL="285750" lvl="1" indent="-285750">
-              <a:spcBef>
-                <a:spcPts val="0"/>
-              </a:spcBef>
-            </a:pPr>
-            <a:endParaRPr lang="fr-FR" dirty="0"/>
-          </a:p>
-          <a:p>
-            <a:pPr marL="285750" lvl="1" indent="-285750">
-              <a:spcBef>
-                <a:spcPts val="0"/>
-              </a:spcBef>
-            </a:pPr>
-            <a:r>
-              <a:rPr lang="fr-FR" sz="1600" dirty="0"/>
-              <a:t>Mise en place d’une architecture Modèle – Vue – Contrôleur et respect des principes SOLID</a:t>
+              <a:t>Mise en place d’une architecture MVC (Modèle – Vue – Contrôleur) et respect des principes SOLID.</a:t>
             </a:r>
           </a:p>
         </p:txBody>
@@ -14480,7 +15640,7 @@
         <p:spPr>
           <a:xfrm>
             <a:off x="370930" y="1277228"/>
-            <a:ext cx="7143561" cy="5205633"/>
+            <a:ext cx="9504590" cy="5205633"/>
           </a:xfrm>
         </p:spPr>
         <p:txBody>
@@ -14502,23 +15662,29 @@
             </a:r>
           </a:p>
           <a:p>
-            <a:pPr marL="360000" lvl="1" indent="0">
+            <a:pPr marL="702900" lvl="1" indent="-342900">
+              <a:spcAft>
+                <a:spcPts val="500"/>
+              </a:spcAft>
+              <a:buFont typeface="+mj-lt"/>
+              <a:buAutoNum type="arabicPeriod"/>
+            </a:pPr>
+            <a:r>
+              <a:rPr lang="fr-FR" dirty="0"/>
+              <a:t>Création des modèles correspondants aux objets recherchés :</a:t>
+            </a:r>
+          </a:p>
+          <a:p>
+            <a:pPr marL="453300" lvl="2" indent="0">
               <a:spcAft>
                 <a:spcPts val="500"/>
               </a:spcAft>
               <a:buNone/>
             </a:pPr>
             <a:r>
-              <a:rPr lang="fr-FR" dirty="0"/>
-              <a:t>Création des modèles correspondants aux objets recherchés :</a:t>
-            </a:r>
-          </a:p>
-          <a:p>
-            <a:pPr marL="720000" lvl="2">
-              <a:spcAft>
-                <a:spcPts val="500"/>
-              </a:spcAft>
-            </a:pPr>
+              <a:rPr lang="fr-FR" b="1" dirty="0"/>
+              <a:t>	</a:t>
+            </a:r>
             <a:r>
               <a:rPr lang="fr-FR" sz="1600" b="1" dirty="0"/>
               <a:t>Désérialisation</a:t>
@@ -14537,7 +15703,7 @@
             </a:r>
             <a:r>
               <a:rPr lang="fr-FR" sz="1600" dirty="0" err="1"/>
-              <a:t>Firestation</a:t>
+              <a:t>Firestations</a:t>
             </a:r>
             <a:r>
               <a:rPr lang="fr-FR" sz="1600" dirty="0"/>
@@ -14545,7 +15711,7 @@
             </a:r>
             <a:r>
               <a:rPr lang="fr-FR" sz="1600" dirty="0" err="1"/>
-              <a:t>MedicalRecord</a:t>
+              <a:t>MedicalRecords</a:t>
             </a:r>
             <a:r>
               <a:rPr lang="fr-FR" sz="1600" dirty="0"/>
@@ -14561,71 +15727,109 @@
             </a:r>
           </a:p>
           <a:p>
-            <a:pPr marL="720000" lvl="2">
-              <a:spcAft>
-                <a:spcPts val="500"/>
-              </a:spcAft>
-            </a:pPr>
-            <a:r>
-              <a:rPr lang="fr-FR" sz="1600" b="1" dirty="0"/>
-              <a:t>Sérialisation</a:t>
-            </a:r>
-            <a:r>
-              <a:rPr lang="fr-FR" sz="1600" dirty="0"/>
-              <a:t> : Flood, Fire, </a:t>
-            </a:r>
-            <a:r>
-              <a:rPr lang="fr-FR" sz="1600" dirty="0" err="1"/>
-              <a:t>PersonInfo</a:t>
-            </a:r>
-            <a:r>
-              <a:rPr lang="fr-FR" sz="1600" dirty="0"/>
-              <a:t>, </a:t>
-            </a:r>
-            <a:r>
-              <a:rPr lang="fr-FR" sz="1600" dirty="0" err="1"/>
-              <a:t>ChildAlert</a:t>
-            </a:r>
-            <a:r>
-              <a:rPr lang="fr-FR" sz="1600" dirty="0"/>
-              <a:t>.</a:t>
-            </a:r>
-          </a:p>
-          <a:p>
-            <a:pPr marL="360000" lvl="1" indent="0">
+            <a:pPr marL="453300" lvl="2" indent="0">
               <a:spcAft>
                 <a:spcPts val="500"/>
               </a:spcAft>
               <a:buNone/>
             </a:pPr>
             <a:r>
-              <a:rPr lang="fr-FR" dirty="0"/>
-              <a:t>Création des Contrôleurs pour les futures interactions utilisateurs via les différents Endpoints.</a:t>
-            </a:r>
-          </a:p>
-          <a:p>
-            <a:pPr marL="360000" lvl="1" indent="0">
+              <a:rPr lang="fr-FR" sz="1600" b="1" dirty="0"/>
+              <a:t>	Sérialisation</a:t>
+            </a:r>
+            <a:r>
+              <a:rPr lang="fr-FR" sz="1600" dirty="0"/>
+              <a:t> : </a:t>
+            </a:r>
+            <a:r>
+              <a:rPr lang="fr-FR" sz="1600" dirty="0" err="1"/>
+              <a:t>ChildAlert</a:t>
+            </a:r>
+            <a:r>
+              <a:rPr lang="fr-FR" sz="1600" dirty="0"/>
+              <a:t>, </a:t>
+            </a:r>
+            <a:r>
+              <a:rPr lang="fr-FR" sz="1600" dirty="0" err="1"/>
+              <a:t>FireAlert</a:t>
+            </a:r>
+            <a:r>
+              <a:rPr lang="fr-FR" sz="1600" dirty="0"/>
+              <a:t>, </a:t>
+            </a:r>
+            <a:r>
+              <a:rPr lang="fr-FR" sz="1600" dirty="0" err="1"/>
+              <a:t>FirestationAlert</a:t>
+            </a:r>
+            <a:r>
+              <a:rPr lang="fr-FR" sz="1600" dirty="0"/>
+              <a:t>, </a:t>
+            </a:r>
+            <a:r>
+              <a:rPr lang="fr-FR" sz="1600" dirty="0" err="1"/>
+              <a:t>FloodAlert</a:t>
+            </a:r>
+            <a:r>
+              <a:rPr lang="fr-FR" sz="1600" dirty="0"/>
+              <a:t>, </a:t>
+            </a:r>
+            <a:r>
+              <a:rPr lang="fr-FR" sz="1600" dirty="0" err="1"/>
+              <a:t>PersonInfoAlert</a:t>
+            </a:r>
+            <a:r>
+              <a:rPr lang="fr-FR" sz="1600" dirty="0"/>
+              <a:t>.</a:t>
+            </a:r>
+          </a:p>
+          <a:p>
+            <a:pPr marL="702900" lvl="2" indent="-342900">
               <a:spcAft>
                 <a:spcPts val="500"/>
               </a:spcAft>
-              <a:buNone/>
+              <a:buFont typeface="+mj-lt"/>
+              <a:buAutoNum type="arabicPeriod" startAt="2"/>
             </a:pPr>
             <a:r>
-              <a:rPr lang="fr-FR" dirty="0"/>
-              <a:t>Création des Services pour la logique métiers.</a:t>
-            </a:r>
-          </a:p>
-          <a:p>
-            <a:pPr marL="360000" lvl="1" indent="0">
+              <a:rPr lang="fr-FR" sz="1600" dirty="0"/>
+              <a:t>Création des Contrôleurs pour les futures interactions utilisateurs via les différents Endpoints.</a:t>
+            </a:r>
+          </a:p>
+          <a:p>
+            <a:pPr marL="702900" lvl="1" indent="-342900">
               <a:spcAft>
                 <a:spcPts val="500"/>
               </a:spcAft>
-              <a:buNone/>
+              <a:buFont typeface="+mj-lt"/>
+              <a:buAutoNum type="arabicPeriod" startAt="3"/>
+            </a:pPr>
+            <a:r>
+              <a:rPr lang="fr-FR" dirty="0"/>
+              <a:t>Création des Services pour la logique métiers.</a:t>
+            </a:r>
+          </a:p>
+          <a:p>
+            <a:pPr marL="702900" lvl="1" indent="-342900">
+              <a:spcAft>
+                <a:spcPts val="500"/>
+              </a:spcAft>
+              <a:buFont typeface="+mj-lt"/>
+              <a:buAutoNum type="arabicPeriod" startAt="3"/>
             </a:pPr>
             <a:r>
               <a:rPr lang="fr-FR" dirty="0"/>
               <a:t>Création de la Dao pour l’accès aux données.</a:t>
             </a:r>
+          </a:p>
+          <a:p>
+            <a:pPr marL="702900" lvl="1" indent="-342900">
+              <a:spcAft>
+                <a:spcPts val="500"/>
+              </a:spcAft>
+              <a:buFont typeface="+mj-lt"/>
+              <a:buAutoNum type="arabicPeriod" startAt="3"/>
+            </a:pPr>
+            <a:endParaRPr lang="fr-FR" dirty="0"/>
           </a:p>
           <a:p>
             <a:pPr marL="0" lvl="1" indent="0">
@@ -14640,32 +15844,38 @@
             </a:r>
           </a:p>
           <a:p>
-            <a:pPr marL="645750" lvl="1" indent="-285750">
+            <a:pPr marL="702900" lvl="1" indent="-342900">
               <a:spcAft>
                 <a:spcPts val="500"/>
               </a:spcAft>
+              <a:buFont typeface="+mj-lt"/>
+              <a:buAutoNum type="arabicPeriod"/>
             </a:pPr>
             <a:r>
               <a:rPr lang="fr-FR" dirty="0"/>
-              <a:t>La responsabilité unique</a:t>
-            </a:r>
-          </a:p>
-          <a:p>
-            <a:pPr marL="645750" lvl="1" indent="-285750">
+              <a:t>La responsabilité unique.</a:t>
+            </a:r>
+          </a:p>
+          <a:p>
+            <a:pPr marL="702900" lvl="1" indent="-342900">
               <a:spcAft>
                 <a:spcPts val="500"/>
               </a:spcAft>
+              <a:buFont typeface="+mj-lt"/>
+              <a:buAutoNum type="arabicPeriod"/>
             </a:pPr>
             <a:r>
               <a:rPr lang="fr-FR" dirty="0"/>
-              <a:t>Le principe d’ouverture et de fermeture</a:t>
-            </a:r>
-          </a:p>
-          <a:p>
-            <a:pPr marL="645750" lvl="1" indent="-285750">
+              <a:t>Le principe d’ouverture et de fermeture.</a:t>
+            </a:r>
+          </a:p>
+          <a:p>
+            <a:pPr marL="702900" lvl="1" indent="-342900">
               <a:spcAft>
                 <a:spcPts val="500"/>
               </a:spcAft>
+              <a:buFont typeface="+mj-lt"/>
+              <a:buAutoNum type="arabicPeriod"/>
             </a:pPr>
             <a:r>
               <a:rPr lang="fr-FR" dirty="0"/>
@@ -14675,28 +15885,35 @@
               <a:rPr lang="fr-FR" dirty="0" err="1"/>
               <a:t>Liskov</a:t>
             </a:r>
-            <a:endParaRPr lang="fr-FR" dirty="0"/>
-          </a:p>
-          <a:p>
-            <a:pPr marL="645750" lvl="1" indent="-285750">
+            <a:r>
+              <a:rPr lang="fr-FR" dirty="0"/>
+              <a:t>.</a:t>
+            </a:r>
+          </a:p>
+          <a:p>
+            <a:pPr marL="702900" lvl="1" indent="-342900">
               <a:spcAft>
                 <a:spcPts val="500"/>
               </a:spcAft>
+              <a:buFont typeface="+mj-lt"/>
+              <a:buAutoNum type="arabicPeriod"/>
             </a:pPr>
             <a:r>
               <a:rPr lang="fr-FR" dirty="0"/>
-              <a:t>Séparation des interfaces </a:t>
-            </a:r>
-          </a:p>
-          <a:p>
-            <a:pPr marL="645750" lvl="1" indent="-285750">
+              <a:t>Séparation des interfaces .</a:t>
+            </a:r>
+          </a:p>
+          <a:p>
+            <a:pPr marL="702900" lvl="1" indent="-342900">
               <a:spcAft>
                 <a:spcPts val="500"/>
               </a:spcAft>
+              <a:buFont typeface="+mj-lt"/>
+              <a:buAutoNum type="arabicPeriod"/>
             </a:pPr>
             <a:r>
               <a:rPr lang="fr-FR" dirty="0"/>
-              <a:t>Ou encore le principe d’inversion de dépendance</a:t>
+              <a:t>Ou encore le principe d’inversion de dépendance.</a:t>
             </a:r>
             <a:br>
               <a:rPr lang="fr-FR" dirty="0"/>
@@ -15279,36 +16496,154 @@
           <a:chExt cx="0" cy="0"/>
         </a:xfrm>
       </p:grpSpPr>
-      <p:pic>
-        <p:nvPicPr>
-          <p:cNvPr id="6" name="Image 5">
+      <p:sp>
+        <p:nvSpPr>
+          <p:cNvPr id="5" name="Espace réservé du contenu 4">
             <a:extLst>
               <a:ext uri="{FF2B5EF4-FFF2-40B4-BE49-F238E27FC236}">
-                <a16:creationId xmlns:a16="http://schemas.microsoft.com/office/drawing/2014/main" id="{9E4816F4-BE45-F773-71E1-026C145CABB5}"/>
+                <a16:creationId xmlns:a16="http://schemas.microsoft.com/office/drawing/2014/main" id="{CEEB3BAE-C0B2-447C-B8BE-96C6BD84D658}"/>
               </a:ext>
             </a:extLst>
           </p:cNvPr>
-          <p:cNvPicPr>
-            <a:picLocks noChangeAspect="1"/>
-          </p:cNvPicPr>
-          <p:nvPr/>
-        </p:nvPicPr>
-        <p:blipFill>
-          <a:blip r:embed="rId3"/>
-          <a:stretch>
-            <a:fillRect/>
-          </a:stretch>
-        </p:blipFill>
+          <p:cNvSpPr>
+            <a:spLocks noGrp="1"/>
+          </p:cNvSpPr>
+          <p:nvPr>
+            <p:ph sz="half" idx="2"/>
+          </p:nvPr>
+        </p:nvSpPr>
         <p:spPr>
           <a:xfrm>
-            <a:off x="579037" y="990140"/>
-            <a:ext cx="10386223" cy="5381208"/>
+            <a:off x="370930" y="1277228"/>
+            <a:ext cx="8432710" cy="5205633"/>
           </a:xfrm>
-          <a:prstGeom prst="rect">
-            <a:avLst/>
-          </a:prstGeom>
         </p:spPr>
-      </p:pic>
+        <p:txBody>
+          <a:bodyPr rtlCol="0"/>
+          <a:lstStyle/>
+          <a:p>
+            <a:pPr marL="0" indent="0" algn="l">
+              <a:buNone/>
+            </a:pPr>
+            <a:r>
+              <a:rPr lang="fr-FR" dirty="0"/>
+              <a:t>En raison des divergences constatées entre les données d'entrée et les objectifs requis, nous avons formulé certaines hypothèses pour orienter notre projet :</a:t>
+            </a:r>
+          </a:p>
+          <a:p>
+            <a:pPr algn="l">
+              <a:buFont typeface="+mj-lt"/>
+              <a:buAutoNum type="arabicPeriod"/>
+            </a:pPr>
+            <a:r>
+              <a:rPr lang="fr-FR" b="1" dirty="0"/>
+              <a:t>Unicité de la clé nom et prénom : </a:t>
+            </a:r>
+          </a:p>
+          <a:p>
+            <a:pPr marL="266700" lvl="1" indent="0">
+              <a:buNone/>
+            </a:pPr>
+            <a:r>
+              <a:rPr lang="fr-FR" dirty="0"/>
+              <a:t>Incohérence lors de la liaison d'un dossier médical à une personne. </a:t>
+            </a:r>
+          </a:p>
+          <a:p>
+            <a:pPr marL="266700" lvl="1" indent="0">
+              <a:buNone/>
+            </a:pPr>
+            <a:r>
+              <a:rPr lang="fr-FR" dirty="0"/>
+              <a:t>Pour résoudre cette incohérence, nous avons établi que chaque nom et prénom doivent être uniques, garantissant ainsi l'unicité d'un dossier médical pour chaque personne.</a:t>
+            </a:r>
+          </a:p>
+          <a:p>
+            <a:pPr algn="l">
+              <a:buFont typeface="+mj-lt"/>
+              <a:buAutoNum type="arabicPeriod"/>
+            </a:pPr>
+            <a:r>
+              <a:rPr lang="fr-FR" b="1" dirty="0"/>
+              <a:t>Gestion de l'URL </a:t>
+            </a:r>
+            <a:r>
+              <a:rPr lang="fr-FR" b="1" dirty="0" err="1"/>
+              <a:t>personInfo</a:t>
+            </a:r>
+            <a:r>
+              <a:rPr lang="fr-FR" b="1" dirty="0"/>
+              <a:t> : </a:t>
+            </a:r>
+          </a:p>
+          <a:p>
+            <a:pPr marL="266700" lvl="1" indent="0">
+              <a:buNone/>
+            </a:pPr>
+            <a:r>
+              <a:rPr lang="fr-FR" dirty="0"/>
+              <a:t>Incohérence liée à l'URL </a:t>
+            </a:r>
+            <a:r>
+              <a:rPr lang="fr-FR" dirty="0" err="1"/>
+              <a:t>personInfo</a:t>
+            </a:r>
+            <a:r>
+              <a:rPr lang="fr-FR" dirty="0"/>
+              <a:t>, qui requiert une liste de personnes lorsque plusieurs individus portent le même nom. </a:t>
+            </a:r>
+          </a:p>
+          <a:p>
+            <a:pPr marL="266700" lvl="1" indent="0">
+              <a:buNone/>
+            </a:pPr>
+            <a:r>
+              <a:rPr lang="fr-FR" dirty="0"/>
+              <a:t>Suite à l’hypothèse précédente cette URL  ne pourra renvoyer qu’une seule personne tant qu’une liaison entre le dossier médical et la personne ne soit faite autrement. (Exemple : numéro de téléphone ajouté dans le dossier médical)</a:t>
+            </a:r>
+          </a:p>
+          <a:p>
+            <a:pPr algn="l">
+              <a:buFont typeface="+mj-lt"/>
+              <a:buAutoNum type="arabicPeriod"/>
+            </a:pPr>
+            <a:r>
+              <a:rPr lang="fr-FR" b="1" dirty="0"/>
+              <a:t>Couverture d'une adresse par plusieurs casernes de pompiers : </a:t>
+            </a:r>
+          </a:p>
+          <a:p>
+            <a:pPr marL="266700" lvl="1" indent="0">
+              <a:buNone/>
+            </a:pPr>
+            <a:r>
+              <a:rPr lang="fr-FR" dirty="0"/>
+              <a:t>Incohérence dans la couverture d'une adresse spécifique par plusieurs casernes de pompiers. L’adresse "112 Steppes Pl" est couverte par plusieurs casernes de pompiers (3 et 4). </a:t>
+            </a:r>
+          </a:p>
+          <a:p>
+            <a:pPr marL="266700" lvl="1" indent="0">
+              <a:buNone/>
+            </a:pPr>
+            <a:r>
+              <a:rPr lang="fr-FR" dirty="0"/>
+              <a:t>Pour résoudre cette incohérence, nous considérons que la mise à jour d'une caserne de pompiers à une adresse donnée entraîne automatiquement la surpression de toutes les caserne desservant </a:t>
+            </a:r>
+            <a:r>
+              <a:rPr lang="fr-FR"/>
+              <a:t>cette adresse, </a:t>
+            </a:r>
+            <a:r>
+              <a:rPr lang="fr-FR" dirty="0"/>
+              <a:t>laissant ainsi une seule caserne assurant la couverture de cette même adresse. En attendant le doublon n’est pas supprimé.</a:t>
+            </a:r>
+          </a:p>
+          <a:p>
+            <a:pPr rtl="0"/>
+            <a:endParaRPr lang="fr-FR" dirty="0"/>
+          </a:p>
+        </p:txBody>
+      </p:sp>
       <p:cxnSp>
         <p:nvCxnSpPr>
           <p:cNvPr id="11" name="Connecteur droit 10" descr="Séparateur de diapositive">
@@ -15391,12 +16726,102 @@
           </a:p>
         </p:txBody>
       </p:sp>
+      <p:pic>
+        <p:nvPicPr>
+          <p:cNvPr id="14" name="Picture 2" descr="Bienvenue chez SafetyNet">
+            <a:extLst>
+              <a:ext uri="{FF2B5EF4-FFF2-40B4-BE49-F238E27FC236}">
+                <a16:creationId xmlns:a16="http://schemas.microsoft.com/office/drawing/2014/main" id="{7BA4680D-264D-37DA-224B-75CB621873BB}"/>
+              </a:ext>
+            </a:extLst>
+          </p:cNvPr>
+          <p:cNvPicPr>
+            <a:picLocks noChangeAspect="1" noChangeArrowheads="1"/>
+          </p:cNvPicPr>
+          <p:nvPr/>
+        </p:nvPicPr>
+        <p:blipFill rotWithShape="1">
+          <a:blip r:embed="rId3">
+            <a:extLst>
+              <a:ext uri="{28A0092B-C50C-407E-A947-70E740481C1C}">
+                <a14:useLocalDpi xmlns:a14="http://schemas.microsoft.com/office/drawing/2010/main" val="0"/>
+              </a:ext>
+            </a:extLst>
+          </a:blip>
+          <a:srcRect t="74250"/>
+          <a:stretch/>
+        </p:blipFill>
+        <p:spPr bwMode="auto">
+          <a:xfrm>
+            <a:off x="9782311" y="6371349"/>
+            <a:ext cx="1422997" cy="432001"/>
+          </a:xfrm>
+          <a:prstGeom prst="rect">
+            <a:avLst/>
+          </a:prstGeom>
+          <a:noFill/>
+          <a:extLst>
+            <a:ext uri="{909E8E84-426E-40DD-AFC4-6F175D3DCCD1}">
+              <a14:hiddenFill xmlns:a14="http://schemas.microsoft.com/office/drawing/2010/main">
+                <a:solidFill>
+                  <a:srgbClr val="FFFFFF"/>
+                </a:solidFill>
+              </a14:hiddenFill>
+            </a:ext>
+          </a:extLst>
+        </p:spPr>
+      </p:pic>
+      <p:pic>
+        <p:nvPicPr>
+          <p:cNvPr id="15" name="Picture 2" descr="Bienvenue chez SafetyNet">
+            <a:extLst>
+              <a:ext uri="{FF2B5EF4-FFF2-40B4-BE49-F238E27FC236}">
+                <a16:creationId xmlns:a16="http://schemas.microsoft.com/office/drawing/2014/main" id="{840B06B9-46CE-3645-AF6E-603FC5125E21}"/>
+              </a:ext>
+            </a:extLst>
+          </p:cNvPr>
+          <p:cNvPicPr>
+            <a:picLocks noChangeAspect="1" noChangeArrowheads="1"/>
+          </p:cNvPicPr>
+          <p:nvPr/>
+        </p:nvPicPr>
+        <p:blipFill rotWithShape="1">
+          <a:blip r:embed="rId3">
+            <a:extLst>
+              <a:ext uri="{28A0092B-C50C-407E-A947-70E740481C1C}">
+                <a14:useLocalDpi xmlns:a14="http://schemas.microsoft.com/office/drawing/2010/main" val="0"/>
+              </a:ext>
+            </a:extLst>
+          </a:blip>
+          <a:srcRect r="1290" b="24566"/>
+          <a:stretch/>
+        </p:blipFill>
+        <p:spPr bwMode="auto">
+          <a:xfrm>
+            <a:off x="11153054" y="6371349"/>
+            <a:ext cx="479494" cy="432002"/>
+          </a:xfrm>
+          <a:prstGeom prst="rect">
+            <a:avLst/>
+          </a:prstGeom>
+          <a:noFill/>
+          <a:extLst>
+            <a:ext uri="{909E8E84-426E-40DD-AFC4-6F175D3DCCD1}">
+              <a14:hiddenFill xmlns:a14="http://schemas.microsoft.com/office/drawing/2010/main">
+                <a:solidFill>
+                  <a:srgbClr val="FFFFFF"/>
+                </a:solidFill>
+              </a14:hiddenFill>
+            </a:ext>
+          </a:extLst>
+        </p:spPr>
+      </p:pic>
       <p:sp>
         <p:nvSpPr>
-          <p:cNvPr id="3" name="Rectangle 2" descr="Bloc d’accentuation">
+          <p:cNvPr id="22" name="Rectangle 21" descr="Bloc d’accentuation">
             <a:extLst>
               <a:ext uri="{FF2B5EF4-FFF2-40B4-BE49-F238E27FC236}">
-                <a16:creationId xmlns:a16="http://schemas.microsoft.com/office/drawing/2014/main" id="{7FE8AC07-FFE1-AF41-2529-8E1C13A6216D}"/>
+                <a16:creationId xmlns:a16="http://schemas.microsoft.com/office/drawing/2014/main" id="{BB81ABC5-1C29-7612-68A6-DA5B6D3B8BFD}"/>
               </a:ext>
               <a:ext uri="{C183D7F6-B498-43B3-948B-1728B52AA6E4}">
                 <adec:decorative xmlns:adec="http://schemas.microsoft.com/office/drawing/2017/decorative" val="1"/>
@@ -15448,10 +16873,10 @@
       </p:sp>
       <p:sp>
         <p:nvSpPr>
-          <p:cNvPr id="9" name="Titre 1">
+          <p:cNvPr id="23" name="Titre 1">
             <a:extLst>
               <a:ext uri="{FF2B5EF4-FFF2-40B4-BE49-F238E27FC236}">
-                <a16:creationId xmlns:a16="http://schemas.microsoft.com/office/drawing/2014/main" id="{B949D507-7313-3D25-C397-ABE2F6414FD0}"/>
+                <a16:creationId xmlns:a16="http://schemas.microsoft.com/office/drawing/2014/main" id="{D9C6115F-2F3D-2E4B-D685-54D20580828C}"/>
               </a:ext>
             </a:extLst>
           </p:cNvPr>
@@ -15510,146 +16935,241 @@
                   <a:schemeClr val="tx1"/>
                 </a:solidFill>
               </a:rPr>
-              <a:t>Diagrammes</a:t>
+              <a:t>Méthodologie d’implémentation</a:t>
             </a:r>
           </a:p>
         </p:txBody>
       </p:sp>
       <p:sp>
         <p:nvSpPr>
-          <p:cNvPr id="10" name="Espace réservé du texte 2">
+          <p:cNvPr id="25" name="Espace réservé du texte 2">
             <a:extLst>
               <a:ext uri="{FF2B5EF4-FFF2-40B4-BE49-F238E27FC236}">
-                <a16:creationId xmlns:a16="http://schemas.microsoft.com/office/drawing/2014/main" id="{0E874898-A8A6-9746-0804-4CB9F4DAB312}"/>
+                <a16:creationId xmlns:a16="http://schemas.microsoft.com/office/drawing/2014/main" id="{66025619-923C-8FC2-9C1E-6C2D997132BA}"/>
               </a:ext>
             </a:extLst>
           </p:cNvPr>
-          <p:cNvSpPr>
-            <a:spLocks noGrp="1"/>
+          <p:cNvSpPr txBox="1">
+            <a:spLocks/>
           </p:cNvSpPr>
-          <p:nvPr>
-            <p:ph type="body" sz="quarter" idx="32"/>
-          </p:nvPr>
+          <p:nvPr/>
         </p:nvSpPr>
         <p:spPr>
           <a:xfrm>
-            <a:off x="370931" y="679557"/>
+            <a:off x="370930" y="673695"/>
             <a:ext cx="5401218" cy="379433"/>
           </a:xfrm>
+          <a:prstGeom prst="rect">
+            <a:avLst/>
+          </a:prstGeom>
           <a:solidFill>
             <a:schemeClr val="tx1"/>
           </a:solidFill>
         </p:spPr>
         <p:txBody>
-          <a:bodyPr rtlCol="0" anchor="ctr"/>
-          <a:lstStyle/>
-          <a:p>
-            <a:pPr marL="0" lvl="1"/>
+          <a:bodyPr vert="horz" lIns="0" tIns="0" rIns="0" bIns="0" rtlCol="0" anchor="ctr">
+            <a:noAutofit/>
+          </a:bodyPr>
+          <a:lstStyle>
+            <a:lvl1pPr marL="0" indent="0" algn="l" defTabSz="914400" rtl="0" eaLnBrk="1" latinLnBrk="0" hangingPunct="1">
+              <a:lnSpc>
+                <a:spcPct val="90000"/>
+              </a:lnSpc>
+              <a:spcBef>
+                <a:spcPts val="1000"/>
+              </a:spcBef>
+              <a:buFont typeface="Arial" panose="020B0604020202020204" pitchFamily="34" charset="0"/>
+              <a:buNone/>
+              <a:defRPr sz="1800" kern="1200">
+                <a:solidFill>
+                  <a:schemeClr val="tx1">
+                    <a:lumMod val="75000"/>
+                    <a:lumOff val="25000"/>
+                  </a:schemeClr>
+                </a:solidFill>
+                <a:latin typeface="+mn-lt"/>
+                <a:ea typeface="+mn-ea"/>
+                <a:cs typeface="+mn-cs"/>
+              </a:defRPr>
+            </a:lvl1pPr>
+            <a:lvl2pPr marL="266700" indent="0" algn="l" defTabSz="914400" rtl="0" eaLnBrk="1" latinLnBrk="0" hangingPunct="1">
+              <a:lnSpc>
+                <a:spcPct val="90000"/>
+              </a:lnSpc>
+              <a:spcBef>
+                <a:spcPts val="500"/>
+              </a:spcBef>
+              <a:buFont typeface="Arial" panose="020B0604020202020204" pitchFamily="34" charset="0"/>
+              <a:buNone/>
+              <a:defRPr sz="1600" kern="1200">
+                <a:solidFill>
+                  <a:schemeClr val="tx1">
+                    <a:lumMod val="75000"/>
+                    <a:lumOff val="25000"/>
+                  </a:schemeClr>
+                </a:solidFill>
+                <a:latin typeface="+mn-lt"/>
+                <a:ea typeface="+mn-ea"/>
+                <a:cs typeface="+mn-cs"/>
+              </a:defRPr>
+            </a:lvl2pPr>
+            <a:lvl3pPr marL="542925" indent="0" algn="l" defTabSz="914400" rtl="0" eaLnBrk="1" latinLnBrk="0" hangingPunct="1">
+              <a:lnSpc>
+                <a:spcPct val="90000"/>
+              </a:lnSpc>
+              <a:spcBef>
+                <a:spcPts val="500"/>
+              </a:spcBef>
+              <a:buFont typeface="Arial" panose="020B0604020202020204" pitchFamily="34" charset="0"/>
+              <a:buNone/>
+              <a:defRPr sz="1400" kern="1200">
+                <a:solidFill>
+                  <a:schemeClr val="tx1">
+                    <a:lumMod val="75000"/>
+                    <a:lumOff val="25000"/>
+                  </a:schemeClr>
+                </a:solidFill>
+                <a:latin typeface="+mn-lt"/>
+                <a:ea typeface="+mn-ea"/>
+                <a:cs typeface="+mn-cs"/>
+              </a:defRPr>
+            </a:lvl3pPr>
+            <a:lvl4pPr marL="809625" indent="0" algn="l" defTabSz="914400" rtl="0" eaLnBrk="1" latinLnBrk="0" hangingPunct="1">
+              <a:lnSpc>
+                <a:spcPct val="90000"/>
+              </a:lnSpc>
+              <a:spcBef>
+                <a:spcPts val="500"/>
+              </a:spcBef>
+              <a:buFont typeface="Arial" panose="020B0604020202020204" pitchFamily="34" charset="0"/>
+              <a:buNone/>
+              <a:defRPr sz="1400" kern="1200">
+                <a:solidFill>
+                  <a:schemeClr val="tx1">
+                    <a:lumMod val="75000"/>
+                    <a:lumOff val="25000"/>
+                  </a:schemeClr>
+                </a:solidFill>
+                <a:latin typeface="+mn-lt"/>
+                <a:ea typeface="+mn-ea"/>
+                <a:cs typeface="+mn-cs"/>
+              </a:defRPr>
+            </a:lvl4pPr>
+            <a:lvl5pPr marL="1076325" indent="0" algn="l" defTabSz="914400" rtl="0" eaLnBrk="1" latinLnBrk="0" hangingPunct="1">
+              <a:lnSpc>
+                <a:spcPct val="90000"/>
+              </a:lnSpc>
+              <a:spcBef>
+                <a:spcPts val="500"/>
+              </a:spcBef>
+              <a:buFont typeface="Arial" panose="020B0604020202020204" pitchFamily="34" charset="0"/>
+              <a:buNone/>
+              <a:defRPr sz="1400" kern="1200">
+                <a:solidFill>
+                  <a:schemeClr val="tx1">
+                    <a:lumMod val="75000"/>
+                    <a:lumOff val="25000"/>
+                  </a:schemeClr>
+                </a:solidFill>
+                <a:latin typeface="+mn-lt"/>
+                <a:ea typeface="+mn-ea"/>
+                <a:cs typeface="+mn-cs"/>
+              </a:defRPr>
+            </a:lvl5pPr>
+            <a:lvl6pPr marL="2514600" indent="-228600" algn="l" defTabSz="914400" rtl="0" eaLnBrk="1" latinLnBrk="0" hangingPunct="1">
+              <a:lnSpc>
+                <a:spcPct val="90000"/>
+              </a:lnSpc>
+              <a:spcBef>
+                <a:spcPts val="500"/>
+              </a:spcBef>
+              <a:buFont typeface="Arial" panose="020B0604020202020204" pitchFamily="34" charset="0"/>
+              <a:buChar char="•"/>
+              <a:defRPr sz="1800" kern="1200">
+                <a:solidFill>
+                  <a:schemeClr val="tx1"/>
+                </a:solidFill>
+                <a:latin typeface="+mn-lt"/>
+                <a:ea typeface="+mn-ea"/>
+                <a:cs typeface="+mn-cs"/>
+              </a:defRPr>
+            </a:lvl6pPr>
+            <a:lvl7pPr marL="2971800" indent="-228600" algn="l" defTabSz="914400" rtl="0" eaLnBrk="1" latinLnBrk="0" hangingPunct="1">
+              <a:lnSpc>
+                <a:spcPct val="90000"/>
+              </a:lnSpc>
+              <a:spcBef>
+                <a:spcPts val="500"/>
+              </a:spcBef>
+              <a:buFont typeface="Arial" panose="020B0604020202020204" pitchFamily="34" charset="0"/>
+              <a:buChar char="•"/>
+              <a:defRPr sz="1800" kern="1200">
+                <a:solidFill>
+                  <a:schemeClr val="tx1"/>
+                </a:solidFill>
+                <a:latin typeface="+mn-lt"/>
+                <a:ea typeface="+mn-ea"/>
+                <a:cs typeface="+mn-cs"/>
+              </a:defRPr>
+            </a:lvl7pPr>
+            <a:lvl8pPr marL="3429000" indent="-228600" algn="l" defTabSz="914400" rtl="0" eaLnBrk="1" latinLnBrk="0" hangingPunct="1">
+              <a:lnSpc>
+                <a:spcPct val="90000"/>
+              </a:lnSpc>
+              <a:spcBef>
+                <a:spcPts val="500"/>
+              </a:spcBef>
+              <a:buFont typeface="Arial" panose="020B0604020202020204" pitchFamily="34" charset="0"/>
+              <a:buChar char="•"/>
+              <a:defRPr sz="1800" kern="1200">
+                <a:solidFill>
+                  <a:schemeClr val="tx1"/>
+                </a:solidFill>
+                <a:latin typeface="+mn-lt"/>
+                <a:ea typeface="+mn-ea"/>
+                <a:cs typeface="+mn-cs"/>
+              </a:defRPr>
+            </a:lvl8pPr>
+            <a:lvl9pPr marL="3886200" indent="-228600" algn="l" defTabSz="914400" rtl="0" eaLnBrk="1" latinLnBrk="0" hangingPunct="1">
+              <a:lnSpc>
+                <a:spcPct val="90000"/>
+              </a:lnSpc>
+              <a:spcBef>
+                <a:spcPts val="500"/>
+              </a:spcBef>
+              <a:buFont typeface="Arial" panose="020B0604020202020204" pitchFamily="34" charset="0"/>
+              <a:buChar char="•"/>
+              <a:defRPr sz="1800" kern="1200">
+                <a:solidFill>
+                  <a:schemeClr val="tx1"/>
+                </a:solidFill>
+                <a:latin typeface="+mn-lt"/>
+                <a:ea typeface="+mn-ea"/>
+                <a:cs typeface="+mn-cs"/>
+              </a:defRPr>
+            </a:lvl9pPr>
+          </a:lstStyle>
+          <a:p>
+            <a:pPr rtl="0">
+              <a:spcBef>
+                <a:spcPts val="0"/>
+              </a:spcBef>
+            </a:pPr>
             <a:r>
               <a:rPr lang="fr-FR" sz="2000" dirty="0">
                 <a:solidFill>
                   <a:schemeClr val="bg1"/>
                 </a:solidFill>
               </a:rPr>
-              <a:t>Diagrammes de cas d’usages</a:t>
+              <a:t>Hypothèses appliquées</a:t>
             </a:r>
           </a:p>
         </p:txBody>
       </p:sp>
-      <p:pic>
-        <p:nvPicPr>
-          <p:cNvPr id="2" name="Picture 2" descr="Bienvenue chez SafetyNet">
-            <a:extLst>
-              <a:ext uri="{FF2B5EF4-FFF2-40B4-BE49-F238E27FC236}">
-                <a16:creationId xmlns:a16="http://schemas.microsoft.com/office/drawing/2014/main" id="{A420B967-60C3-6959-6698-297DF735BFC5}"/>
-              </a:ext>
-            </a:extLst>
-          </p:cNvPr>
-          <p:cNvPicPr>
-            <a:picLocks noChangeAspect="1" noChangeArrowheads="1"/>
-          </p:cNvPicPr>
-          <p:nvPr/>
-        </p:nvPicPr>
-        <p:blipFill rotWithShape="1">
-          <a:blip r:embed="rId4">
-            <a:extLst>
-              <a:ext uri="{28A0092B-C50C-407E-A947-70E740481C1C}">
-                <a14:useLocalDpi xmlns:a14="http://schemas.microsoft.com/office/drawing/2010/main" val="0"/>
-              </a:ext>
-            </a:extLst>
-          </a:blip>
-          <a:srcRect t="74250"/>
-          <a:stretch/>
-        </p:blipFill>
-        <p:spPr bwMode="auto">
-          <a:xfrm>
-            <a:off x="9782311" y="6371349"/>
-            <a:ext cx="1422997" cy="432001"/>
-          </a:xfrm>
-          <a:prstGeom prst="rect">
-            <a:avLst/>
-          </a:prstGeom>
-          <a:noFill/>
-          <a:extLst>
-            <a:ext uri="{909E8E84-426E-40DD-AFC4-6F175D3DCCD1}">
-              <a14:hiddenFill xmlns:a14="http://schemas.microsoft.com/office/drawing/2010/main">
-                <a:solidFill>
-                  <a:srgbClr val="FFFFFF"/>
-                </a:solidFill>
-              </a14:hiddenFill>
-            </a:ext>
-          </a:extLst>
-        </p:spPr>
-      </p:pic>
-      <p:pic>
-        <p:nvPicPr>
-          <p:cNvPr id="4" name="Picture 2" descr="Bienvenue chez SafetyNet">
-            <a:extLst>
-              <a:ext uri="{FF2B5EF4-FFF2-40B4-BE49-F238E27FC236}">
-                <a16:creationId xmlns:a16="http://schemas.microsoft.com/office/drawing/2014/main" id="{005C72AD-225E-99F5-E6AB-0B7E7A2AECA6}"/>
-              </a:ext>
-            </a:extLst>
-          </p:cNvPr>
-          <p:cNvPicPr>
-            <a:picLocks noChangeAspect="1" noChangeArrowheads="1"/>
-          </p:cNvPicPr>
-          <p:nvPr/>
-        </p:nvPicPr>
-        <p:blipFill rotWithShape="1">
-          <a:blip r:embed="rId4">
-            <a:extLst>
-              <a:ext uri="{28A0092B-C50C-407E-A947-70E740481C1C}">
-                <a14:useLocalDpi xmlns:a14="http://schemas.microsoft.com/office/drawing/2010/main" val="0"/>
-              </a:ext>
-            </a:extLst>
-          </a:blip>
-          <a:srcRect r="1290" b="24566"/>
-          <a:stretch/>
-        </p:blipFill>
-        <p:spPr bwMode="auto">
-          <a:xfrm>
-            <a:off x="11153054" y="6371349"/>
-            <a:ext cx="479494" cy="432002"/>
-          </a:xfrm>
-          <a:prstGeom prst="rect">
-            <a:avLst/>
-          </a:prstGeom>
-          <a:noFill/>
-          <a:extLst>
-            <a:ext uri="{909E8E84-426E-40DD-AFC4-6F175D3DCCD1}">
-              <a14:hiddenFill xmlns:a14="http://schemas.microsoft.com/office/drawing/2010/main">
-                <a:solidFill>
-                  <a:srgbClr val="FFFFFF"/>
-                </a:solidFill>
-              </a14:hiddenFill>
-            </a:ext>
-          </a:extLst>
-        </p:spPr>
-      </p:pic>
     </p:spTree>
     <p:extLst>
       <p:ext uri="{BB962C8B-B14F-4D97-AF65-F5344CB8AC3E}">
-        <p14:creationId xmlns:p14="http://schemas.microsoft.com/office/powerpoint/2010/main" val="271191972"/>
+        <p14:creationId xmlns:p14="http://schemas.microsoft.com/office/powerpoint/2010/main" val="479091078"/>
       </p:ext>
     </p:extLst>
   </p:cSld>
@@ -15678,10 +17198,10 @@
       </p:grpSpPr>
       <p:pic>
         <p:nvPicPr>
-          <p:cNvPr id="6" name="Image 5">
+          <p:cNvPr id="7" name="Image 6">
             <a:extLst>
               <a:ext uri="{FF2B5EF4-FFF2-40B4-BE49-F238E27FC236}">
-                <a16:creationId xmlns:a16="http://schemas.microsoft.com/office/drawing/2014/main" id="{6AA1F80F-0FC7-EA78-2BD8-45844F6FFAAA}"/>
+                <a16:creationId xmlns:a16="http://schemas.microsoft.com/office/drawing/2014/main" id="{38CCB796-2305-CAC6-9233-90E1F22B3D38}"/>
               </a:ext>
             </a:extLst>
           </p:cNvPr>
@@ -15698,8 +17218,8 @@
         </p:blipFill>
         <p:spPr>
           <a:xfrm>
-            <a:off x="2857360" y="266808"/>
-            <a:ext cx="6477280" cy="5858290"/>
+            <a:off x="918215" y="819413"/>
+            <a:ext cx="10726013" cy="5497082"/>
           </a:xfrm>
           <a:prstGeom prst="rect">
             <a:avLst/>
@@ -15948,6 +17468,402 @@
                   <a:schemeClr val="bg1"/>
                 </a:solidFill>
               </a:rPr>
+              <a:t>Diagrammes de cas d’usages</a:t>
+            </a:r>
+          </a:p>
+        </p:txBody>
+      </p:sp>
+      <p:pic>
+        <p:nvPicPr>
+          <p:cNvPr id="2" name="Picture 2" descr="Bienvenue chez SafetyNet">
+            <a:extLst>
+              <a:ext uri="{FF2B5EF4-FFF2-40B4-BE49-F238E27FC236}">
+                <a16:creationId xmlns:a16="http://schemas.microsoft.com/office/drawing/2014/main" id="{A420B967-60C3-6959-6698-297DF735BFC5}"/>
+              </a:ext>
+            </a:extLst>
+          </p:cNvPr>
+          <p:cNvPicPr>
+            <a:picLocks noChangeAspect="1" noChangeArrowheads="1"/>
+          </p:cNvPicPr>
+          <p:nvPr/>
+        </p:nvPicPr>
+        <p:blipFill rotWithShape="1">
+          <a:blip r:embed="rId4">
+            <a:extLst>
+              <a:ext uri="{28A0092B-C50C-407E-A947-70E740481C1C}">
+                <a14:useLocalDpi xmlns:a14="http://schemas.microsoft.com/office/drawing/2010/main" val="0"/>
+              </a:ext>
+            </a:extLst>
+          </a:blip>
+          <a:srcRect t="74250"/>
+          <a:stretch/>
+        </p:blipFill>
+        <p:spPr bwMode="auto">
+          <a:xfrm>
+            <a:off x="9782311" y="6371349"/>
+            <a:ext cx="1422997" cy="432001"/>
+          </a:xfrm>
+          <a:prstGeom prst="rect">
+            <a:avLst/>
+          </a:prstGeom>
+          <a:noFill/>
+          <a:extLst>
+            <a:ext uri="{909E8E84-426E-40DD-AFC4-6F175D3DCCD1}">
+              <a14:hiddenFill xmlns:a14="http://schemas.microsoft.com/office/drawing/2010/main">
+                <a:solidFill>
+                  <a:srgbClr val="FFFFFF"/>
+                </a:solidFill>
+              </a14:hiddenFill>
+            </a:ext>
+          </a:extLst>
+        </p:spPr>
+      </p:pic>
+      <p:pic>
+        <p:nvPicPr>
+          <p:cNvPr id="4" name="Picture 2" descr="Bienvenue chez SafetyNet">
+            <a:extLst>
+              <a:ext uri="{FF2B5EF4-FFF2-40B4-BE49-F238E27FC236}">
+                <a16:creationId xmlns:a16="http://schemas.microsoft.com/office/drawing/2014/main" id="{005C72AD-225E-99F5-E6AB-0B7E7A2AECA6}"/>
+              </a:ext>
+            </a:extLst>
+          </p:cNvPr>
+          <p:cNvPicPr>
+            <a:picLocks noChangeAspect="1" noChangeArrowheads="1"/>
+          </p:cNvPicPr>
+          <p:nvPr/>
+        </p:nvPicPr>
+        <p:blipFill rotWithShape="1">
+          <a:blip r:embed="rId4">
+            <a:extLst>
+              <a:ext uri="{28A0092B-C50C-407E-A947-70E740481C1C}">
+                <a14:useLocalDpi xmlns:a14="http://schemas.microsoft.com/office/drawing/2010/main" val="0"/>
+              </a:ext>
+            </a:extLst>
+          </a:blip>
+          <a:srcRect r="1290" b="24566"/>
+          <a:stretch/>
+        </p:blipFill>
+        <p:spPr bwMode="auto">
+          <a:xfrm>
+            <a:off x="11153054" y="6371349"/>
+            <a:ext cx="479494" cy="432002"/>
+          </a:xfrm>
+          <a:prstGeom prst="rect">
+            <a:avLst/>
+          </a:prstGeom>
+          <a:noFill/>
+          <a:extLst>
+            <a:ext uri="{909E8E84-426E-40DD-AFC4-6F175D3DCCD1}">
+              <a14:hiddenFill xmlns:a14="http://schemas.microsoft.com/office/drawing/2010/main">
+                <a:solidFill>
+                  <a:srgbClr val="FFFFFF"/>
+                </a:solidFill>
+              </a14:hiddenFill>
+            </a:ext>
+          </a:extLst>
+        </p:spPr>
+      </p:pic>
+    </p:spTree>
+    <p:extLst>
+      <p:ext uri="{BB962C8B-B14F-4D97-AF65-F5344CB8AC3E}">
+        <p14:creationId xmlns:p14="http://schemas.microsoft.com/office/powerpoint/2010/main" val="271191972"/>
+      </p:ext>
+    </p:extLst>
+  </p:cSld>
+  <p:clrMapOvr>
+    <a:masterClrMapping/>
+  </p:clrMapOvr>
+</p:sld>
+</file>
+
+<file path=ppt/slides/slide8.xml><?xml version="1.0" encoding="utf-8"?>
+<p:sld xmlns:a="http://schemas.openxmlformats.org/drawingml/2006/main" xmlns:r="http://schemas.openxmlformats.org/officeDocument/2006/relationships" xmlns:p="http://schemas.openxmlformats.org/presentationml/2006/main">
+  <p:cSld>
+    <p:spTree>
+      <p:nvGrpSpPr>
+        <p:cNvPr id="1" name=""/>
+        <p:cNvGrpSpPr/>
+        <p:nvPr/>
+      </p:nvGrpSpPr>
+      <p:grpSpPr>
+        <a:xfrm>
+          <a:off x="0" y="0"/>
+          <a:ext cx="0" cy="0"/>
+          <a:chOff x="0" y="0"/>
+          <a:chExt cx="0" cy="0"/>
+        </a:xfrm>
+      </p:grpSpPr>
+      <p:pic>
+        <p:nvPicPr>
+          <p:cNvPr id="7" name="Image 6">
+            <a:extLst>
+              <a:ext uri="{FF2B5EF4-FFF2-40B4-BE49-F238E27FC236}">
+                <a16:creationId xmlns:a16="http://schemas.microsoft.com/office/drawing/2014/main" id="{EA399789-D2F6-BDE0-0803-931C9776694C}"/>
+              </a:ext>
+            </a:extLst>
+          </p:cNvPr>
+          <p:cNvPicPr>
+            <a:picLocks noChangeAspect="1"/>
+          </p:cNvPicPr>
+          <p:nvPr/>
+        </p:nvPicPr>
+        <p:blipFill rotWithShape="1">
+          <a:blip r:embed="rId3"/>
+          <a:srcRect l="10596" t="6943" r="10996" b="11561"/>
+          <a:stretch/>
+        </p:blipFill>
+        <p:spPr>
+          <a:xfrm>
+            <a:off x="3264877" y="485698"/>
+            <a:ext cx="5773615" cy="5488255"/>
+          </a:xfrm>
+          <a:prstGeom prst="rect">
+            <a:avLst/>
+          </a:prstGeom>
+        </p:spPr>
+      </p:pic>
+      <p:cxnSp>
+        <p:nvCxnSpPr>
+          <p:cNvPr id="11" name="Connecteur droit 10" descr="Séparateur de diapositive">
+            <a:extLst>
+              <a:ext uri="{FF2B5EF4-FFF2-40B4-BE49-F238E27FC236}">
+                <a16:creationId xmlns:a16="http://schemas.microsoft.com/office/drawing/2014/main" id="{5A563457-1EC8-4978-BCCB-AFD88C9ED04C}"/>
+              </a:ext>
+              <a:ext uri="{C183D7F6-B498-43B3-948B-1728B52AA6E4}">
+                <adec:decorative xmlns:adec="http://schemas.microsoft.com/office/drawing/2017/decorative" val="1"/>
+              </a:ext>
+            </a:extLst>
+          </p:cNvPr>
+          <p:cNvCxnSpPr/>
+          <p:nvPr/>
+        </p:nvCxnSpPr>
+        <p:spPr>
+          <a:xfrm>
+            <a:off x="175159" y="3562398"/>
+            <a:ext cx="0" cy="2411330"/>
+          </a:xfrm>
+          <a:prstGeom prst="line">
+            <a:avLst/>
+          </a:prstGeom>
+          <a:ln>
+            <a:solidFill>
+              <a:schemeClr val="bg1">
+                <a:lumMod val="95000"/>
+              </a:schemeClr>
+            </a:solidFill>
+          </a:ln>
+        </p:spPr>
+        <p:style>
+          <a:lnRef idx="1">
+            <a:schemeClr val="accent1"/>
+          </a:lnRef>
+          <a:fillRef idx="0">
+            <a:schemeClr val="accent1"/>
+          </a:fillRef>
+          <a:effectRef idx="0">
+            <a:schemeClr val="accent1"/>
+          </a:effectRef>
+          <a:fontRef idx="minor">
+            <a:schemeClr val="tx1"/>
+          </a:fontRef>
+        </p:style>
+      </p:cxnSp>
+      <p:sp>
+        <p:nvSpPr>
+          <p:cNvPr id="8" name="Espace réservé du numéro de diapositive 7">
+            <a:extLst>
+              <a:ext uri="{FF2B5EF4-FFF2-40B4-BE49-F238E27FC236}">
+                <a16:creationId xmlns:a16="http://schemas.microsoft.com/office/drawing/2014/main" id="{E6AC9832-FB01-464A-9824-61887B77997E}"/>
+              </a:ext>
+            </a:extLst>
+          </p:cNvPr>
+          <p:cNvSpPr>
+            <a:spLocks noGrp="1"/>
+          </p:cNvSpPr>
+          <p:nvPr>
+            <p:ph type="sldNum" sz="quarter" idx="33"/>
+          </p:nvPr>
+        </p:nvSpPr>
+        <p:spPr>
+          <a:xfrm>
+            <a:off x="11760000" y="6371351"/>
+            <a:ext cx="432000" cy="432000"/>
+          </a:xfrm>
+        </p:spPr>
+        <p:txBody>
+          <a:bodyPr rtlCol="0"/>
+          <a:lstStyle/>
+          <a:p>
+            <a:pPr rtl="0"/>
+            <a:fld id="{19B51A1E-902D-48AF-9020-955120F399B6}" type="slidenum">
+              <a:rPr lang="fr-FR" smtClean="0"/>
+              <a:pPr rtl="0"/>
+              <a:t>8</a:t>
+            </a:fld>
+            <a:endParaRPr lang="fr-FR"/>
+          </a:p>
+        </p:txBody>
+      </p:sp>
+      <p:sp>
+        <p:nvSpPr>
+          <p:cNvPr id="3" name="Rectangle 2" descr="Bloc d’accentuation">
+            <a:extLst>
+              <a:ext uri="{FF2B5EF4-FFF2-40B4-BE49-F238E27FC236}">
+                <a16:creationId xmlns:a16="http://schemas.microsoft.com/office/drawing/2014/main" id="{7FE8AC07-FFE1-AF41-2529-8E1C13A6216D}"/>
+              </a:ext>
+              <a:ext uri="{C183D7F6-B498-43B3-948B-1728B52AA6E4}">
+                <adec:decorative xmlns:adec="http://schemas.microsoft.com/office/drawing/2017/decorative" val="1"/>
+              </a:ext>
+            </a:extLst>
+          </p:cNvPr>
+          <p:cNvSpPr/>
+          <p:nvPr/>
+        </p:nvSpPr>
+        <p:spPr>
+          <a:xfrm>
+            <a:off x="370931" y="151984"/>
+            <a:ext cx="2411412" cy="114824"/>
+          </a:xfrm>
+          <a:prstGeom prst="rect">
+            <a:avLst/>
+          </a:prstGeom>
+          <a:solidFill>
+            <a:schemeClr val="accent2"/>
+          </a:solidFill>
+          <a:ln>
+            <a:noFill/>
+          </a:ln>
+        </p:spPr>
+        <p:style>
+          <a:lnRef idx="2">
+            <a:schemeClr val="accent1">
+              <a:shade val="50000"/>
+            </a:schemeClr>
+          </a:lnRef>
+          <a:fillRef idx="1">
+            <a:schemeClr val="accent1"/>
+          </a:fillRef>
+          <a:effectRef idx="0">
+            <a:schemeClr val="accent1"/>
+          </a:effectRef>
+          <a:fontRef idx="minor">
+            <a:schemeClr val="lt1"/>
+          </a:fontRef>
+        </p:style>
+        <p:txBody>
+          <a:bodyPr rtlCol="0" anchor="ctr"/>
+          <a:lstStyle/>
+          <a:p>
+            <a:pPr algn="l" rtl="0"/>
+            <a:endParaRPr lang="fr-FR" dirty="0"/>
+          </a:p>
+        </p:txBody>
+      </p:sp>
+      <p:sp>
+        <p:nvSpPr>
+          <p:cNvPr id="9" name="Titre 1">
+            <a:extLst>
+              <a:ext uri="{FF2B5EF4-FFF2-40B4-BE49-F238E27FC236}">
+                <a16:creationId xmlns:a16="http://schemas.microsoft.com/office/drawing/2014/main" id="{B949D507-7313-3D25-C397-ABE2F6414FD0}"/>
+              </a:ext>
+            </a:extLst>
+          </p:cNvPr>
+          <p:cNvSpPr txBox="1">
+            <a:spLocks/>
+          </p:cNvSpPr>
+          <p:nvPr/>
+        </p:nvSpPr>
+        <p:spPr>
+          <a:xfrm>
+            <a:off x="370932" y="253846"/>
+            <a:ext cx="5401218" cy="463704"/>
+          </a:xfrm>
+          <a:prstGeom prst="rect">
+            <a:avLst/>
+          </a:prstGeom>
+          <a:solidFill>
+            <a:schemeClr val="bg1">
+              <a:lumMod val="95000"/>
+            </a:schemeClr>
+          </a:solidFill>
+        </p:spPr>
+        <p:txBody>
+          <a:bodyPr vert="horz" lIns="0" tIns="0" rIns="0" bIns="0" rtlCol="0" anchor="ctr">
+            <a:noAutofit/>
+          </a:bodyPr>
+          <a:lstStyle>
+            <a:lvl1pPr algn="l" defTabSz="914400" rtl="0" eaLnBrk="1" latinLnBrk="0" hangingPunct="1">
+              <a:lnSpc>
+                <a:spcPct val="90000"/>
+              </a:lnSpc>
+              <a:spcBef>
+                <a:spcPct val="0"/>
+              </a:spcBef>
+              <a:buNone/>
+              <a:defRPr sz="3200" b="1" kern="1200" spc="-150">
+                <a:solidFill>
+                  <a:schemeClr val="tx1">
+                    <a:lumMod val="75000"/>
+                    <a:lumOff val="25000"/>
+                  </a:schemeClr>
+                </a:solidFill>
+                <a:latin typeface="+mj-lt"/>
+                <a:ea typeface="+mj-ea"/>
+                <a:cs typeface="+mj-cs"/>
+              </a:defRPr>
+            </a:lvl1pPr>
+          </a:lstStyle>
+          <a:p>
+            <a:pPr marL="0" lvl="1" indent="0">
+              <a:buNone/>
+            </a:pPr>
+            <a:r>
+              <a:rPr lang="fr-FR" sz="2800" dirty="0">
+                <a:solidFill>
+                  <a:schemeClr val="tx1"/>
+                </a:solidFill>
+              </a:rPr>
+              <a:t>Diagrammes</a:t>
+            </a:r>
+          </a:p>
+        </p:txBody>
+      </p:sp>
+      <p:sp>
+        <p:nvSpPr>
+          <p:cNvPr id="10" name="Espace réservé du texte 2">
+            <a:extLst>
+              <a:ext uri="{FF2B5EF4-FFF2-40B4-BE49-F238E27FC236}">
+                <a16:creationId xmlns:a16="http://schemas.microsoft.com/office/drawing/2014/main" id="{0E874898-A8A6-9746-0804-4CB9F4DAB312}"/>
+              </a:ext>
+            </a:extLst>
+          </p:cNvPr>
+          <p:cNvSpPr>
+            <a:spLocks noGrp="1"/>
+          </p:cNvSpPr>
+          <p:nvPr>
+            <p:ph type="body" sz="quarter" idx="32"/>
+          </p:nvPr>
+        </p:nvSpPr>
+        <p:spPr>
+          <a:xfrm>
+            <a:off x="370931" y="679557"/>
+            <a:ext cx="5401218" cy="379433"/>
+          </a:xfrm>
+          <a:solidFill>
+            <a:schemeClr val="tx1"/>
+          </a:solidFill>
+        </p:spPr>
+        <p:txBody>
+          <a:bodyPr rtlCol="0" anchor="ctr"/>
+          <a:lstStyle/>
+          <a:p>
+            <a:pPr marL="0" lvl="1"/>
+            <a:r>
+              <a:rPr lang="fr-FR" sz="2000" dirty="0">
+                <a:solidFill>
+                  <a:schemeClr val="bg1"/>
+                </a:solidFill>
+              </a:rPr>
               <a:t>Diagrammes de conception techniques</a:t>
             </a:r>
           </a:p>
@@ -16056,7 +17972,7 @@
 </p:sld>
 </file>
 
-<file path=ppt/slides/slide8.xml><?xml version="1.0" encoding="utf-8"?>
+<file path=ppt/slides/slide9.xml><?xml version="1.0" encoding="utf-8"?>
 <p:sld xmlns:a="http://schemas.openxmlformats.org/drawingml/2006/main" xmlns:r="http://schemas.openxmlformats.org/officeDocument/2006/relationships" xmlns:p="http://schemas.openxmlformats.org/presentationml/2006/main">
   <p:cSld>
     <p:spTree>
@@ -16103,7 +18019,7 @@
             <a:fld id="{19B51A1E-902D-48AF-9020-955120F399B6}" type="slidenum">
               <a:rPr lang="fr-FR" smtClean="0"/>
               <a:pPr rtl="0"/>
-              <a:t>8</a:t>
+              <a:t>9</a:t>
             </a:fld>
             <a:endParaRPr lang="fr-FR"/>
           </a:p>
@@ -16543,7 +18459,7 @@
         </p:nvSpPr>
         <p:spPr>
           <a:xfrm>
-            <a:off x="483712" y="2270092"/>
+            <a:off x="430958" y="1608103"/>
             <a:ext cx="8301959" cy="1320031"/>
           </a:xfrm>
           <a:prstGeom prst="rect">
@@ -16846,10 +18762,10 @@
       </p:pic>
       <p:pic>
         <p:nvPicPr>
-          <p:cNvPr id="11" name="Image 10">
+          <p:cNvPr id="6" name="Image 5">
             <a:extLst>
               <a:ext uri="{FF2B5EF4-FFF2-40B4-BE49-F238E27FC236}">
-                <a16:creationId xmlns:a16="http://schemas.microsoft.com/office/drawing/2014/main" id="{A9F4D5A4-182C-6E52-CE9E-D976D1F8B1F0}"/>
+                <a16:creationId xmlns:a16="http://schemas.microsoft.com/office/drawing/2014/main" id="{2D5583A2-6139-091B-ED6F-D6F51C49CFDE}"/>
               </a:ext>
             </a:extLst>
           </p:cNvPr>
@@ -16860,13 +18776,13 @@
         </p:nvPicPr>
         <p:blipFill rotWithShape="1">
           <a:blip r:embed="rId4"/>
-          <a:srcRect t="11139"/>
+          <a:srcRect t="11955" b="6962"/>
           <a:stretch/>
         </p:blipFill>
         <p:spPr>
           <a:xfrm>
-            <a:off x="618360" y="2651108"/>
-            <a:ext cx="10955279" cy="2251740"/>
+            <a:off x="504825" y="2148388"/>
+            <a:ext cx="11182350" cy="2710828"/>
           </a:xfrm>
           <a:prstGeom prst="rect">
             <a:avLst/>
@@ -16877,837 +18793,6 @@
     <p:extLst>
       <p:ext uri="{BB962C8B-B14F-4D97-AF65-F5344CB8AC3E}">
         <p14:creationId xmlns:p14="http://schemas.microsoft.com/office/powerpoint/2010/main" val="2795806566"/>
-      </p:ext>
-    </p:extLst>
-  </p:cSld>
-  <p:clrMapOvr>
-    <a:masterClrMapping/>
-  </p:clrMapOvr>
-</p:sld>
-</file>
-
-<file path=ppt/slides/slide9.xml><?xml version="1.0" encoding="utf-8"?>
-<p:sld xmlns:a="http://schemas.openxmlformats.org/drawingml/2006/main" xmlns:r="http://schemas.openxmlformats.org/officeDocument/2006/relationships" xmlns:p="http://schemas.openxmlformats.org/presentationml/2006/main">
-  <p:cSld>
-    <p:spTree>
-      <p:nvGrpSpPr>
-        <p:cNvPr id="1" name=""/>
-        <p:cNvGrpSpPr/>
-        <p:nvPr/>
-      </p:nvGrpSpPr>
-      <p:grpSpPr>
-        <a:xfrm>
-          <a:off x="0" y="0"/>
-          <a:ext cx="0" cy="0"/>
-          <a:chOff x="0" y="0"/>
-          <a:chExt cx="0" cy="0"/>
-        </a:xfrm>
-      </p:grpSpPr>
-      <p:sp>
-        <p:nvSpPr>
-          <p:cNvPr id="8" name="Espace réservé du numéro de diapositive 7">
-            <a:extLst>
-              <a:ext uri="{FF2B5EF4-FFF2-40B4-BE49-F238E27FC236}">
-                <a16:creationId xmlns:a16="http://schemas.microsoft.com/office/drawing/2014/main" id="{E6AC9832-FB01-464A-9824-61887B77997E}"/>
-              </a:ext>
-            </a:extLst>
-          </p:cNvPr>
-          <p:cNvSpPr>
-            <a:spLocks noGrp="1"/>
-          </p:cNvSpPr>
-          <p:nvPr>
-            <p:ph type="sldNum" sz="quarter" idx="33"/>
-          </p:nvPr>
-        </p:nvSpPr>
-        <p:spPr>
-          <a:xfrm>
-            <a:off x="11760000" y="6371351"/>
-            <a:ext cx="432000" cy="432000"/>
-          </a:xfrm>
-        </p:spPr>
-        <p:txBody>
-          <a:bodyPr rtlCol="0"/>
-          <a:lstStyle/>
-          <a:p>
-            <a:pPr rtl="0"/>
-            <a:fld id="{19B51A1E-902D-48AF-9020-955120F399B6}" type="slidenum">
-              <a:rPr lang="fr-FR" smtClean="0"/>
-              <a:pPr rtl="0"/>
-              <a:t>9</a:t>
-            </a:fld>
-            <a:endParaRPr lang="fr-FR"/>
-          </a:p>
-        </p:txBody>
-      </p:sp>
-      <p:sp>
-        <p:nvSpPr>
-          <p:cNvPr id="30" name="Espace réservé du texte 3">
-            <a:extLst>
-              <a:ext uri="{FF2B5EF4-FFF2-40B4-BE49-F238E27FC236}">
-                <a16:creationId xmlns:a16="http://schemas.microsoft.com/office/drawing/2014/main" id="{2CE2368A-8056-1CAB-EBB0-C04378BD29F1}"/>
-              </a:ext>
-            </a:extLst>
-          </p:cNvPr>
-          <p:cNvSpPr txBox="1">
-            <a:spLocks/>
-          </p:cNvSpPr>
-          <p:nvPr/>
-        </p:nvSpPr>
-        <p:spPr>
-          <a:xfrm>
-            <a:off x="44097" y="326514"/>
-            <a:ext cx="5266456" cy="360000"/>
-          </a:xfrm>
-          <a:prstGeom prst="rect">
-            <a:avLst/>
-          </a:prstGeom>
-        </p:spPr>
-        <p:txBody>
-          <a:bodyPr vert="horz" lIns="0" tIns="0" rIns="0" bIns="0" rtlCol="0" anchor="t">
-            <a:noAutofit/>
-          </a:bodyPr>
-          <a:lstStyle>
-            <a:lvl1pPr marL="0" indent="0" algn="l" defTabSz="914400" rtl="0" eaLnBrk="1" latinLnBrk="0" hangingPunct="1">
-              <a:lnSpc>
-                <a:spcPct val="90000"/>
-              </a:lnSpc>
-              <a:spcBef>
-                <a:spcPts val="1000"/>
-              </a:spcBef>
-              <a:buFont typeface="Arial" panose="020B0604020202020204" pitchFamily="34" charset="0"/>
-              <a:buNone/>
-              <a:defRPr sz="2400" b="1" kern="1200">
-                <a:solidFill>
-                  <a:schemeClr val="tx1">
-                    <a:lumMod val="75000"/>
-                    <a:lumOff val="25000"/>
-                  </a:schemeClr>
-                </a:solidFill>
-                <a:latin typeface="+mn-lt"/>
-                <a:ea typeface="+mn-ea"/>
-                <a:cs typeface="+mn-cs"/>
-              </a:defRPr>
-            </a:lvl1pPr>
-            <a:lvl2pPr marL="457200" indent="0" algn="l" defTabSz="914400" rtl="0" eaLnBrk="1" latinLnBrk="0" hangingPunct="1">
-              <a:lnSpc>
-                <a:spcPct val="90000"/>
-              </a:lnSpc>
-              <a:spcBef>
-                <a:spcPts val="500"/>
-              </a:spcBef>
-              <a:buFont typeface="Arial" panose="020B0604020202020204" pitchFamily="34" charset="0"/>
-              <a:buNone/>
-              <a:defRPr sz="2000" b="1" kern="1200">
-                <a:solidFill>
-                  <a:schemeClr val="tx1">
-                    <a:lumMod val="75000"/>
-                    <a:lumOff val="25000"/>
-                  </a:schemeClr>
-                </a:solidFill>
-                <a:latin typeface="+mn-lt"/>
-                <a:ea typeface="+mn-ea"/>
-                <a:cs typeface="+mn-cs"/>
-              </a:defRPr>
-            </a:lvl2pPr>
-            <a:lvl3pPr marL="914400" indent="0" algn="l" defTabSz="914400" rtl="0" eaLnBrk="1" latinLnBrk="0" hangingPunct="1">
-              <a:lnSpc>
-                <a:spcPct val="90000"/>
-              </a:lnSpc>
-              <a:spcBef>
-                <a:spcPts val="500"/>
-              </a:spcBef>
-              <a:buFont typeface="Arial" panose="020B0604020202020204" pitchFamily="34" charset="0"/>
-              <a:buNone/>
-              <a:defRPr sz="1800" b="1" kern="1200">
-                <a:solidFill>
-                  <a:schemeClr val="tx1">
-                    <a:lumMod val="75000"/>
-                    <a:lumOff val="25000"/>
-                  </a:schemeClr>
-                </a:solidFill>
-                <a:latin typeface="+mn-lt"/>
-                <a:ea typeface="+mn-ea"/>
-                <a:cs typeface="+mn-cs"/>
-              </a:defRPr>
-            </a:lvl3pPr>
-            <a:lvl4pPr marL="1371600" indent="0" algn="l" defTabSz="914400" rtl="0" eaLnBrk="1" latinLnBrk="0" hangingPunct="1">
-              <a:lnSpc>
-                <a:spcPct val="90000"/>
-              </a:lnSpc>
-              <a:spcBef>
-                <a:spcPts val="500"/>
-              </a:spcBef>
-              <a:buFont typeface="Arial" panose="020B0604020202020204" pitchFamily="34" charset="0"/>
-              <a:buNone/>
-              <a:defRPr sz="1600" b="1" kern="1200">
-                <a:solidFill>
-                  <a:schemeClr val="tx1">
-                    <a:lumMod val="75000"/>
-                    <a:lumOff val="25000"/>
-                  </a:schemeClr>
-                </a:solidFill>
-                <a:latin typeface="+mn-lt"/>
-                <a:ea typeface="+mn-ea"/>
-                <a:cs typeface="+mn-cs"/>
-              </a:defRPr>
-            </a:lvl4pPr>
-            <a:lvl5pPr marL="1828800" indent="0" algn="l" defTabSz="914400" rtl="0" eaLnBrk="1" latinLnBrk="0" hangingPunct="1">
-              <a:lnSpc>
-                <a:spcPct val="90000"/>
-              </a:lnSpc>
-              <a:spcBef>
-                <a:spcPts val="500"/>
-              </a:spcBef>
-              <a:buFont typeface="Arial" panose="020B0604020202020204" pitchFamily="34" charset="0"/>
-              <a:buNone/>
-              <a:defRPr sz="1600" b="1" kern="1200">
-                <a:solidFill>
-                  <a:schemeClr val="tx1">
-                    <a:lumMod val="75000"/>
-                    <a:lumOff val="25000"/>
-                  </a:schemeClr>
-                </a:solidFill>
-                <a:latin typeface="+mn-lt"/>
-                <a:ea typeface="+mn-ea"/>
-                <a:cs typeface="+mn-cs"/>
-              </a:defRPr>
-            </a:lvl5pPr>
-            <a:lvl6pPr marL="2286000" indent="0" algn="l" defTabSz="914400" rtl="0" eaLnBrk="1" latinLnBrk="0" hangingPunct="1">
-              <a:lnSpc>
-                <a:spcPct val="90000"/>
-              </a:lnSpc>
-              <a:spcBef>
-                <a:spcPts val="500"/>
-              </a:spcBef>
-              <a:buFont typeface="Arial" panose="020B0604020202020204" pitchFamily="34" charset="0"/>
-              <a:buNone/>
-              <a:defRPr sz="1600" b="1" kern="1200">
-                <a:solidFill>
-                  <a:schemeClr val="tx1"/>
-                </a:solidFill>
-                <a:latin typeface="+mn-lt"/>
-                <a:ea typeface="+mn-ea"/>
-                <a:cs typeface="+mn-cs"/>
-              </a:defRPr>
-            </a:lvl6pPr>
-            <a:lvl7pPr marL="2743200" indent="0" algn="l" defTabSz="914400" rtl="0" eaLnBrk="1" latinLnBrk="0" hangingPunct="1">
-              <a:lnSpc>
-                <a:spcPct val="90000"/>
-              </a:lnSpc>
-              <a:spcBef>
-                <a:spcPts val="500"/>
-              </a:spcBef>
-              <a:buFont typeface="Arial" panose="020B0604020202020204" pitchFamily="34" charset="0"/>
-              <a:buNone/>
-              <a:defRPr sz="1600" b="1" kern="1200">
-                <a:solidFill>
-                  <a:schemeClr val="tx1"/>
-                </a:solidFill>
-                <a:latin typeface="+mn-lt"/>
-                <a:ea typeface="+mn-ea"/>
-                <a:cs typeface="+mn-cs"/>
-              </a:defRPr>
-            </a:lvl7pPr>
-            <a:lvl8pPr marL="3200400" indent="0" algn="l" defTabSz="914400" rtl="0" eaLnBrk="1" latinLnBrk="0" hangingPunct="1">
-              <a:lnSpc>
-                <a:spcPct val="90000"/>
-              </a:lnSpc>
-              <a:spcBef>
-                <a:spcPts val="500"/>
-              </a:spcBef>
-              <a:buFont typeface="Arial" panose="020B0604020202020204" pitchFamily="34" charset="0"/>
-              <a:buNone/>
-              <a:defRPr sz="1600" b="1" kern="1200">
-                <a:solidFill>
-                  <a:schemeClr val="tx1"/>
-                </a:solidFill>
-                <a:latin typeface="+mn-lt"/>
-                <a:ea typeface="+mn-ea"/>
-                <a:cs typeface="+mn-cs"/>
-              </a:defRPr>
-            </a:lvl8pPr>
-            <a:lvl9pPr marL="3657600" indent="0" algn="l" defTabSz="914400" rtl="0" eaLnBrk="1" latinLnBrk="0" hangingPunct="1">
-              <a:lnSpc>
-                <a:spcPct val="90000"/>
-              </a:lnSpc>
-              <a:spcBef>
-                <a:spcPts val="500"/>
-              </a:spcBef>
-              <a:buFont typeface="Arial" panose="020B0604020202020204" pitchFamily="34" charset="0"/>
-              <a:buNone/>
-              <a:defRPr sz="1600" b="1" kern="1200">
-                <a:solidFill>
-                  <a:schemeClr val="tx1"/>
-                </a:solidFill>
-                <a:latin typeface="+mn-lt"/>
-                <a:ea typeface="+mn-ea"/>
-                <a:cs typeface="+mn-cs"/>
-              </a:defRPr>
-            </a:lvl9pPr>
-          </a:lstStyle>
-          <a:p>
-            <a:pPr lvl="1"/>
-            <a:r>
-              <a:rPr lang="fr-FR" sz="2400" dirty="0">
-                <a:solidFill>
-                  <a:schemeClr val="tx1"/>
-                </a:solidFill>
-              </a:rPr>
-              <a:t>Le rapport Surefire</a:t>
-            </a:r>
-          </a:p>
-        </p:txBody>
-      </p:sp>
-      <p:sp>
-        <p:nvSpPr>
-          <p:cNvPr id="2" name="Rectangle 11" descr="Bloc d’accentuation gauche">
-            <a:extLst>
-              <a:ext uri="{FF2B5EF4-FFF2-40B4-BE49-F238E27FC236}">
-                <a16:creationId xmlns:a16="http://schemas.microsoft.com/office/drawing/2014/main" id="{8B4D5C50-E54B-8B53-7B22-1BF070280D4E}"/>
-              </a:ext>
-              <a:ext uri="{C183D7F6-B498-43B3-948B-1728B52AA6E4}">
-                <adec:decorative xmlns:adec="http://schemas.microsoft.com/office/drawing/2017/decorative" val="1"/>
-              </a:ext>
-            </a:extLst>
-          </p:cNvPr>
-          <p:cNvSpPr/>
-          <p:nvPr/>
-        </p:nvSpPr>
-        <p:spPr>
-          <a:xfrm>
-            <a:off x="483712" y="638908"/>
-            <a:ext cx="2499811" cy="96836"/>
-          </a:xfrm>
-          <a:prstGeom prst="rect">
-            <a:avLst/>
-          </a:prstGeom>
-          <a:solidFill>
-            <a:srgbClr val="0070C0"/>
-          </a:solidFill>
-          <a:ln>
-            <a:noFill/>
-          </a:ln>
-        </p:spPr>
-        <p:style>
-          <a:lnRef idx="2">
-            <a:schemeClr val="accent1">
-              <a:shade val="50000"/>
-            </a:schemeClr>
-          </a:lnRef>
-          <a:fillRef idx="1">
-            <a:schemeClr val="accent1"/>
-          </a:fillRef>
-          <a:effectRef idx="0">
-            <a:schemeClr val="accent1"/>
-          </a:effectRef>
-          <a:fontRef idx="minor">
-            <a:schemeClr val="lt1"/>
-          </a:fontRef>
-        </p:style>
-        <p:txBody>
-          <a:bodyPr rtlCol="0" anchor="ctr"/>
-          <a:lstStyle/>
-          <a:p>
-            <a:endParaRPr lang="fr-FR" dirty="0">
-              <a:highlight>
-                <a:srgbClr val="00FFFF"/>
-              </a:highlight>
-            </a:endParaRPr>
-          </a:p>
-        </p:txBody>
-      </p:sp>
-      <p:sp>
-        <p:nvSpPr>
-          <p:cNvPr id="7" name="Rectangle 6" descr="Bloc d’accentuation">
-            <a:extLst>
-              <a:ext uri="{FF2B5EF4-FFF2-40B4-BE49-F238E27FC236}">
-                <a16:creationId xmlns:a16="http://schemas.microsoft.com/office/drawing/2014/main" id="{99DA0984-FB77-A423-49B4-97B81F2D67EE}"/>
-              </a:ext>
-              <a:ext uri="{C183D7F6-B498-43B3-948B-1728B52AA6E4}">
-                <adec:decorative xmlns:adec="http://schemas.microsoft.com/office/drawing/2017/decorative" val="1"/>
-              </a:ext>
-            </a:extLst>
-          </p:cNvPr>
-          <p:cNvSpPr/>
-          <p:nvPr/>
-        </p:nvSpPr>
-        <p:spPr>
-          <a:xfrm>
-            <a:off x="10029824" y="100559"/>
-            <a:ext cx="1984175" cy="114824"/>
-          </a:xfrm>
-          <a:prstGeom prst="rect">
-            <a:avLst/>
-          </a:prstGeom>
-          <a:solidFill>
-            <a:schemeClr val="accent5">
-              <a:lumMod val="75000"/>
-              <a:lumOff val="25000"/>
-            </a:schemeClr>
-          </a:solidFill>
-          <a:ln>
-            <a:noFill/>
-          </a:ln>
-        </p:spPr>
-        <p:style>
-          <a:lnRef idx="2">
-            <a:schemeClr val="accent1">
-              <a:shade val="50000"/>
-            </a:schemeClr>
-          </a:lnRef>
-          <a:fillRef idx="1">
-            <a:schemeClr val="accent1"/>
-          </a:fillRef>
-          <a:effectRef idx="0">
-            <a:schemeClr val="accent1"/>
-          </a:effectRef>
-          <a:fontRef idx="minor">
-            <a:schemeClr val="lt1"/>
-          </a:fontRef>
-        </p:style>
-        <p:txBody>
-          <a:bodyPr rtlCol="0" anchor="ctr"/>
-          <a:lstStyle/>
-          <a:p>
-            <a:endParaRPr lang="fr-FR"/>
-          </a:p>
-        </p:txBody>
-      </p:sp>
-      <p:sp>
-        <p:nvSpPr>
-          <p:cNvPr id="9" name="Titre 1">
-            <a:extLst>
-              <a:ext uri="{FF2B5EF4-FFF2-40B4-BE49-F238E27FC236}">
-                <a16:creationId xmlns:a16="http://schemas.microsoft.com/office/drawing/2014/main" id="{FF6D27D3-0E50-B632-6A34-A45115C32C18}"/>
-              </a:ext>
-            </a:extLst>
-          </p:cNvPr>
-          <p:cNvSpPr>
-            <a:spLocks noGrp="1"/>
-          </p:cNvSpPr>
-          <p:nvPr>
-            <p:ph type="title"/>
-          </p:nvPr>
-        </p:nvSpPr>
-        <p:spPr>
-          <a:xfrm>
-            <a:off x="6819900" y="211436"/>
-            <a:ext cx="5194100" cy="590156"/>
-          </a:xfrm>
-          <a:solidFill>
-            <a:schemeClr val="bg1">
-              <a:lumMod val="95000"/>
-            </a:schemeClr>
-          </a:solidFill>
-        </p:spPr>
-        <p:txBody>
-          <a:bodyPr vert="horz" lIns="0" tIns="0" rIns="0" bIns="0" rtlCol="0" anchor="ctr">
-            <a:noAutofit/>
-          </a:bodyPr>
-          <a:lstStyle/>
-          <a:p>
-            <a:pPr algn="r"/>
-            <a:r>
-              <a:rPr lang="fr-FR" sz="2800" b="0" dirty="0"/>
-              <a:t>Implémentation des  modifications</a:t>
-            </a:r>
-          </a:p>
-        </p:txBody>
-      </p:sp>
-      <p:sp>
-        <p:nvSpPr>
-          <p:cNvPr id="10" name="Espace réservé du texte 2">
-            <a:extLst>
-              <a:ext uri="{FF2B5EF4-FFF2-40B4-BE49-F238E27FC236}">
-                <a16:creationId xmlns:a16="http://schemas.microsoft.com/office/drawing/2014/main" id="{24089F94-0B70-9F5D-9565-AAEBF68E7168}"/>
-              </a:ext>
-            </a:extLst>
-          </p:cNvPr>
-          <p:cNvSpPr>
-            <a:spLocks noGrp="1"/>
-          </p:cNvSpPr>
-          <p:nvPr>
-            <p:ph type="body" sz="quarter" idx="32"/>
-          </p:nvPr>
-        </p:nvSpPr>
-        <p:spPr>
-          <a:xfrm>
-            <a:off x="6827424" y="807942"/>
-            <a:ext cx="5186574" cy="374666"/>
-          </a:xfrm>
-          <a:solidFill>
-            <a:schemeClr val="tx1"/>
-          </a:solidFill>
-        </p:spPr>
-        <p:txBody>
-          <a:bodyPr vert="horz" lIns="0" tIns="0" rIns="0" bIns="0" rtlCol="0" anchor="ctr">
-            <a:noAutofit/>
-          </a:bodyPr>
-          <a:lstStyle/>
-          <a:p>
-            <a:pPr lvl="1" algn="r"/>
-            <a:r>
-              <a:rPr lang="fr-FR" sz="2000" dirty="0">
-                <a:solidFill>
-                  <a:schemeClr val="bg1"/>
-                </a:solidFill>
-              </a:rPr>
-              <a:t>Les rapports Jacoco et Surefire</a:t>
-            </a:r>
-          </a:p>
-        </p:txBody>
-      </p:sp>
-      <p:pic>
-        <p:nvPicPr>
-          <p:cNvPr id="3" name="Picture 2" descr="Bienvenue chez SafetyNet">
-            <a:extLst>
-              <a:ext uri="{FF2B5EF4-FFF2-40B4-BE49-F238E27FC236}">
-                <a16:creationId xmlns:a16="http://schemas.microsoft.com/office/drawing/2014/main" id="{0461258F-2EF7-BA6C-246A-B1B3D9F792DD}"/>
-              </a:ext>
-            </a:extLst>
-          </p:cNvPr>
-          <p:cNvPicPr>
-            <a:picLocks noChangeAspect="1" noChangeArrowheads="1"/>
-          </p:cNvPicPr>
-          <p:nvPr/>
-        </p:nvPicPr>
-        <p:blipFill rotWithShape="1">
-          <a:blip r:embed="rId3">
-            <a:extLst>
-              <a:ext uri="{28A0092B-C50C-407E-A947-70E740481C1C}">
-                <a14:useLocalDpi xmlns:a14="http://schemas.microsoft.com/office/drawing/2010/main" val="0"/>
-              </a:ext>
-            </a:extLst>
-          </a:blip>
-          <a:srcRect t="74250"/>
-          <a:stretch/>
-        </p:blipFill>
-        <p:spPr bwMode="auto">
-          <a:xfrm>
-            <a:off x="9782311" y="6371349"/>
-            <a:ext cx="1422997" cy="432001"/>
-          </a:xfrm>
-          <a:prstGeom prst="rect">
-            <a:avLst/>
-          </a:prstGeom>
-          <a:noFill/>
-          <a:extLst>
-            <a:ext uri="{909E8E84-426E-40DD-AFC4-6F175D3DCCD1}">
-              <a14:hiddenFill xmlns:a14="http://schemas.microsoft.com/office/drawing/2010/main">
-                <a:solidFill>
-                  <a:srgbClr val="FFFFFF"/>
-                </a:solidFill>
-              </a14:hiddenFill>
-            </a:ext>
-          </a:extLst>
-        </p:spPr>
-      </p:pic>
-      <p:pic>
-        <p:nvPicPr>
-          <p:cNvPr id="5" name="Picture 2" descr="Bienvenue chez SafetyNet">
-            <a:extLst>
-              <a:ext uri="{FF2B5EF4-FFF2-40B4-BE49-F238E27FC236}">
-                <a16:creationId xmlns:a16="http://schemas.microsoft.com/office/drawing/2014/main" id="{6D6C2EAA-4C6A-4384-E0E9-5F919ABA3F19}"/>
-              </a:ext>
-            </a:extLst>
-          </p:cNvPr>
-          <p:cNvPicPr>
-            <a:picLocks noChangeAspect="1" noChangeArrowheads="1"/>
-          </p:cNvPicPr>
-          <p:nvPr/>
-        </p:nvPicPr>
-        <p:blipFill rotWithShape="1">
-          <a:blip r:embed="rId3">
-            <a:extLst>
-              <a:ext uri="{28A0092B-C50C-407E-A947-70E740481C1C}">
-                <a14:useLocalDpi xmlns:a14="http://schemas.microsoft.com/office/drawing/2010/main" val="0"/>
-              </a:ext>
-            </a:extLst>
-          </a:blip>
-          <a:srcRect r="1290" b="24566"/>
-          <a:stretch/>
-        </p:blipFill>
-        <p:spPr bwMode="auto">
-          <a:xfrm>
-            <a:off x="11153054" y="6371349"/>
-            <a:ext cx="479494" cy="432002"/>
-          </a:xfrm>
-          <a:prstGeom prst="rect">
-            <a:avLst/>
-          </a:prstGeom>
-          <a:noFill/>
-          <a:extLst>
-            <a:ext uri="{909E8E84-426E-40DD-AFC4-6F175D3DCCD1}">
-              <a14:hiddenFill xmlns:a14="http://schemas.microsoft.com/office/drawing/2010/main">
-                <a:solidFill>
-                  <a:srgbClr val="FFFFFF"/>
-                </a:solidFill>
-              </a14:hiddenFill>
-            </a:ext>
-          </a:extLst>
-        </p:spPr>
-      </p:pic>
-      <p:pic>
-        <p:nvPicPr>
-          <p:cNvPr id="12" name="Image 11">
-            <a:extLst>
-              <a:ext uri="{FF2B5EF4-FFF2-40B4-BE49-F238E27FC236}">
-                <a16:creationId xmlns:a16="http://schemas.microsoft.com/office/drawing/2014/main" id="{9E90B67E-D9C9-272A-C425-B56CB5C016DA}"/>
-              </a:ext>
-            </a:extLst>
-          </p:cNvPr>
-          <p:cNvPicPr>
-            <a:picLocks noChangeAspect="1"/>
-          </p:cNvPicPr>
-          <p:nvPr/>
-        </p:nvPicPr>
-        <p:blipFill>
-          <a:blip r:embed="rId4"/>
-          <a:stretch>
-            <a:fillRect/>
-          </a:stretch>
-        </p:blipFill>
-        <p:spPr>
-          <a:xfrm>
-            <a:off x="648484" y="2010083"/>
-            <a:ext cx="10504570" cy="3890582"/>
-          </a:xfrm>
-          <a:prstGeom prst="rect">
-            <a:avLst/>
-          </a:prstGeom>
-        </p:spPr>
-      </p:pic>
-      <p:sp>
-        <p:nvSpPr>
-          <p:cNvPr id="14" name="Espace réservé du contenu 4">
-            <a:extLst>
-              <a:ext uri="{FF2B5EF4-FFF2-40B4-BE49-F238E27FC236}">
-                <a16:creationId xmlns:a16="http://schemas.microsoft.com/office/drawing/2014/main" id="{F3FA885D-E381-54C2-077F-65647F9D4A51}"/>
-              </a:ext>
-            </a:extLst>
-          </p:cNvPr>
-          <p:cNvSpPr txBox="1">
-            <a:spLocks/>
-          </p:cNvSpPr>
-          <p:nvPr/>
-        </p:nvSpPr>
-        <p:spPr>
-          <a:xfrm>
-            <a:off x="425097" y="1513989"/>
-            <a:ext cx="8301959" cy="1320031"/>
-          </a:xfrm>
-          <a:prstGeom prst="rect">
-            <a:avLst/>
-          </a:prstGeom>
-        </p:spPr>
-        <p:txBody>
-          <a:bodyPr vert="horz" lIns="0" tIns="0" rIns="0" bIns="0" rtlCol="0">
-            <a:noAutofit/>
-          </a:bodyPr>
-          <a:lstStyle>
-            <a:lvl1pPr marL="266700" indent="-266700" algn="l" defTabSz="914400" rtl="0" eaLnBrk="1" latinLnBrk="0" hangingPunct="1">
-              <a:lnSpc>
-                <a:spcPct val="90000"/>
-              </a:lnSpc>
-              <a:spcBef>
-                <a:spcPts val="1000"/>
-              </a:spcBef>
-              <a:buFont typeface="Arial" panose="020B0604020202020204" pitchFamily="34" charset="0"/>
-              <a:buChar char="•"/>
-              <a:defRPr sz="1800" kern="1200">
-                <a:solidFill>
-                  <a:schemeClr val="tx1">
-                    <a:lumMod val="75000"/>
-                    <a:lumOff val="25000"/>
-                  </a:schemeClr>
-                </a:solidFill>
-                <a:latin typeface="+mn-lt"/>
-                <a:ea typeface="+mn-ea"/>
-                <a:cs typeface="+mn-cs"/>
-              </a:defRPr>
-            </a:lvl1pPr>
-            <a:lvl2pPr marL="542925" indent="-276225" algn="l" defTabSz="914400" rtl="0" eaLnBrk="1" latinLnBrk="0" hangingPunct="1">
-              <a:lnSpc>
-                <a:spcPct val="90000"/>
-              </a:lnSpc>
-              <a:spcBef>
-                <a:spcPts val="500"/>
-              </a:spcBef>
-              <a:buFont typeface="Arial" panose="020B0604020202020204" pitchFamily="34" charset="0"/>
-              <a:buChar char="•"/>
-              <a:defRPr sz="1600" kern="1200">
-                <a:solidFill>
-                  <a:schemeClr val="tx1">
-                    <a:lumMod val="75000"/>
-                    <a:lumOff val="25000"/>
-                  </a:schemeClr>
-                </a:solidFill>
-                <a:latin typeface="+mn-lt"/>
-                <a:ea typeface="+mn-ea"/>
-                <a:cs typeface="+mn-cs"/>
-              </a:defRPr>
-            </a:lvl2pPr>
-            <a:lvl3pPr marL="809625" indent="-266700" algn="l" defTabSz="914400" rtl="0" eaLnBrk="1" latinLnBrk="0" hangingPunct="1">
-              <a:lnSpc>
-                <a:spcPct val="90000"/>
-              </a:lnSpc>
-              <a:spcBef>
-                <a:spcPts val="500"/>
-              </a:spcBef>
-              <a:buFont typeface="Arial" panose="020B0604020202020204" pitchFamily="34" charset="0"/>
-              <a:buChar char="•"/>
-              <a:defRPr sz="1400" kern="1200">
-                <a:solidFill>
-                  <a:schemeClr val="tx1">
-                    <a:lumMod val="75000"/>
-                    <a:lumOff val="25000"/>
-                  </a:schemeClr>
-                </a:solidFill>
-                <a:latin typeface="+mn-lt"/>
-                <a:ea typeface="+mn-ea"/>
-                <a:cs typeface="+mn-cs"/>
-              </a:defRPr>
-            </a:lvl3pPr>
-            <a:lvl4pPr marL="1076325" indent="-266700" algn="l" defTabSz="914400" rtl="0" eaLnBrk="1" latinLnBrk="0" hangingPunct="1">
-              <a:lnSpc>
-                <a:spcPct val="90000"/>
-              </a:lnSpc>
-              <a:spcBef>
-                <a:spcPts val="500"/>
-              </a:spcBef>
-              <a:buFont typeface="Arial" panose="020B0604020202020204" pitchFamily="34" charset="0"/>
-              <a:buChar char="•"/>
-              <a:defRPr sz="1400" kern="1200">
-                <a:solidFill>
-                  <a:schemeClr val="tx1">
-                    <a:lumMod val="75000"/>
-                    <a:lumOff val="25000"/>
-                  </a:schemeClr>
-                </a:solidFill>
-                <a:latin typeface="+mn-lt"/>
-                <a:ea typeface="+mn-ea"/>
-                <a:cs typeface="+mn-cs"/>
-              </a:defRPr>
-            </a:lvl4pPr>
-            <a:lvl5pPr marL="1343025" indent="-266700" algn="l" defTabSz="914400" rtl="0" eaLnBrk="1" latinLnBrk="0" hangingPunct="1">
-              <a:lnSpc>
-                <a:spcPct val="90000"/>
-              </a:lnSpc>
-              <a:spcBef>
-                <a:spcPts val="500"/>
-              </a:spcBef>
-              <a:buFont typeface="Arial" panose="020B0604020202020204" pitchFamily="34" charset="0"/>
-              <a:buChar char="•"/>
-              <a:defRPr sz="1400" kern="1200">
-                <a:solidFill>
-                  <a:schemeClr val="tx1">
-                    <a:lumMod val="75000"/>
-                    <a:lumOff val="25000"/>
-                  </a:schemeClr>
-                </a:solidFill>
-                <a:latin typeface="+mn-lt"/>
-                <a:ea typeface="+mn-ea"/>
-                <a:cs typeface="+mn-cs"/>
-              </a:defRPr>
-            </a:lvl5pPr>
-            <a:lvl6pPr marL="2514600" indent="-228600" algn="l" defTabSz="914400" rtl="0" eaLnBrk="1" latinLnBrk="0" hangingPunct="1">
-              <a:lnSpc>
-                <a:spcPct val="90000"/>
-              </a:lnSpc>
-              <a:spcBef>
-                <a:spcPts val="500"/>
-              </a:spcBef>
-              <a:buFont typeface="Arial" panose="020B0604020202020204" pitchFamily="34" charset="0"/>
-              <a:buChar char="•"/>
-              <a:defRPr sz="1800" kern="1200">
-                <a:solidFill>
-                  <a:schemeClr val="tx1"/>
-                </a:solidFill>
-                <a:latin typeface="+mn-lt"/>
-                <a:ea typeface="+mn-ea"/>
-                <a:cs typeface="+mn-cs"/>
-              </a:defRPr>
-            </a:lvl6pPr>
-            <a:lvl7pPr marL="2971800" indent="-228600" algn="l" defTabSz="914400" rtl="0" eaLnBrk="1" latinLnBrk="0" hangingPunct="1">
-              <a:lnSpc>
-                <a:spcPct val="90000"/>
-              </a:lnSpc>
-              <a:spcBef>
-                <a:spcPts val="500"/>
-              </a:spcBef>
-              <a:buFont typeface="Arial" panose="020B0604020202020204" pitchFamily="34" charset="0"/>
-              <a:buChar char="•"/>
-              <a:defRPr sz="1800" kern="1200">
-                <a:solidFill>
-                  <a:schemeClr val="tx1"/>
-                </a:solidFill>
-                <a:latin typeface="+mn-lt"/>
-                <a:ea typeface="+mn-ea"/>
-                <a:cs typeface="+mn-cs"/>
-              </a:defRPr>
-            </a:lvl7pPr>
-            <a:lvl8pPr marL="3429000" indent="-228600" algn="l" defTabSz="914400" rtl="0" eaLnBrk="1" latinLnBrk="0" hangingPunct="1">
-              <a:lnSpc>
-                <a:spcPct val="90000"/>
-              </a:lnSpc>
-              <a:spcBef>
-                <a:spcPts val="500"/>
-              </a:spcBef>
-              <a:buFont typeface="Arial" panose="020B0604020202020204" pitchFamily="34" charset="0"/>
-              <a:buChar char="•"/>
-              <a:defRPr sz="1800" kern="1200">
-                <a:solidFill>
-                  <a:schemeClr val="tx1"/>
-                </a:solidFill>
-                <a:latin typeface="+mn-lt"/>
-                <a:ea typeface="+mn-ea"/>
-                <a:cs typeface="+mn-cs"/>
-              </a:defRPr>
-            </a:lvl8pPr>
-            <a:lvl9pPr marL="3886200" indent="-228600" algn="l" defTabSz="914400" rtl="0" eaLnBrk="1" latinLnBrk="0" hangingPunct="1">
-              <a:lnSpc>
-                <a:spcPct val="90000"/>
-              </a:lnSpc>
-              <a:spcBef>
-                <a:spcPts val="500"/>
-              </a:spcBef>
-              <a:buFont typeface="Arial" panose="020B0604020202020204" pitchFamily="34" charset="0"/>
-              <a:buChar char="•"/>
-              <a:defRPr sz="1800" kern="1200">
-                <a:solidFill>
-                  <a:schemeClr val="tx1"/>
-                </a:solidFill>
-                <a:latin typeface="+mn-lt"/>
-                <a:ea typeface="+mn-ea"/>
-                <a:cs typeface="+mn-cs"/>
-              </a:defRPr>
-            </a:lvl9pPr>
-          </a:lstStyle>
-          <a:p>
-            <a:pPr marL="182880" indent="0">
-              <a:lnSpc>
-                <a:spcPct val="107000"/>
-              </a:lnSpc>
-              <a:spcAft>
-                <a:spcPts val="800"/>
-              </a:spcAft>
-              <a:buNone/>
-            </a:pPr>
-            <a:r>
-              <a:rPr lang="fr-FR" b="1" dirty="0"/>
-              <a:t>Description : </a:t>
-            </a:r>
-            <a:r>
-              <a:rPr lang="fr-FR" dirty="0"/>
-              <a:t>Vérification du succès des tests via SureFire – Capture d’écran</a:t>
-            </a:r>
-          </a:p>
-        </p:txBody>
-      </p:sp>
-    </p:spTree>
-    <p:extLst>
-      <p:ext uri="{BB962C8B-B14F-4D97-AF65-F5344CB8AC3E}">
-        <p14:creationId xmlns:p14="http://schemas.microsoft.com/office/powerpoint/2010/main" val="1631205840"/>
       </p:ext>
     </p:extLst>
   </p:cSld>

--- a/Présentation de slides.pptx
+++ b/Présentation de slides.pptx
@@ -143,7 +143,7 @@
   <pc:docChgLst>
     <pc:chgData name="Quentin Beraud" userId="6a419fc9c26811ab" providerId="LiveId" clId="{3F3CC9DC-DBBB-44EF-8315-E9D08EE2DA56}"/>
     <pc:docChg chg="undo redo custSel addSld delSld modSld">
-      <pc:chgData name="Quentin Beraud" userId="6a419fc9c26811ab" providerId="LiveId" clId="{3F3CC9DC-DBBB-44EF-8315-E9D08EE2DA56}" dt="2023-09-12T08:17:15.737" v="2628" actId="20577"/>
+      <pc:chgData name="Quentin Beraud" userId="6a419fc9c26811ab" providerId="LiveId" clId="{3F3CC9DC-DBBB-44EF-8315-E9D08EE2DA56}" dt="2023-09-25T10:08:52.685" v="2752" actId="20577"/>
       <pc:docMkLst>
         <pc:docMk/>
       </pc:docMkLst>
@@ -163,13 +163,13 @@
         </pc:spChg>
       </pc:sldChg>
       <pc:sldChg chg="modSp mod">
-        <pc:chgData name="Quentin Beraud" userId="6a419fc9c26811ab" providerId="LiveId" clId="{3F3CC9DC-DBBB-44EF-8315-E9D08EE2DA56}" dt="2023-09-12T08:08:05.697" v="1870" actId="12"/>
+        <pc:chgData name="Quentin Beraud" userId="6a419fc9c26811ab" providerId="LiveId" clId="{3F3CC9DC-DBBB-44EF-8315-E9D08EE2DA56}" dt="2023-09-25T10:08:52.685" v="2752" actId="20577"/>
         <pc:sldMkLst>
           <pc:docMk/>
           <pc:sldMk cId="3188837873" sldId="284"/>
         </pc:sldMkLst>
         <pc:spChg chg="mod">
-          <ac:chgData name="Quentin Beraud" userId="6a419fc9c26811ab" providerId="LiveId" clId="{3F3CC9DC-DBBB-44EF-8315-E9D08EE2DA56}" dt="2023-09-12T08:08:05.697" v="1870" actId="12"/>
+          <ac:chgData name="Quentin Beraud" userId="6a419fc9c26811ab" providerId="LiveId" clId="{3F3CC9DC-DBBB-44EF-8315-E9D08EE2DA56}" dt="2023-09-25T10:08:52.685" v="2752" actId="20577"/>
           <ac:spMkLst>
             <pc:docMk/>
             <pc:sldMk cId="3188837873" sldId="284"/>
@@ -208,7 +208,7 @@
         </pc:spChg>
       </pc:sldChg>
       <pc:sldChg chg="addSp delSp modSp mod">
-        <pc:chgData name="Quentin Beraud" userId="6a419fc9c26811ab" providerId="LiveId" clId="{3F3CC9DC-DBBB-44EF-8315-E9D08EE2DA56}" dt="2023-09-12T07:29:37.628" v="87" actId="1076"/>
+        <pc:chgData name="Quentin Beraud" userId="6a419fc9c26811ab" providerId="LiveId" clId="{3F3CC9DC-DBBB-44EF-8315-E9D08EE2DA56}" dt="2023-09-25T10:07:51.810" v="2660" actId="1076"/>
         <pc:sldMkLst>
           <pc:docMk/>
           <pc:sldMk cId="2795806566" sldId="317"/>
@@ -221,12 +221,20 @@
             <ac:spMk id="13" creationId="{601856F3-405B-C8B6-A9C1-ECF7A771F398}"/>
           </ac:spMkLst>
         </pc:spChg>
-        <pc:picChg chg="add mod modCrop">
-          <ac:chgData name="Quentin Beraud" userId="6a419fc9c26811ab" providerId="LiveId" clId="{3F3CC9DC-DBBB-44EF-8315-E9D08EE2DA56}" dt="2023-09-12T07:29:26.853" v="86" actId="732"/>
+        <pc:picChg chg="add del mod modCrop">
+          <ac:chgData name="Quentin Beraud" userId="6a419fc9c26811ab" providerId="LiveId" clId="{3F3CC9DC-DBBB-44EF-8315-E9D08EE2DA56}" dt="2023-09-25T10:07:45.671" v="2658" actId="478"/>
           <ac:picMkLst>
             <pc:docMk/>
             <pc:sldMk cId="2795806566" sldId="317"/>
             <ac:picMk id="6" creationId="{2D5583A2-6139-091B-ED6F-D6F51C49CFDE}"/>
+          </ac:picMkLst>
+        </pc:picChg>
+        <pc:picChg chg="add mod">
+          <ac:chgData name="Quentin Beraud" userId="6a419fc9c26811ab" providerId="LiveId" clId="{3F3CC9DC-DBBB-44EF-8315-E9D08EE2DA56}" dt="2023-09-25T10:07:51.810" v="2660" actId="1076"/>
+          <ac:picMkLst>
+            <pc:docMk/>
+            <pc:sldMk cId="2795806566" sldId="317"/>
+            <ac:picMk id="11" creationId="{4A06937D-26C7-E796-CC30-65DCC298E462}"/>
           </ac:picMkLst>
         </pc:picChg>
         <pc:picChg chg="del">
@@ -4886,7 +4894,7 @@
             <a:pPr rtl="0"/>
             <a:fld id="{EBB651C5-239C-481D-B679-C1853F3D7869}" type="datetime1">
               <a:rPr lang="fr-FR" smtClean="0"/>
-              <a:t>12/09/2023</a:t>
+              <a:t>25/09/2023</a:t>
             </a:fld>
             <a:endParaRPr lang="fr-FR" dirty="0"/>
           </a:p>
@@ -5067,7 +5075,7 @@
             <a:fld id="{0CC3F468-A24C-40BA-9BA0-927B9D8CEF08}" type="datetime1">
               <a:rPr lang="fr-FR" smtClean="0"/>
               <a:pPr/>
-              <a:t>12/09/2023</a:t>
+              <a:t>25/09/2023</a:t>
             </a:fld>
             <a:endParaRPr lang="fr-FR" dirty="0"/>
           </a:p>
@@ -15179,7 +15187,7 @@
             </a:pPr>
             <a:r>
               <a:rPr lang="fr-FR" sz="1600" dirty="0"/>
-              <a:t>Implémentation du système de logs – Log avec </a:t>
+              <a:t>Implémentation du système de logs –</a:t>
             </a:r>
             <a:r>
               <a:rPr lang="fr-FR" dirty="0"/>
@@ -15191,7 +15199,7 @@
             </a:r>
             <a:r>
               <a:rPr lang="fr-FR" dirty="0"/>
-              <a:t>, génération de </a:t>
+              <a:t>, génération des logs sur un </a:t>
             </a:r>
             <a:r>
               <a:rPr lang="fr-FR" sz="1600" dirty="0"/>
@@ -15199,11 +15207,11 @@
             </a:r>
             <a:r>
               <a:rPr lang="fr-FR" dirty="0"/>
-              <a:t>plus via</a:t>
+              <a:t>et</a:t>
             </a:r>
             <a:r>
               <a:rPr lang="fr-FR" sz="1600" dirty="0"/>
-              <a:t> la console.</a:t>
+              <a:t> console.</a:t>
             </a:r>
           </a:p>
           <a:p>
@@ -15251,6 +15259,34 @@
               <a:rPr lang="fr-FR" sz="1600" dirty="0"/>
               <a:t>Mise en place d’une architecture MVC (Modèle – Vue – Contrôleur) et respect des principes SOLID.</a:t>
             </a:r>
+          </a:p>
+          <a:p>
+            <a:pPr marL="342900" lvl="1" indent="-342900">
+              <a:spcBef>
+                <a:spcPts val="0"/>
+              </a:spcBef>
+              <a:buFont typeface="+mj-lt"/>
+              <a:buAutoNum type="arabicPeriod"/>
+            </a:pPr>
+            <a:endParaRPr lang="fr-FR" dirty="0"/>
+          </a:p>
+          <a:p>
+            <a:pPr marL="342900" lvl="1" indent="-342900">
+              <a:spcBef>
+                <a:spcPts val="0"/>
+              </a:spcBef>
+              <a:buFont typeface="+mj-lt"/>
+              <a:buAutoNum type="arabicPeriod"/>
+            </a:pPr>
+            <a:r>
+              <a:rPr lang="fr-FR" sz="1600" dirty="0"/>
+              <a:t>Test d’intégration pour vérifier </a:t>
+            </a:r>
+            <a:r>
+              <a:rPr lang="fr-FR" sz="1600"/>
+              <a:t>les opérations CRUD et les URLS</a:t>
+            </a:r>
+            <a:endParaRPr lang="fr-FR" sz="1600" dirty="0"/>
           </a:p>
         </p:txBody>
       </p:sp>
@@ -18762,10 +18798,10 @@
       </p:pic>
       <p:pic>
         <p:nvPicPr>
-          <p:cNvPr id="6" name="Image 5">
+          <p:cNvPr id="11" name="Image 10">
             <a:extLst>
               <a:ext uri="{FF2B5EF4-FFF2-40B4-BE49-F238E27FC236}">
-                <a16:creationId xmlns:a16="http://schemas.microsoft.com/office/drawing/2014/main" id="{2D5583A2-6139-091B-ED6F-D6F51C49CFDE}"/>
+                <a16:creationId xmlns:a16="http://schemas.microsoft.com/office/drawing/2014/main" id="{4A06937D-26C7-E796-CC30-65DCC298E462}"/>
               </a:ext>
             </a:extLst>
           </p:cNvPr>
@@ -18774,15 +18810,16 @@
           </p:cNvPicPr>
           <p:nvPr/>
         </p:nvPicPr>
-        <p:blipFill rotWithShape="1">
+        <p:blipFill>
           <a:blip r:embed="rId4"/>
-          <a:srcRect t="11955" b="6962"/>
-          <a:stretch/>
+          <a:stretch>
+            <a:fillRect/>
+          </a:stretch>
         </p:blipFill>
         <p:spPr>
           <a:xfrm>
-            <a:off x="504825" y="2148388"/>
-            <a:ext cx="11182350" cy="2710828"/>
+            <a:off x="69034" y="2268118"/>
+            <a:ext cx="11944964" cy="2914800"/>
           </a:xfrm>
           <a:prstGeom prst="rect">
             <a:avLst/>
